--- a/it.unibo.issLabStart/userDocs/Introduction.pptx
+++ b/it.unibo.issLabStart/userDocs/Introduction.pptx
@@ -1455,7 +1455,7 @@
             <a:fld id="{E1625027-F480-45BE-98EB-E4ABD50F7C43}" type="datetime1">
               <a:rPr lang="en-US"/>
               <a:pPr lvl="0"/>
-              <a:t>2/18/2021</a:t>
+              <a:t>2/19/2021</a:t>
             </a:fld>
             <a:endParaRPr lang="en-US"/>
           </a:p>
@@ -1518,7 +1518,7 @@
           <a:p>
             <a:pPr lvl="0"/>
             <a:fld id="{FEBEED23-3CB0-4314-8E77-F77AE33DDC27}" type="slidenum">
-              <a:t>‹#›</a:t>
+              <a:t>‹N›</a:t>
             </a:fld>
             <a:endParaRPr lang="en-US"/>
           </a:p>
@@ -1660,7 +1660,7 @@
             <a:fld id="{2B127D2E-5ADA-4DDC-9F1A-AD6A016AA88A}" type="datetime1">
               <a:rPr lang="en-US"/>
               <a:pPr lvl="0"/>
-              <a:t>2/18/2021</a:t>
+              <a:t>2/19/2021</a:t>
             </a:fld>
             <a:endParaRPr lang="en-US"/>
           </a:p>
@@ -1723,7 +1723,7 @@
           <a:p>
             <a:pPr lvl="0"/>
             <a:fld id="{C85F89E6-E841-433D-9226-E1980481D595}" type="slidenum">
-              <a:t>‹#›</a:t>
+              <a:t>‹N›</a:t>
             </a:fld>
             <a:endParaRPr lang="en-US"/>
           </a:p>
@@ -1910,7 +1910,7 @@
             <a:fld id="{DC8D2D60-A35A-4E29-90AF-F462F3828E68}" type="datetime1">
               <a:rPr lang="en-US"/>
               <a:pPr lvl="0"/>
-              <a:t>2/18/2021</a:t>
+              <a:t>2/19/2021</a:t>
             </a:fld>
             <a:endParaRPr lang="en-US"/>
           </a:p>
@@ -1973,7 +1973,7 @@
           <a:p>
             <a:pPr lvl="0"/>
             <a:fld id="{25E8B9DC-1601-4E89-9BF3-67798058929C}" type="slidenum">
-              <a:t>‹#›</a:t>
+              <a:t>‹N›</a:t>
             </a:fld>
             <a:endParaRPr lang="en-US"/>
           </a:p>
@@ -2248,7 +2248,7 @@
             <a:fld id="{28219253-5FC5-4A40-8333-D1B15AC5878A}" type="datetime1">
               <a:rPr lang="en-US"/>
               <a:pPr lvl="0"/>
-              <a:t>2/18/2021</a:t>
+              <a:t>2/19/2021</a:t>
             </a:fld>
             <a:endParaRPr lang="en-US"/>
           </a:p>
@@ -2311,7 +2311,7 @@
           <a:p>
             <a:pPr lvl="0"/>
             <a:fld id="{86011E27-E238-48D1-8B6B-308E3305A798}" type="slidenum">
-              <a:t>‹#›</a:t>
+              <a:t>‹N›</a:t>
             </a:fld>
             <a:endParaRPr lang="en-US"/>
           </a:p>
@@ -2498,7 +2498,7 @@
             <a:fld id="{33CA4D83-3349-4ABB-88EE-6E4E7B0BB022}" type="datetime1">
               <a:rPr lang="en-US"/>
               <a:pPr lvl="0"/>
-              <a:t>2/18/2021</a:t>
+              <a:t>2/19/2021</a:t>
             </a:fld>
             <a:endParaRPr lang="en-US"/>
           </a:p>
@@ -2561,7 +2561,7 @@
           <a:p>
             <a:pPr lvl="0"/>
             <a:fld id="{3838CB40-8488-4632-BEE4-1726605F46A2}" type="slidenum">
-              <a:t>‹#›</a:t>
+              <a:t>‹N›</a:t>
             </a:fld>
             <a:endParaRPr lang="en-US"/>
           </a:p>
@@ -2878,7 +2878,7 @@
             <a:fld id="{2FB5C852-7CCC-490C-814F-DFECD5F43B20}" type="datetime1">
               <a:rPr lang="en-US"/>
               <a:pPr lvl="0"/>
-              <a:t>2/18/2021</a:t>
+              <a:t>2/19/2021</a:t>
             </a:fld>
             <a:endParaRPr lang="en-US"/>
           </a:p>
@@ -2941,7 +2941,7 @@
           <a:p>
             <a:pPr lvl="0"/>
             <a:fld id="{DF155DDB-B265-4385-85EB-9BB6F96920F3}" type="slidenum">
-              <a:t>‹#›</a:t>
+              <a:t>‹N›</a:t>
             </a:fld>
             <a:endParaRPr lang="en-US"/>
           </a:p>
@@ -3112,7 +3112,7 @@
             <a:fld id="{7B2A1F4C-93D8-43D7-8339-D733494904AF}" type="datetime1">
               <a:rPr lang="en-US"/>
               <a:pPr lvl="0"/>
-              <a:t>2/18/2021</a:t>
+              <a:t>2/19/2021</a:t>
             </a:fld>
             <a:endParaRPr lang="en-US"/>
           </a:p>
@@ -3175,7 +3175,7 @@
           <a:p>
             <a:pPr lvl="0"/>
             <a:fld id="{AFBA4CC0-DF28-4594-B397-0B69C273FCC7}" type="slidenum">
-              <a:t>‹#›</a:t>
+              <a:t>‹N›</a:t>
             </a:fld>
             <a:endParaRPr lang="en-US"/>
           </a:p>
@@ -3356,7 +3356,7 @@
             <a:fld id="{77885217-A614-4057-B794-FF8AEFCE0435}" type="datetime1">
               <a:rPr lang="en-US"/>
               <a:pPr lvl="0"/>
-              <a:t>2/18/2021</a:t>
+              <a:t>2/19/2021</a:t>
             </a:fld>
             <a:endParaRPr lang="en-US"/>
           </a:p>
@@ -3419,7 +3419,7 @@
           <a:p>
             <a:pPr lvl="0"/>
             <a:fld id="{EFAAD9BC-2D0C-483F-8155-9F1E48F77017}" type="slidenum">
-              <a:t>‹#›</a:t>
+              <a:t>‹N›</a:t>
             </a:fld>
             <a:endParaRPr lang="en-US"/>
           </a:p>
@@ -3590,7 +3590,7 @@
             <a:fld id="{D0DACD68-29B9-4EF3-AEDA-C2F359F2DD76}" type="datetime1">
               <a:rPr lang="en-US"/>
               <a:pPr lvl="0"/>
-              <a:t>2/18/2021</a:t>
+              <a:t>2/19/2021</a:t>
             </a:fld>
             <a:endParaRPr lang="en-US"/>
           </a:p>
@@ -3653,7 +3653,7 @@
           <a:p>
             <a:pPr lvl="0"/>
             <a:fld id="{7548A338-ED36-4B02-8A7A-B62AA2999902}" type="slidenum">
-              <a:t>‹#›</a:t>
+              <a:t>‹N›</a:t>
             </a:fld>
             <a:endParaRPr lang="en-US"/>
           </a:p>
@@ -3799,7 +3799,7 @@
             <a:fld id="{06E0725F-6EB9-4ECD-B0CE-1D38B1127686}" type="datetime1">
               <a:rPr lang="en-US"/>
               <a:pPr lvl="0"/>
-              <a:t>2/18/2021</a:t>
+              <a:t>2/19/2021</a:t>
             </a:fld>
             <a:endParaRPr lang="en-US"/>
           </a:p>
@@ -3862,7 +3862,7 @@
           <a:p>
             <a:pPr lvl="0"/>
             <a:fld id="{864A4FA9-6AAC-4551-B51D-2A8210D0C5CC}" type="slidenum">
-              <a:t>‹#›</a:t>
+              <a:t>‹N›</a:t>
             </a:fld>
             <a:endParaRPr lang="en-US"/>
           </a:p>
@@ -4116,7 +4116,7 @@
             <a:fld id="{4C942382-4B6B-45E1-9E36-EC8B67CEA045}" type="datetime1">
               <a:rPr lang="en-US"/>
               <a:pPr lvl="0"/>
-              <a:t>2/18/2021</a:t>
+              <a:t>2/19/2021</a:t>
             </a:fld>
             <a:endParaRPr lang="en-US"/>
           </a:p>
@@ -4179,7 +4179,7 @@
           <a:p>
             <a:pPr lvl="0"/>
             <a:fld id="{3B82688E-5447-4477-9F70-BCD59116F07E}" type="slidenum">
-              <a:t>‹#›</a:t>
+              <a:t>‹N›</a:t>
             </a:fld>
             <a:endParaRPr lang="en-US"/>
           </a:p>
@@ -4515,7 +4515,7 @@
             <a:fld id="{7D3D84F2-FEA2-4427-96E5-10B973ED4870}" type="datetime1">
               <a:rPr lang="en-US"/>
               <a:pPr lvl="0"/>
-              <a:t>2/18/2021</a:t>
+              <a:t>2/19/2021</a:t>
             </a:fld>
             <a:endParaRPr lang="en-US"/>
           </a:p>
@@ -4578,7 +4578,7 @@
           <a:p>
             <a:pPr lvl="0"/>
             <a:fld id="{CB2E60DC-FEE2-4D8E-B96B-62896C0CB29E}" type="slidenum">
-              <a:t>‹#›</a:t>
+              <a:t>‹N›</a:t>
             </a:fld>
             <a:endParaRPr lang="en-US"/>
           </a:p>
@@ -4676,7 +4676,7 @@
             <a:fld id="{B7AF3369-AE36-4F4C-A2F2-CD9A19A2C3F5}" type="datetime1">
               <a:rPr lang="en-US"/>
               <a:pPr lvl="0"/>
-              <a:t>2/18/2021</a:t>
+              <a:t>2/19/2021</a:t>
             </a:fld>
             <a:endParaRPr lang="en-US"/>
           </a:p>
@@ -4739,7 +4739,7 @@
           <a:p>
             <a:pPr lvl="0"/>
             <a:fld id="{89A43199-AD0E-4750-B27B-4C1D93A2EA32}" type="slidenum">
-              <a:t>‹#›</a:t>
+              <a:t>‹N›</a:t>
             </a:fld>
             <a:endParaRPr lang="en-US"/>
           </a:p>
@@ -4805,7 +4805,7 @@
             <a:fld id="{1DBFF290-4D61-45AA-9912-220341DCFF82}" type="datetime1">
               <a:rPr lang="en-US"/>
               <a:pPr lvl="0"/>
-              <a:t>2/18/2021</a:t>
+              <a:t>2/19/2021</a:t>
             </a:fld>
             <a:endParaRPr lang="en-US"/>
           </a:p>
@@ -4868,7 +4868,7 @@
           <a:p>
             <a:pPr lvl="0"/>
             <a:fld id="{1770E780-0E85-498B-B658-B69898171ACB}" type="slidenum">
-              <a:t>‹#›</a:t>
+              <a:t>‹N›</a:t>
             </a:fld>
             <a:endParaRPr lang="en-US"/>
           </a:p>
@@ -5088,7 +5088,7 @@
             <a:fld id="{394810FF-4C92-4868-8A78-69B7E79AAD23}" type="datetime1">
               <a:rPr lang="en-US"/>
               <a:pPr lvl="0"/>
-              <a:t>2/18/2021</a:t>
+              <a:t>2/19/2021</a:t>
             </a:fld>
             <a:endParaRPr lang="en-US"/>
           </a:p>
@@ -5151,7 +5151,7 @@
           <a:p>
             <a:pPr lvl="0"/>
             <a:fld id="{7AC017E1-2DD0-4D42-9E09-06ADDE3F63D7}" type="slidenum">
-              <a:t>‹#›</a:t>
+              <a:t>‹N›</a:t>
             </a:fld>
             <a:endParaRPr lang="en-US"/>
           </a:p>
@@ -5332,7 +5332,7 @@
             <a:fld id="{5EEF1104-63C8-41E5-ADC2-4624C67A1313}" type="datetime1">
               <a:rPr lang="en-US"/>
               <a:pPr lvl="0"/>
-              <a:t>2/18/2021</a:t>
+              <a:t>2/19/2021</a:t>
             </a:fld>
             <a:endParaRPr lang="en-US"/>
           </a:p>
@@ -5395,7 +5395,7 @@
           <a:p>
             <a:pPr lvl="0"/>
             <a:fld id="{3B62C8DE-7929-43A8-9BA2-34E07DFC7D3C}" type="slidenum">
-              <a:t>‹#›</a:t>
+              <a:t>‹N›</a:t>
             </a:fld>
             <a:endParaRPr lang="en-US"/>
           </a:p>
@@ -6818,7 +6818,7 @@
             <a:fld id="{3431AD46-0528-4BA3-9348-B3C09F91749D}" type="datetime1">
               <a:rPr lang="en-US"/>
               <a:pPr lvl="0"/>
-              <a:t>2/18/2021</a:t>
+              <a:t>2/19/2021</a:t>
             </a:fld>
             <a:endParaRPr lang="en-US"/>
           </a:p>
@@ -6943,7 +6943,7 @@
           <a:p>
             <a:pPr lvl="0"/>
             <a:fld id="{5FDB0281-6497-4923-A6A9-684DC7375417}" type="slidenum">
-              <a:t>‹#›</a:t>
+              <a:t>‹N›</a:t>
             </a:fld>
             <a:endParaRPr lang="en-US"/>
           </a:p>

--- a/it.unibo.issLabStart/userDocs/Introduction.pptx
+++ b/it.unibo.issLabStart/userDocs/Introduction.pptx
@@ -14,6 +14,12 @@
     <p:sldId id="261" r:id="rId8"/>
     <p:sldId id="271" r:id="rId9"/>
     <p:sldId id="264" r:id="rId10"/>
+    <p:sldId id="273" r:id="rId11"/>
+    <p:sldId id="311" r:id="rId12"/>
+    <p:sldId id="669" r:id="rId13"/>
+    <p:sldId id="274" r:id="rId14"/>
+    <p:sldId id="671" r:id="rId15"/>
+    <p:sldId id="651" r:id="rId16"/>
   </p:sldIdLst>
   <p:sldSz cx="12192000" cy="6858000"/>
   <p:notesSz cx="6858000" cy="9144000"/>
@@ -1455,7 +1461,7 @@
             <a:fld id="{E1625027-F480-45BE-98EB-E4ABD50F7C43}" type="datetime1">
               <a:rPr lang="en-US"/>
               <a:pPr lvl="0"/>
-              <a:t>2/19/2021</a:t>
+              <a:t>2/23/2021</a:t>
             </a:fld>
             <a:endParaRPr lang="en-US"/>
           </a:p>
@@ -1660,7 +1666,7 @@
             <a:fld id="{2B127D2E-5ADA-4DDC-9F1A-AD6A016AA88A}" type="datetime1">
               <a:rPr lang="en-US"/>
               <a:pPr lvl="0"/>
-              <a:t>2/19/2021</a:t>
+              <a:t>2/23/2021</a:t>
             </a:fld>
             <a:endParaRPr lang="en-US"/>
           </a:p>
@@ -1910,7 +1916,7 @@
             <a:fld id="{DC8D2D60-A35A-4E29-90AF-F462F3828E68}" type="datetime1">
               <a:rPr lang="en-US"/>
               <a:pPr lvl="0"/>
-              <a:t>2/19/2021</a:t>
+              <a:t>2/23/2021</a:t>
             </a:fld>
             <a:endParaRPr lang="en-US"/>
           </a:p>
@@ -2248,7 +2254,7 @@
             <a:fld id="{28219253-5FC5-4A40-8333-D1B15AC5878A}" type="datetime1">
               <a:rPr lang="en-US"/>
               <a:pPr lvl="0"/>
-              <a:t>2/19/2021</a:t>
+              <a:t>2/23/2021</a:t>
             </a:fld>
             <a:endParaRPr lang="en-US"/>
           </a:p>
@@ -2498,7 +2504,7 @@
             <a:fld id="{33CA4D83-3349-4ABB-88EE-6E4E7B0BB022}" type="datetime1">
               <a:rPr lang="en-US"/>
               <a:pPr lvl="0"/>
-              <a:t>2/19/2021</a:t>
+              <a:t>2/23/2021</a:t>
             </a:fld>
             <a:endParaRPr lang="en-US"/>
           </a:p>
@@ -2878,7 +2884,7 @@
             <a:fld id="{2FB5C852-7CCC-490C-814F-DFECD5F43B20}" type="datetime1">
               <a:rPr lang="en-US"/>
               <a:pPr lvl="0"/>
-              <a:t>2/19/2021</a:t>
+              <a:t>2/23/2021</a:t>
             </a:fld>
             <a:endParaRPr lang="en-US"/>
           </a:p>
@@ -3112,7 +3118,7 @@
             <a:fld id="{7B2A1F4C-93D8-43D7-8339-D733494904AF}" type="datetime1">
               <a:rPr lang="en-US"/>
               <a:pPr lvl="0"/>
-              <a:t>2/19/2021</a:t>
+              <a:t>2/23/2021</a:t>
             </a:fld>
             <a:endParaRPr lang="en-US"/>
           </a:p>
@@ -3356,7 +3362,7 @@
             <a:fld id="{77885217-A614-4057-B794-FF8AEFCE0435}" type="datetime1">
               <a:rPr lang="en-US"/>
               <a:pPr lvl="0"/>
-              <a:t>2/19/2021</a:t>
+              <a:t>2/23/2021</a:t>
             </a:fld>
             <a:endParaRPr lang="en-US"/>
           </a:p>
@@ -3590,7 +3596,7 @@
             <a:fld id="{D0DACD68-29B9-4EF3-AEDA-C2F359F2DD76}" type="datetime1">
               <a:rPr lang="en-US"/>
               <a:pPr lvl="0"/>
-              <a:t>2/19/2021</a:t>
+              <a:t>2/23/2021</a:t>
             </a:fld>
             <a:endParaRPr lang="en-US"/>
           </a:p>
@@ -3799,7 +3805,7 @@
             <a:fld id="{06E0725F-6EB9-4ECD-B0CE-1D38B1127686}" type="datetime1">
               <a:rPr lang="en-US"/>
               <a:pPr lvl="0"/>
-              <a:t>2/19/2021</a:t>
+              <a:t>2/23/2021</a:t>
             </a:fld>
             <a:endParaRPr lang="en-US"/>
           </a:p>
@@ -4116,7 +4122,7 @@
             <a:fld id="{4C942382-4B6B-45E1-9E36-EC8B67CEA045}" type="datetime1">
               <a:rPr lang="en-US"/>
               <a:pPr lvl="0"/>
-              <a:t>2/19/2021</a:t>
+              <a:t>2/23/2021</a:t>
             </a:fld>
             <a:endParaRPr lang="en-US"/>
           </a:p>
@@ -4515,7 +4521,7 @@
             <a:fld id="{7D3D84F2-FEA2-4427-96E5-10B973ED4870}" type="datetime1">
               <a:rPr lang="en-US"/>
               <a:pPr lvl="0"/>
-              <a:t>2/19/2021</a:t>
+              <a:t>2/23/2021</a:t>
             </a:fld>
             <a:endParaRPr lang="en-US"/>
           </a:p>
@@ -4676,7 +4682,7 @@
             <a:fld id="{B7AF3369-AE36-4F4C-A2F2-CD9A19A2C3F5}" type="datetime1">
               <a:rPr lang="en-US"/>
               <a:pPr lvl="0"/>
-              <a:t>2/19/2021</a:t>
+              <a:t>2/23/2021</a:t>
             </a:fld>
             <a:endParaRPr lang="en-US"/>
           </a:p>
@@ -4805,7 +4811,7 @@
             <a:fld id="{1DBFF290-4D61-45AA-9912-220341DCFF82}" type="datetime1">
               <a:rPr lang="en-US"/>
               <a:pPr lvl="0"/>
-              <a:t>2/19/2021</a:t>
+              <a:t>2/23/2021</a:t>
             </a:fld>
             <a:endParaRPr lang="en-US"/>
           </a:p>
@@ -5088,7 +5094,7 @@
             <a:fld id="{394810FF-4C92-4868-8A78-69B7E79AAD23}" type="datetime1">
               <a:rPr lang="en-US"/>
               <a:pPr lvl="0"/>
-              <a:t>2/19/2021</a:t>
+              <a:t>2/23/2021</a:t>
             </a:fld>
             <a:endParaRPr lang="en-US"/>
           </a:p>
@@ -5332,7 +5338,7 @@
             <a:fld id="{5EEF1104-63C8-41E5-ADC2-4624C67A1313}" type="datetime1">
               <a:rPr lang="en-US"/>
               <a:pPr lvl="0"/>
-              <a:t>2/19/2021</a:t>
+              <a:t>2/23/2021</a:t>
             </a:fld>
             <a:endParaRPr lang="en-US"/>
           </a:p>
@@ -6818,7 +6824,7 @@
             <a:fld id="{3431AD46-0528-4BA3-9348-B3C09F91749D}" type="datetime1">
               <a:rPr lang="en-US"/>
               <a:pPr lvl="0"/>
-              <a:t>2/19/2021</a:t>
+              <a:t>2/23/2021</a:t>
             </a:fld>
             <a:endParaRPr lang="en-US"/>
           </a:p>
@@ -10335,6 +10341,5208 @@
 </p:sld>
 </file>
 
+<file path=ppt/slides/slide10.xml><?xml version="1.0" encoding="utf-8"?>
+<p:sld xmlns:a="http://purl.oclc.org/ooxml/drawingml/main" xmlns:r="http://purl.oclc.org/ooxml/officeDocument/relationships" xmlns:p="http://purl.oclc.org/ooxml/presentationml/main">
+  <p:cSld>
+    <p:spTree>
+      <p:nvGrpSpPr>
+        <p:cNvPr id="1" name=""/>
+        <p:cNvGrpSpPr/>
+        <p:nvPr/>
+      </p:nvGrpSpPr>
+      <p:grpSpPr>
+        <a:xfrm>
+          <a:off x="0" y="0"/>
+          <a:ext cx="0" cy="0"/>
+          <a:chOff x="0" y="0"/>
+          <a:chExt cx="0" cy="0"/>
+        </a:xfrm>
+      </p:grpSpPr>
+      <p:sp>
+        <p:nvSpPr>
+          <p:cNvPr id="2" name="Titolo 1">
+            <a:extLst>
+              <a:ext uri="{FF2B5EF4-FFF2-40B4-BE49-F238E27FC236}">
+                <a16:creationId xmlns:a16="http://schemas.microsoft.com/office/drawing/2014/main" id="{7C41AD76-D116-458D-B2ED-B1BEEB0B0EF0}"/>
+              </a:ext>
+            </a:extLst>
+          </p:cNvPr>
+          <p:cNvSpPr>
+            <a:spLocks noGrp="1"/>
+          </p:cNvSpPr>
+          <p:nvPr>
+            <p:ph type="title"/>
+          </p:nvPr>
+        </p:nvSpPr>
+        <p:spPr/>
+        <p:txBody>
+          <a:bodyPr/>
+          <a:lstStyle/>
+          <a:p>
+            <a:r>
+              <a:rPr lang="it-IT" dirty="0"/>
+              <a:t>Books</a:t>
+            </a:r>
+          </a:p>
+        </p:txBody>
+      </p:sp>
+    </p:spTree>
+    <p:extLst>
+      <p:ext uri="{BB962C8B-B14F-4D97-AF65-F5344CB8AC3E}">
+        <p14:creationId xmlns:p14="http://schemas.microsoft.com/office/powerpoint/2010/main" val="2007821576"/>
+      </p:ext>
+    </p:extLst>
+  </p:cSld>
+  <p:clrMapOvr>
+    <a:masterClrMapping/>
+  </p:clrMapOvr>
+</p:sld>
+</file>
+
+<file path=ppt/slides/slide11.xml><?xml version="1.0" encoding="utf-8"?>
+<p:sld xmlns:a="http://purl.oclc.org/ooxml/drawingml/main" xmlns:r="http://purl.oclc.org/ooxml/officeDocument/relationships" xmlns:p="http://purl.oclc.org/ooxml/presentationml/main">
+  <p:cSld>
+    <p:spTree>
+      <p:nvGrpSpPr>
+        <p:cNvPr id="1" name=""/>
+        <p:cNvGrpSpPr/>
+        <p:nvPr/>
+      </p:nvGrpSpPr>
+      <p:grpSpPr>
+        <a:xfrm>
+          <a:off x="0" y="0"/>
+          <a:ext cx="0" cy="0"/>
+          <a:chOff x="0" y="0"/>
+          <a:chExt cx="0" cy="0"/>
+        </a:xfrm>
+      </p:grpSpPr>
+      <p:sp>
+        <p:nvSpPr>
+          <p:cNvPr id="2" name="Segnaposto piè di pagina 1"/>
+          <p:cNvSpPr>
+            <a:spLocks noGrp="1"/>
+          </p:cNvSpPr>
+          <p:nvPr>
+            <p:ph type="ftr" sz="quarter" idx="11"/>
+          </p:nvPr>
+        </p:nvSpPr>
+        <p:spPr>
+          <a:xfrm>
+            <a:off x="3124200" y="6356350"/>
+            <a:ext cx="2895600" cy="365125"/>
+          </a:xfrm>
+          <a:prstGeom prst="rect">
+            <a:avLst/>
+          </a:prstGeom>
+        </p:spPr>
+        <p:txBody>
+          <a:bodyPr vert="horz" lIns="91440" tIns="45720" rIns="91440" bIns="45720" rtlCol="0" anchor="ctr"/>
+          <a:lstStyle>
+            <a:defPPr>
+              <a:defRPr lang="en-US"/>
+            </a:defPPr>
+            <a:lvl1pPr marL="0" algn="ctr" defTabSz="914400" rtl="0" eaLnBrk="1" latinLnBrk="0" hangingPunct="1">
+              <a:defRPr sz="1200" kern="1200">
+                <a:solidFill>
+                  <a:schemeClr val="tx1">
+                    <a:tint val="75%"/>
+                  </a:schemeClr>
+                </a:solidFill>
+                <a:latin typeface="+mn-lt"/>
+                <a:ea typeface="+mn-ea"/>
+                <a:cs typeface="+mn-cs"/>
+              </a:defRPr>
+            </a:lvl1pPr>
+            <a:lvl2pPr marL="457200" algn="l" defTabSz="914400" rtl="0" eaLnBrk="1" latinLnBrk="0" hangingPunct="1">
+              <a:defRPr sz="1800" kern="1200">
+                <a:solidFill>
+                  <a:schemeClr val="tx1"/>
+                </a:solidFill>
+                <a:latin typeface="+mn-lt"/>
+                <a:ea typeface="+mn-ea"/>
+                <a:cs typeface="+mn-cs"/>
+              </a:defRPr>
+            </a:lvl2pPr>
+            <a:lvl3pPr marL="914400" algn="l" defTabSz="914400" rtl="0" eaLnBrk="1" latinLnBrk="0" hangingPunct="1">
+              <a:defRPr sz="1800" kern="1200">
+                <a:solidFill>
+                  <a:schemeClr val="tx1"/>
+                </a:solidFill>
+                <a:latin typeface="+mn-lt"/>
+                <a:ea typeface="+mn-ea"/>
+                <a:cs typeface="+mn-cs"/>
+              </a:defRPr>
+            </a:lvl3pPr>
+            <a:lvl4pPr marL="1371600" algn="l" defTabSz="914400" rtl="0" eaLnBrk="1" latinLnBrk="0" hangingPunct="1">
+              <a:defRPr sz="1800" kern="1200">
+                <a:solidFill>
+                  <a:schemeClr val="tx1"/>
+                </a:solidFill>
+                <a:latin typeface="+mn-lt"/>
+                <a:ea typeface="+mn-ea"/>
+                <a:cs typeface="+mn-cs"/>
+              </a:defRPr>
+            </a:lvl4pPr>
+            <a:lvl5pPr marL="1828800" algn="l" defTabSz="914400" rtl="0" eaLnBrk="1" latinLnBrk="0" hangingPunct="1">
+              <a:defRPr sz="1800" kern="1200">
+                <a:solidFill>
+                  <a:schemeClr val="tx1"/>
+                </a:solidFill>
+                <a:latin typeface="+mn-lt"/>
+                <a:ea typeface="+mn-ea"/>
+                <a:cs typeface="+mn-cs"/>
+              </a:defRPr>
+            </a:lvl5pPr>
+            <a:lvl6pPr marL="2286000" algn="l" defTabSz="914400" rtl="0" eaLnBrk="1" latinLnBrk="0" hangingPunct="1">
+              <a:defRPr sz="1800" kern="1200">
+                <a:solidFill>
+                  <a:schemeClr val="tx1"/>
+                </a:solidFill>
+                <a:latin typeface="+mn-lt"/>
+                <a:ea typeface="+mn-ea"/>
+                <a:cs typeface="+mn-cs"/>
+              </a:defRPr>
+            </a:lvl6pPr>
+            <a:lvl7pPr marL="2743200" algn="l" defTabSz="914400" rtl="0" eaLnBrk="1" latinLnBrk="0" hangingPunct="1">
+              <a:defRPr sz="1800" kern="1200">
+                <a:solidFill>
+                  <a:schemeClr val="tx1"/>
+                </a:solidFill>
+                <a:latin typeface="+mn-lt"/>
+                <a:ea typeface="+mn-ea"/>
+                <a:cs typeface="+mn-cs"/>
+              </a:defRPr>
+            </a:lvl7pPr>
+            <a:lvl8pPr marL="3200400" algn="l" defTabSz="914400" rtl="0" eaLnBrk="1" latinLnBrk="0" hangingPunct="1">
+              <a:defRPr sz="1800" kern="1200">
+                <a:solidFill>
+                  <a:schemeClr val="tx1"/>
+                </a:solidFill>
+                <a:latin typeface="+mn-lt"/>
+                <a:ea typeface="+mn-ea"/>
+                <a:cs typeface="+mn-cs"/>
+              </a:defRPr>
+            </a:lvl8pPr>
+            <a:lvl9pPr marL="3657600" algn="l" defTabSz="914400" rtl="0" eaLnBrk="1" latinLnBrk="0" hangingPunct="1">
+              <a:defRPr sz="1800" kern="1200">
+                <a:solidFill>
+                  <a:schemeClr val="tx1"/>
+                </a:solidFill>
+                <a:latin typeface="+mn-lt"/>
+                <a:ea typeface="+mn-ea"/>
+                <a:cs typeface="+mn-cs"/>
+              </a:defRPr>
+            </a:lvl9pPr>
+          </a:lstStyle>
+          <a:p>
+            <a:r>
+              <a:rPr lang="it-IT" dirty="0" err="1"/>
+              <a:t>ANatali</a:t>
+            </a:r>
+            <a:r>
+              <a:rPr lang="it-IT" dirty="0"/>
+              <a:t>  - DISI - ISSM2020  </a:t>
+            </a:r>
+            <a:r>
+              <a:rPr lang="it-IT" dirty="0" err="1"/>
+              <a:t>Univeristy</a:t>
+            </a:r>
+            <a:r>
+              <a:rPr lang="it-IT"/>
+              <a:t> of Bologna</a:t>
+            </a:r>
+            <a:endParaRPr lang="it-IT" dirty="0"/>
+          </a:p>
+        </p:txBody>
+      </p:sp>
+      <p:sp>
+        <p:nvSpPr>
+          <p:cNvPr id="3" name="Segnaposto numero diapositiva 2"/>
+          <p:cNvSpPr>
+            <a:spLocks noGrp="1"/>
+          </p:cNvSpPr>
+          <p:nvPr>
+            <p:ph type="sldNum" sz="quarter" idx="12"/>
+          </p:nvPr>
+        </p:nvSpPr>
+        <p:spPr>
+          <a:xfrm>
+            <a:off x="6553200" y="6356350"/>
+            <a:ext cx="2133600" cy="365125"/>
+          </a:xfrm>
+          <a:prstGeom prst="rect">
+            <a:avLst/>
+          </a:prstGeom>
+        </p:spPr>
+        <p:txBody>
+          <a:bodyPr vert="horz" lIns="91440" tIns="45720" rIns="91440" bIns="45720" rtlCol="0" anchor="ctr"/>
+          <a:lstStyle>
+            <a:defPPr>
+              <a:defRPr lang="en-US"/>
+            </a:defPPr>
+            <a:lvl1pPr marL="0" algn="r" defTabSz="914400" rtl="0" eaLnBrk="1" latinLnBrk="0" hangingPunct="1">
+              <a:defRPr sz="1200" kern="1200">
+                <a:solidFill>
+                  <a:schemeClr val="tx1">
+                    <a:tint val="75%"/>
+                  </a:schemeClr>
+                </a:solidFill>
+                <a:latin typeface="+mn-lt"/>
+                <a:ea typeface="+mn-ea"/>
+                <a:cs typeface="+mn-cs"/>
+              </a:defRPr>
+            </a:lvl1pPr>
+            <a:lvl2pPr marL="457200" algn="l" defTabSz="914400" rtl="0" eaLnBrk="1" latinLnBrk="0" hangingPunct="1">
+              <a:defRPr sz="1800" kern="1200">
+                <a:solidFill>
+                  <a:schemeClr val="tx1"/>
+                </a:solidFill>
+                <a:latin typeface="+mn-lt"/>
+                <a:ea typeface="+mn-ea"/>
+                <a:cs typeface="+mn-cs"/>
+              </a:defRPr>
+            </a:lvl2pPr>
+            <a:lvl3pPr marL="914400" algn="l" defTabSz="914400" rtl="0" eaLnBrk="1" latinLnBrk="0" hangingPunct="1">
+              <a:defRPr sz="1800" kern="1200">
+                <a:solidFill>
+                  <a:schemeClr val="tx1"/>
+                </a:solidFill>
+                <a:latin typeface="+mn-lt"/>
+                <a:ea typeface="+mn-ea"/>
+                <a:cs typeface="+mn-cs"/>
+              </a:defRPr>
+            </a:lvl3pPr>
+            <a:lvl4pPr marL="1371600" algn="l" defTabSz="914400" rtl="0" eaLnBrk="1" latinLnBrk="0" hangingPunct="1">
+              <a:defRPr sz="1800" kern="1200">
+                <a:solidFill>
+                  <a:schemeClr val="tx1"/>
+                </a:solidFill>
+                <a:latin typeface="+mn-lt"/>
+                <a:ea typeface="+mn-ea"/>
+                <a:cs typeface="+mn-cs"/>
+              </a:defRPr>
+            </a:lvl4pPr>
+            <a:lvl5pPr marL="1828800" algn="l" defTabSz="914400" rtl="0" eaLnBrk="1" latinLnBrk="0" hangingPunct="1">
+              <a:defRPr sz="1800" kern="1200">
+                <a:solidFill>
+                  <a:schemeClr val="tx1"/>
+                </a:solidFill>
+                <a:latin typeface="+mn-lt"/>
+                <a:ea typeface="+mn-ea"/>
+                <a:cs typeface="+mn-cs"/>
+              </a:defRPr>
+            </a:lvl5pPr>
+            <a:lvl6pPr marL="2286000" algn="l" defTabSz="914400" rtl="0" eaLnBrk="1" latinLnBrk="0" hangingPunct="1">
+              <a:defRPr sz="1800" kern="1200">
+                <a:solidFill>
+                  <a:schemeClr val="tx1"/>
+                </a:solidFill>
+                <a:latin typeface="+mn-lt"/>
+                <a:ea typeface="+mn-ea"/>
+                <a:cs typeface="+mn-cs"/>
+              </a:defRPr>
+            </a:lvl6pPr>
+            <a:lvl7pPr marL="2743200" algn="l" defTabSz="914400" rtl="0" eaLnBrk="1" latinLnBrk="0" hangingPunct="1">
+              <a:defRPr sz="1800" kern="1200">
+                <a:solidFill>
+                  <a:schemeClr val="tx1"/>
+                </a:solidFill>
+                <a:latin typeface="+mn-lt"/>
+                <a:ea typeface="+mn-ea"/>
+                <a:cs typeface="+mn-cs"/>
+              </a:defRPr>
+            </a:lvl7pPr>
+            <a:lvl8pPr marL="3200400" algn="l" defTabSz="914400" rtl="0" eaLnBrk="1" latinLnBrk="0" hangingPunct="1">
+              <a:defRPr sz="1800" kern="1200">
+                <a:solidFill>
+                  <a:schemeClr val="tx1"/>
+                </a:solidFill>
+                <a:latin typeface="+mn-lt"/>
+                <a:ea typeface="+mn-ea"/>
+                <a:cs typeface="+mn-cs"/>
+              </a:defRPr>
+            </a:lvl8pPr>
+            <a:lvl9pPr marL="3657600" algn="l" defTabSz="914400" rtl="0" eaLnBrk="1" latinLnBrk="0" hangingPunct="1">
+              <a:defRPr sz="1800" kern="1200">
+                <a:solidFill>
+                  <a:schemeClr val="tx1"/>
+                </a:solidFill>
+                <a:latin typeface="+mn-lt"/>
+                <a:ea typeface="+mn-ea"/>
+                <a:cs typeface="+mn-cs"/>
+              </a:defRPr>
+            </a:lvl9pPr>
+          </a:lstStyle>
+          <a:p>
+            <a:fld id="{6F6A5AB3-AF76-4EC9-853D-D4C335162C13}" type="slidenum">
+              <a:rPr lang="en-GB" smtClean="0"/>
+              <a:pPr/>
+              <a:t>11</a:t>
+            </a:fld>
+            <a:endParaRPr lang="it-IT"/>
+          </a:p>
+        </p:txBody>
+      </p:sp>
+      <p:sp>
+        <p:nvSpPr>
+          <p:cNvPr id="5" name="Rettangolo 4"/>
+          <p:cNvSpPr/>
+          <p:nvPr/>
+        </p:nvSpPr>
+        <p:spPr>
+          <a:xfrm>
+            <a:off x="9133538" y="-128740"/>
+            <a:ext cx="1241045" cy="923330"/>
+          </a:xfrm>
+          <a:prstGeom prst="rect">
+            <a:avLst/>
+          </a:prstGeom>
+          <a:noFill/>
+        </p:spPr>
+        <p:txBody>
+          <a:bodyPr wrap="none" lIns="91440" tIns="45720" rIns="91440" bIns="45720">
+            <a:spAutoFit/>
+          </a:bodyPr>
+          <a:lstStyle/>
+          <a:p>
+            <a:pPr algn="ctr"/>
+            <a:r>
+              <a:rPr lang="it-IT" sz="5400" b="1" dirty="0">
+                <a:ln w="1905"/>
+                <a:gradFill>
+                  <a:gsLst>
+                    <a:gs pos="0%">
+                      <a:schemeClr val="accent6">
+                        <a:shade val="20%"/>
+                        <a:satMod val="200%"/>
+                      </a:schemeClr>
+                    </a:gs>
+                    <a:gs pos="78%">
+                      <a:schemeClr val="accent6">
+                        <a:tint val="90%"/>
+                        <a:shade val="89%"/>
+                        <a:satMod val="220%"/>
+                      </a:schemeClr>
+                    </a:gs>
+                    <a:gs pos="100%">
+                      <a:schemeClr val="accent6">
+                        <a:tint val="12%"/>
+                        <a:satMod val="255%"/>
+                      </a:schemeClr>
+                    </a:gs>
+                  </a:gsLst>
+                  <a:lin ang="5400000"/>
+                </a:gradFill>
+                <a:effectLst>
+                  <a:innerShdw blurRad="69850" dist="43180" dir="5400000">
+                    <a:srgbClr val="000000">
+                      <a:alpha val="65%"/>
+                    </a:srgbClr>
+                  </a:innerShdw>
+                </a:effectLst>
+              </a:rPr>
+              <a:t>DSL</a:t>
+            </a:r>
+          </a:p>
+        </p:txBody>
+      </p:sp>
+      <p:grpSp>
+        <p:nvGrpSpPr>
+          <p:cNvPr id="15" name="Gruppo 14"/>
+          <p:cNvGrpSpPr/>
+          <p:nvPr/>
+        </p:nvGrpSpPr>
+        <p:grpSpPr>
+          <a:xfrm>
+            <a:off x="5612667" y="1611879"/>
+            <a:ext cx="4426972" cy="3293209"/>
+            <a:chOff x="4537846" y="3063689"/>
+            <a:chExt cx="4426972" cy="3293209"/>
+          </a:xfrm>
+        </p:grpSpPr>
+        <p:pic>
+          <p:nvPicPr>
+            <p:cNvPr id="6146" name="Picture 2" descr="https://images-na.ssl-images-amazon.com/images/I/415XWbrmA8L._SX382_BO1,204,203,200_.jpg"/>
+            <p:cNvPicPr>
+              <a:picLocks noChangeAspect="1" noChangeArrowheads="1"/>
+            </p:cNvPicPr>
+            <p:nvPr/>
+          </p:nvPicPr>
+          <p:blipFill>
+            <a:blip r:embed="rId2">
+              <a:extLst>
+                <a:ext uri="{28A0092B-C50C-407E-A947-70E740481C1C}">
+                  <a14:useLocalDpi xmlns:a14="http://schemas.microsoft.com/office/drawing/2010/main" val="0"/>
+                </a:ext>
+              </a:extLst>
+            </a:blip>
+            <a:srcRect/>
+            <a:stretch>
+              <a:fillRect/>
+            </a:stretch>
+          </p:blipFill>
+          <p:spPr bwMode="auto">
+            <a:xfrm>
+              <a:off x="4537846" y="3183970"/>
+              <a:ext cx="1906362" cy="2477278"/>
+            </a:xfrm>
+            <a:prstGeom prst="rect">
+              <a:avLst/>
+            </a:prstGeom>
+            <a:noFill/>
+            <a:extLst>
+              <a:ext uri="{909E8E84-426E-40DD-AFC4-6F175D3DCCD1}">
+                <a14:hiddenFill xmlns:a14="http://schemas.microsoft.com/office/drawing/2010/main">
+                  <a:solidFill>
+                    <a:srgbClr val="FFFFFF"/>
+                  </a:solidFill>
+                </a14:hiddenFill>
+              </a:ext>
+            </a:extLst>
+          </p:spPr>
+        </p:pic>
+        <p:sp>
+          <p:nvSpPr>
+            <p:cNvPr id="7" name="CasellaDiTesto 6"/>
+            <p:cNvSpPr txBox="1"/>
+            <p:nvPr/>
+          </p:nvSpPr>
+          <p:spPr>
+            <a:xfrm>
+              <a:off x="5583224" y="5476582"/>
+              <a:ext cx="652743" cy="369332"/>
+            </a:xfrm>
+            <a:prstGeom prst="rect">
+              <a:avLst/>
+            </a:prstGeom>
+          </p:spPr>
+          <p:style>
+            <a:lnRef idx="1">
+              <a:schemeClr val="accent3"/>
+            </a:lnRef>
+            <a:fillRef idx="2">
+              <a:schemeClr val="accent3"/>
+            </a:fillRef>
+            <a:effectRef idx="1">
+              <a:schemeClr val="accent3"/>
+            </a:effectRef>
+            <a:fontRef idx="minor">
+              <a:schemeClr val="dk1"/>
+            </a:fontRef>
+          </p:style>
+          <p:txBody>
+            <a:bodyPr wrap="none" rtlCol="0">
+              <a:spAutoFit/>
+            </a:bodyPr>
+            <a:lstStyle/>
+            <a:p>
+              <a:r>
+                <a:rPr lang="it-IT" dirty="0"/>
+                <a:t>2013</a:t>
+              </a:r>
+              <a:endParaRPr lang="en-US" dirty="0"/>
+            </a:p>
+          </p:txBody>
+        </p:sp>
+        <p:sp>
+          <p:nvSpPr>
+            <p:cNvPr id="4" name="CasellaDiTesto 3"/>
+            <p:cNvSpPr txBox="1"/>
+            <p:nvPr/>
+          </p:nvSpPr>
+          <p:spPr>
+            <a:xfrm>
+              <a:off x="6463799" y="3063689"/>
+              <a:ext cx="2501019" cy="3293209"/>
+            </a:xfrm>
+            <a:prstGeom prst="rect">
+              <a:avLst/>
+            </a:prstGeom>
+            <a:noFill/>
+          </p:spPr>
+          <p:txBody>
+            <a:bodyPr wrap="square" rtlCol="0">
+              <a:spAutoFit/>
+            </a:bodyPr>
+            <a:lstStyle/>
+            <a:p>
+              <a:r>
+                <a:rPr lang="en-US" sz="1600" dirty="0"/>
+                <a:t>This book provides a thorough introduction to DSL, relying on today’s state of the art language workbenches.</a:t>
+              </a:r>
+            </a:p>
+            <a:p>
+              <a:r>
+                <a:rPr lang="en-US" sz="1600" dirty="0"/>
+                <a:t>The book provides details about the implementation of DSLs with lots of code. It uses three state-of-the-art but quite different language workbenches: </a:t>
+              </a:r>
+              <a:r>
+                <a:rPr lang="en-US" sz="1600" dirty="0" err="1"/>
+                <a:t>JetBrains</a:t>
+              </a:r>
+              <a:r>
+                <a:rPr lang="en-US" sz="1600" dirty="0"/>
+                <a:t> MPS, Eclipse </a:t>
+              </a:r>
+              <a:r>
+                <a:rPr lang="en-US" sz="1600" dirty="0" err="1"/>
+                <a:t>Xtext</a:t>
+              </a:r>
+              <a:r>
+                <a:rPr lang="en-US" sz="1600" dirty="0"/>
+                <a:t> and TU Delft’s </a:t>
+              </a:r>
+              <a:r>
+                <a:rPr lang="en-US" sz="1600" dirty="0" err="1"/>
+                <a:t>Spoofax</a:t>
+              </a:r>
+              <a:r>
+                <a:rPr lang="en-US" sz="1600" dirty="0"/>
+                <a:t>.</a:t>
+              </a:r>
+            </a:p>
+          </p:txBody>
+        </p:sp>
+      </p:grpSp>
+      <p:sp>
+        <p:nvSpPr>
+          <p:cNvPr id="9" name="Rettangolo 8"/>
+          <p:cNvSpPr/>
+          <p:nvPr/>
+        </p:nvSpPr>
+        <p:spPr>
+          <a:xfrm>
+            <a:off x="1847529" y="107472"/>
+            <a:ext cx="4950235" cy="461665"/>
+          </a:xfrm>
+          <a:prstGeom prst="rect">
+            <a:avLst/>
+          </a:prstGeom>
+        </p:spPr>
+        <p:style>
+          <a:lnRef idx="3">
+            <a:schemeClr val="lt1"/>
+          </a:lnRef>
+          <a:fillRef idx="1">
+            <a:schemeClr val="accent1"/>
+          </a:fillRef>
+          <a:effectRef idx="1">
+            <a:schemeClr val="accent1"/>
+          </a:effectRef>
+          <a:fontRef idx="minor">
+            <a:schemeClr val="lt1"/>
+          </a:fontRef>
+        </p:style>
+        <p:txBody>
+          <a:bodyPr wrap="square">
+            <a:spAutoFit/>
+          </a:bodyPr>
+          <a:lstStyle/>
+          <a:p>
+            <a:pPr algn="ctr"/>
+            <a:r>
+              <a:rPr lang="en-US" sz="2400" dirty="0"/>
+              <a:t>Domain-Specific Languages </a:t>
+            </a:r>
+          </a:p>
+        </p:txBody>
+      </p:sp>
+      <p:sp>
+        <p:nvSpPr>
+          <p:cNvPr id="8" name="CasellaDiTesto 7"/>
+          <p:cNvSpPr txBox="1"/>
+          <p:nvPr/>
+        </p:nvSpPr>
+        <p:spPr>
+          <a:xfrm>
+            <a:off x="1644590" y="755365"/>
+            <a:ext cx="8972582" cy="369332"/>
+          </a:xfrm>
+          <a:prstGeom prst="rect">
+            <a:avLst/>
+          </a:prstGeom>
+          <a:noFill/>
+        </p:spPr>
+        <p:txBody>
+          <a:bodyPr wrap="square" rtlCol="0">
+            <a:spAutoFit/>
+          </a:bodyPr>
+          <a:lstStyle/>
+          <a:p>
+            <a:r>
+              <a:rPr lang="en-US" dirty="0"/>
+              <a:t> </a:t>
+            </a:r>
+          </a:p>
+        </p:txBody>
+      </p:sp>
+      <p:grpSp>
+        <p:nvGrpSpPr>
+          <p:cNvPr id="14" name="Gruppo 13"/>
+          <p:cNvGrpSpPr/>
+          <p:nvPr/>
+        </p:nvGrpSpPr>
+        <p:grpSpPr>
+          <a:xfrm>
+            <a:off x="1081199" y="1639572"/>
+            <a:ext cx="4526056" cy="3293209"/>
+            <a:chOff x="6378" y="3091382"/>
+            <a:chExt cx="4526056" cy="3293209"/>
+          </a:xfrm>
+        </p:grpSpPr>
+        <p:pic>
+          <p:nvPicPr>
+            <p:cNvPr id="6148" name="Picture 4" descr="https://images-na.ssl-images-amazon.com/images/I/51dZT7986fL._SX400_BO1,204,203,200_.jpg"/>
+            <p:cNvPicPr>
+              <a:picLocks noChangeAspect="1" noChangeArrowheads="1"/>
+            </p:cNvPicPr>
+            <p:nvPr/>
+          </p:nvPicPr>
+          <p:blipFill>
+            <a:blip r:embed="rId3">
+              <a:extLst>
+                <a:ext uri="{28A0092B-C50C-407E-A947-70E740481C1C}">
+                  <a14:useLocalDpi xmlns:a14="http://schemas.microsoft.com/office/drawing/2010/main" val="0"/>
+                </a:ext>
+              </a:extLst>
+            </a:blip>
+            <a:srcRect/>
+            <a:stretch>
+              <a:fillRect/>
+            </a:stretch>
+          </p:blipFill>
+          <p:spPr bwMode="auto">
+            <a:xfrm>
+              <a:off x="2571927" y="3183970"/>
+              <a:ext cx="1960507" cy="2438441"/>
+            </a:xfrm>
+            <a:prstGeom prst="rect">
+              <a:avLst/>
+            </a:prstGeom>
+            <a:noFill/>
+            <a:extLst>
+              <a:ext uri="{909E8E84-426E-40DD-AFC4-6F175D3DCCD1}">
+                <a14:hiddenFill xmlns:a14="http://schemas.microsoft.com/office/drawing/2010/main">
+                  <a:solidFill>
+                    <a:srgbClr val="FFFFFF"/>
+                  </a:solidFill>
+                </a14:hiddenFill>
+              </a:ext>
+            </a:extLst>
+          </p:spPr>
+        </p:pic>
+        <p:sp>
+          <p:nvSpPr>
+            <p:cNvPr id="12" name="CasellaDiTesto 11"/>
+            <p:cNvSpPr txBox="1"/>
+            <p:nvPr/>
+          </p:nvSpPr>
+          <p:spPr>
+            <a:xfrm>
+              <a:off x="3579476" y="5405156"/>
+              <a:ext cx="652743" cy="369332"/>
+            </a:xfrm>
+            <a:prstGeom prst="rect">
+              <a:avLst/>
+            </a:prstGeom>
+          </p:spPr>
+          <p:style>
+            <a:lnRef idx="1">
+              <a:schemeClr val="accent3"/>
+            </a:lnRef>
+            <a:fillRef idx="2">
+              <a:schemeClr val="accent3"/>
+            </a:fillRef>
+            <a:effectRef idx="1">
+              <a:schemeClr val="accent3"/>
+            </a:effectRef>
+            <a:fontRef idx="minor">
+              <a:schemeClr val="dk1"/>
+            </a:fontRef>
+          </p:style>
+          <p:txBody>
+            <a:bodyPr wrap="none" rtlCol="0">
+              <a:spAutoFit/>
+            </a:bodyPr>
+            <a:lstStyle/>
+            <a:p>
+              <a:r>
+                <a:rPr lang="it-IT" dirty="0"/>
+                <a:t>2010</a:t>
+              </a:r>
+              <a:endParaRPr lang="en-US" dirty="0"/>
+            </a:p>
+          </p:txBody>
+        </p:sp>
+        <p:sp>
+          <p:nvSpPr>
+            <p:cNvPr id="10" name="CasellaDiTesto 9"/>
+            <p:cNvSpPr txBox="1"/>
+            <p:nvPr/>
+          </p:nvSpPr>
+          <p:spPr>
+            <a:xfrm>
+              <a:off x="6378" y="3091382"/>
+              <a:ext cx="2627227" cy="3293209"/>
+            </a:xfrm>
+            <a:prstGeom prst="rect">
+              <a:avLst/>
+            </a:prstGeom>
+            <a:noFill/>
+          </p:spPr>
+          <p:txBody>
+            <a:bodyPr wrap="square" rtlCol="0">
+              <a:spAutoFit/>
+            </a:bodyPr>
+            <a:lstStyle/>
+            <a:p>
+              <a:r>
+                <a:rPr lang="en-US" sz="1600" dirty="0"/>
+                <a:t>Fowler presents effective techniques for building DSL, and guides software engineers in choosing the right approaches for their applications. This book's techniques may be utilized with most modern object-oriented languages; the author provides numerous examples in Java and C#, as well as selected examples in Ruby</a:t>
+              </a:r>
+            </a:p>
+          </p:txBody>
+        </p:sp>
+      </p:grpSp>
+      <p:sp>
+        <p:nvSpPr>
+          <p:cNvPr id="16" name="Rettangolo 15"/>
+          <p:cNvSpPr/>
+          <p:nvPr/>
+        </p:nvSpPr>
+        <p:spPr>
+          <a:xfrm>
+            <a:off x="3676259" y="4322678"/>
+            <a:ext cx="1936408" cy="461665"/>
+          </a:xfrm>
+          <a:prstGeom prst="rect">
+            <a:avLst/>
+          </a:prstGeom>
+        </p:spPr>
+        <p:style>
+          <a:lnRef idx="2">
+            <a:schemeClr val="accent1"/>
+          </a:lnRef>
+          <a:fillRef idx="1">
+            <a:schemeClr val="lt1"/>
+          </a:fillRef>
+          <a:effectRef idx="0">
+            <a:schemeClr val="accent1"/>
+          </a:effectRef>
+          <a:fontRef idx="minor">
+            <a:schemeClr val="dk1"/>
+          </a:fontRef>
+        </p:style>
+        <p:txBody>
+          <a:bodyPr wrap="square">
+            <a:spAutoFit/>
+          </a:bodyPr>
+          <a:lstStyle/>
+          <a:p>
+            <a:r>
+              <a:rPr lang="en-GB" sz="1200" b="1" dirty="0"/>
+              <a:t>ISBN-10:</a:t>
+            </a:r>
+            <a:r>
+              <a:rPr lang="en-GB" sz="1200" dirty="0"/>
+              <a:t> 0321712943</a:t>
+            </a:r>
+          </a:p>
+          <a:p>
+            <a:r>
+              <a:rPr lang="en-GB" sz="1200" b="1" dirty="0"/>
+              <a:t>ISBN-13:</a:t>
+            </a:r>
+            <a:r>
+              <a:rPr lang="en-GB" sz="1200" dirty="0"/>
+              <a:t> 978-0321712943</a:t>
+            </a:r>
+          </a:p>
+        </p:txBody>
+      </p:sp>
+      <p:sp>
+        <p:nvSpPr>
+          <p:cNvPr id="18" name="Rettangolo 17"/>
+          <p:cNvSpPr/>
+          <p:nvPr/>
+        </p:nvSpPr>
+        <p:spPr>
+          <a:xfrm>
+            <a:off x="5637622" y="4322678"/>
+            <a:ext cx="1900998" cy="461665"/>
+          </a:xfrm>
+          <a:prstGeom prst="rect">
+            <a:avLst/>
+          </a:prstGeom>
+        </p:spPr>
+        <p:style>
+          <a:lnRef idx="2">
+            <a:schemeClr val="accent1"/>
+          </a:lnRef>
+          <a:fillRef idx="1">
+            <a:schemeClr val="lt1"/>
+          </a:fillRef>
+          <a:effectRef idx="0">
+            <a:schemeClr val="accent1"/>
+          </a:effectRef>
+          <a:fontRef idx="minor">
+            <a:schemeClr val="dk1"/>
+          </a:fontRef>
+        </p:style>
+        <p:txBody>
+          <a:bodyPr wrap="square">
+            <a:spAutoFit/>
+          </a:bodyPr>
+          <a:lstStyle/>
+          <a:p>
+            <a:r>
+              <a:rPr lang="en-GB" sz="1200" b="1" dirty="0"/>
+              <a:t>ISBN-10:</a:t>
+            </a:r>
+            <a:r>
+              <a:rPr lang="en-GB" sz="1200" dirty="0"/>
+              <a:t> 1481218581</a:t>
+            </a:r>
+          </a:p>
+          <a:p>
+            <a:r>
+              <a:rPr lang="en-GB" sz="1200" b="1" dirty="0"/>
+              <a:t>ISBN-13:</a:t>
+            </a:r>
+            <a:r>
+              <a:rPr lang="en-GB" sz="1200" dirty="0"/>
+              <a:t> 978-1481218580</a:t>
+            </a:r>
+          </a:p>
+        </p:txBody>
+      </p:sp>
+    </p:spTree>
+    <p:extLst>
+      <p:ext uri="{BB962C8B-B14F-4D97-AF65-F5344CB8AC3E}">
+        <p14:creationId xmlns:p14="http://schemas.microsoft.com/office/powerpoint/2010/main" val="3984632669"/>
+      </p:ext>
+    </p:extLst>
+  </p:cSld>
+  <p:clrMapOvr>
+    <a:masterClrMapping/>
+  </p:clrMapOvr>
+  <p:timing>
+    <p:tnLst>
+      <p:par>
+        <p:cTn id="1" dur="indefinite" restart="never" nodeType="tmRoot">
+          <p:childTnLst>
+            <p:seq concurrent="1" nextAc="seek">
+              <p:cTn id="2" dur="indefinite" nodeType="mainSeq">
+                <p:childTnLst>
+                  <p:par>
+                    <p:cTn id="3" fill="hold">
+                      <p:stCondLst>
+                        <p:cond delay="indefinite"/>
+                      </p:stCondLst>
+                      <p:childTnLst>
+                        <p:par>
+                          <p:cTn id="4" fill="hold">
+                            <p:stCondLst>
+                              <p:cond delay="0"/>
+                            </p:stCondLst>
+                            <p:childTnLst>
+                              <p:par>
+                                <p:cTn id="5" presetID="2" presetClass="entr" presetSubtype="4" fill="hold" grpId="0" nodeType="clickEffect">
+                                  <p:stCondLst>
+                                    <p:cond delay="0"/>
+                                  </p:stCondLst>
+                                  <p:childTnLst>
+                                    <p:set>
+                                      <p:cBhvr>
+                                        <p:cTn id="6" dur="1" fill="hold">
+                                          <p:stCondLst>
+                                            <p:cond delay="0"/>
+                                          </p:stCondLst>
+                                        </p:cTn>
+                                        <p:tgtEl>
+                                          <p:spTgt spid="8"/>
+                                        </p:tgtEl>
+                                        <p:attrNameLst>
+                                          <p:attrName>style.visibility</p:attrName>
+                                        </p:attrNameLst>
+                                      </p:cBhvr>
+                                      <p:to>
+                                        <p:strVal val="visible"/>
+                                      </p:to>
+                                    </p:set>
+                                    <p:anim calcmode="lin" valueType="num">
+                                      <p:cBhvr additive="base">
+                                        <p:cTn id="7" dur="500" fill="hold"/>
+                                        <p:tgtEl>
+                                          <p:spTgt spid="8"/>
+                                        </p:tgtEl>
+                                        <p:attrNameLst>
+                                          <p:attrName>ppt_x</p:attrName>
+                                        </p:attrNameLst>
+                                      </p:cBhvr>
+                                      <p:tavLst>
+                                        <p:tav tm="0%">
+                                          <p:val>
+                                            <p:strVal val="#ppt_x"/>
+                                          </p:val>
+                                        </p:tav>
+                                        <p:tav tm="100%">
+                                          <p:val>
+                                            <p:strVal val="#ppt_x"/>
+                                          </p:val>
+                                        </p:tav>
+                                      </p:tavLst>
+                                    </p:anim>
+                                    <p:anim calcmode="lin" valueType="num">
+                                      <p:cBhvr additive="base">
+                                        <p:cTn id="8" dur="500" fill="hold"/>
+                                        <p:tgtEl>
+                                          <p:spTgt spid="8"/>
+                                        </p:tgtEl>
+                                        <p:attrNameLst>
+                                          <p:attrName>ppt_y</p:attrName>
+                                        </p:attrNameLst>
+                                      </p:cBhvr>
+                                      <p:tavLst>
+                                        <p:tav tm="0%">
+                                          <p:val>
+                                            <p:strVal val="1+#ppt_h/2"/>
+                                          </p:val>
+                                        </p:tav>
+                                        <p:tav tm="100%">
+                                          <p:val>
+                                            <p:strVal val="#ppt_y"/>
+                                          </p:val>
+                                        </p:tav>
+                                      </p:tavLst>
+                                    </p:anim>
+                                  </p:childTnLst>
+                                </p:cTn>
+                              </p:par>
+                            </p:childTnLst>
+                          </p:cTn>
+                        </p:par>
+                      </p:childTnLst>
+                    </p:cTn>
+                  </p:par>
+                  <p:par>
+                    <p:cTn id="9" fill="hold">
+                      <p:stCondLst>
+                        <p:cond delay="indefinite"/>
+                      </p:stCondLst>
+                      <p:childTnLst>
+                        <p:par>
+                          <p:cTn id="10" fill="hold">
+                            <p:stCondLst>
+                              <p:cond delay="0"/>
+                            </p:stCondLst>
+                            <p:childTnLst>
+                              <p:par>
+                                <p:cTn id="11" presetID="2" presetClass="entr" presetSubtype="4" fill="hold" nodeType="clickEffect">
+                                  <p:stCondLst>
+                                    <p:cond delay="0"/>
+                                  </p:stCondLst>
+                                  <p:childTnLst>
+                                    <p:set>
+                                      <p:cBhvr>
+                                        <p:cTn id="12" dur="1" fill="hold">
+                                          <p:stCondLst>
+                                            <p:cond delay="0"/>
+                                          </p:stCondLst>
+                                        </p:cTn>
+                                        <p:tgtEl>
+                                          <p:spTgt spid="14"/>
+                                        </p:tgtEl>
+                                        <p:attrNameLst>
+                                          <p:attrName>style.visibility</p:attrName>
+                                        </p:attrNameLst>
+                                      </p:cBhvr>
+                                      <p:to>
+                                        <p:strVal val="visible"/>
+                                      </p:to>
+                                    </p:set>
+                                    <p:anim calcmode="lin" valueType="num">
+                                      <p:cBhvr additive="base">
+                                        <p:cTn id="13" dur="500" fill="hold"/>
+                                        <p:tgtEl>
+                                          <p:spTgt spid="14"/>
+                                        </p:tgtEl>
+                                        <p:attrNameLst>
+                                          <p:attrName>ppt_x</p:attrName>
+                                        </p:attrNameLst>
+                                      </p:cBhvr>
+                                      <p:tavLst>
+                                        <p:tav tm="0%">
+                                          <p:val>
+                                            <p:strVal val="#ppt_x"/>
+                                          </p:val>
+                                        </p:tav>
+                                        <p:tav tm="100%">
+                                          <p:val>
+                                            <p:strVal val="#ppt_x"/>
+                                          </p:val>
+                                        </p:tav>
+                                      </p:tavLst>
+                                    </p:anim>
+                                    <p:anim calcmode="lin" valueType="num">
+                                      <p:cBhvr additive="base">
+                                        <p:cTn id="14" dur="500" fill="hold"/>
+                                        <p:tgtEl>
+                                          <p:spTgt spid="14"/>
+                                        </p:tgtEl>
+                                        <p:attrNameLst>
+                                          <p:attrName>ppt_y</p:attrName>
+                                        </p:attrNameLst>
+                                      </p:cBhvr>
+                                      <p:tavLst>
+                                        <p:tav tm="0%">
+                                          <p:val>
+                                            <p:strVal val="1+#ppt_h/2"/>
+                                          </p:val>
+                                        </p:tav>
+                                        <p:tav tm="100%">
+                                          <p:val>
+                                            <p:strVal val="#ppt_y"/>
+                                          </p:val>
+                                        </p:tav>
+                                      </p:tavLst>
+                                    </p:anim>
+                                  </p:childTnLst>
+                                </p:cTn>
+                              </p:par>
+                            </p:childTnLst>
+                          </p:cTn>
+                        </p:par>
+                      </p:childTnLst>
+                    </p:cTn>
+                  </p:par>
+                  <p:par>
+                    <p:cTn id="15" fill="hold">
+                      <p:stCondLst>
+                        <p:cond delay="indefinite"/>
+                      </p:stCondLst>
+                      <p:childTnLst>
+                        <p:par>
+                          <p:cTn id="16" fill="hold">
+                            <p:stCondLst>
+                              <p:cond delay="0"/>
+                            </p:stCondLst>
+                            <p:childTnLst>
+                              <p:par>
+                                <p:cTn id="17" presetID="2" presetClass="entr" presetSubtype="4" fill="hold" nodeType="clickEffect">
+                                  <p:stCondLst>
+                                    <p:cond delay="0"/>
+                                  </p:stCondLst>
+                                  <p:childTnLst>
+                                    <p:set>
+                                      <p:cBhvr>
+                                        <p:cTn id="18" dur="1" fill="hold">
+                                          <p:stCondLst>
+                                            <p:cond delay="0"/>
+                                          </p:stCondLst>
+                                        </p:cTn>
+                                        <p:tgtEl>
+                                          <p:spTgt spid="15"/>
+                                        </p:tgtEl>
+                                        <p:attrNameLst>
+                                          <p:attrName>style.visibility</p:attrName>
+                                        </p:attrNameLst>
+                                      </p:cBhvr>
+                                      <p:to>
+                                        <p:strVal val="visible"/>
+                                      </p:to>
+                                    </p:set>
+                                    <p:anim calcmode="lin" valueType="num">
+                                      <p:cBhvr additive="base">
+                                        <p:cTn id="19" dur="500" fill="hold"/>
+                                        <p:tgtEl>
+                                          <p:spTgt spid="15"/>
+                                        </p:tgtEl>
+                                        <p:attrNameLst>
+                                          <p:attrName>ppt_x</p:attrName>
+                                        </p:attrNameLst>
+                                      </p:cBhvr>
+                                      <p:tavLst>
+                                        <p:tav tm="0%">
+                                          <p:val>
+                                            <p:strVal val="#ppt_x"/>
+                                          </p:val>
+                                        </p:tav>
+                                        <p:tav tm="100%">
+                                          <p:val>
+                                            <p:strVal val="#ppt_x"/>
+                                          </p:val>
+                                        </p:tav>
+                                      </p:tavLst>
+                                    </p:anim>
+                                    <p:anim calcmode="lin" valueType="num">
+                                      <p:cBhvr additive="base">
+                                        <p:cTn id="20" dur="500" fill="hold"/>
+                                        <p:tgtEl>
+                                          <p:spTgt spid="15"/>
+                                        </p:tgtEl>
+                                        <p:attrNameLst>
+                                          <p:attrName>ppt_y</p:attrName>
+                                        </p:attrNameLst>
+                                      </p:cBhvr>
+                                      <p:tavLst>
+                                        <p:tav tm="0%">
+                                          <p:val>
+                                            <p:strVal val="1+#ppt_h/2"/>
+                                          </p:val>
+                                        </p:tav>
+                                        <p:tav tm="100%">
+                                          <p:val>
+                                            <p:strVal val="#ppt_y"/>
+                                          </p:val>
+                                        </p:tav>
+                                      </p:tavLst>
+                                    </p:anim>
+                                  </p:childTnLst>
+                                </p:cTn>
+                              </p:par>
+                            </p:childTnLst>
+                          </p:cTn>
+                        </p:par>
+                      </p:childTnLst>
+                    </p:cTn>
+                  </p:par>
+                </p:childTnLst>
+              </p:cTn>
+              <p:prevCondLst>
+                <p:cond evt="onPrev" delay="0">
+                  <p:tgtEl>
+                    <p:sldTgt/>
+                  </p:tgtEl>
+                </p:cond>
+              </p:prevCondLst>
+              <p:nextCondLst>
+                <p:cond evt="onNext" delay="0">
+                  <p:tgtEl>
+                    <p:sldTgt/>
+                  </p:tgtEl>
+                </p:cond>
+              </p:nextCondLst>
+            </p:seq>
+          </p:childTnLst>
+        </p:cTn>
+      </p:par>
+    </p:tnLst>
+    <p:bldLst>
+      <p:bldP spid="8" grpId="0"/>
+    </p:bldLst>
+  </p:timing>
+</p:sld>
+</file>
+
+<file path=ppt/slides/slide12.xml><?xml version="1.0" encoding="utf-8"?>
+<p:sld xmlns:a="http://purl.oclc.org/ooxml/drawingml/main" xmlns:r="http://purl.oclc.org/ooxml/officeDocument/relationships" xmlns:p="http://purl.oclc.org/ooxml/presentationml/main">
+  <p:cSld>
+    <p:spTree>
+      <p:nvGrpSpPr>
+        <p:cNvPr id="1" name=""/>
+        <p:cNvGrpSpPr/>
+        <p:nvPr/>
+      </p:nvGrpSpPr>
+      <p:grpSpPr>
+        <a:xfrm>
+          <a:off x="0" y="0"/>
+          <a:ext cx="0" cy="0"/>
+          <a:chOff x="0" y="0"/>
+          <a:chExt cx="0" cy="0"/>
+        </a:xfrm>
+      </p:grpSpPr>
+      <p:sp>
+        <p:nvSpPr>
+          <p:cNvPr id="4" name="Titolo 3"/>
+          <p:cNvSpPr>
+            <a:spLocks noGrp="1"/>
+          </p:cNvSpPr>
+          <p:nvPr>
+            <p:ph type="ctrTitle"/>
+          </p:nvPr>
+        </p:nvSpPr>
+        <p:spPr/>
+        <p:txBody>
+          <a:bodyPr/>
+          <a:lstStyle/>
+          <a:p>
+            <a:endParaRPr lang="en-GB"/>
+          </a:p>
+        </p:txBody>
+      </p:sp>
+      <p:sp>
+        <p:nvSpPr>
+          <p:cNvPr id="5" name="Sottotitolo 4"/>
+          <p:cNvSpPr>
+            <a:spLocks noGrp="1"/>
+          </p:cNvSpPr>
+          <p:nvPr>
+            <p:ph type="subTitle" idx="1"/>
+          </p:nvPr>
+        </p:nvSpPr>
+        <p:spPr/>
+        <p:txBody>
+          <a:bodyPr/>
+          <a:lstStyle/>
+          <a:p>
+            <a:endParaRPr lang="en-GB"/>
+          </a:p>
+        </p:txBody>
+      </p:sp>
+      <p:sp>
+        <p:nvSpPr>
+          <p:cNvPr id="2" name="Segnaposto piè di pagina 1"/>
+          <p:cNvSpPr>
+            <a:spLocks noGrp="1"/>
+          </p:cNvSpPr>
+          <p:nvPr>
+            <p:ph type="ftr" sz="quarter" idx="11"/>
+          </p:nvPr>
+        </p:nvSpPr>
+        <p:spPr>
+          <a:xfrm>
+            <a:off x="3124200" y="6356350"/>
+            <a:ext cx="2895600" cy="365125"/>
+          </a:xfrm>
+          <a:prstGeom prst="rect">
+            <a:avLst/>
+          </a:prstGeom>
+        </p:spPr>
+        <p:txBody>
+          <a:bodyPr vert="horz" lIns="91440" tIns="45720" rIns="91440" bIns="45720" rtlCol="0" anchor="ctr"/>
+          <a:lstStyle>
+            <a:defPPr>
+              <a:defRPr lang="it-IT"/>
+            </a:defPPr>
+            <a:lvl1pPr marL="0" algn="ctr" defTabSz="914400" rtl="0" eaLnBrk="1" latinLnBrk="0" hangingPunct="1">
+              <a:defRPr sz="1200" kern="1200">
+                <a:solidFill>
+                  <a:schemeClr val="tx1">
+                    <a:tint val="75%"/>
+                  </a:schemeClr>
+                </a:solidFill>
+                <a:latin typeface="+mn-lt"/>
+                <a:ea typeface="+mn-ea"/>
+                <a:cs typeface="+mn-cs"/>
+              </a:defRPr>
+            </a:lvl1pPr>
+            <a:lvl2pPr marL="457200" algn="l" defTabSz="914400" rtl="0" eaLnBrk="1" latinLnBrk="0" hangingPunct="1">
+              <a:defRPr sz="1800" kern="1200">
+                <a:solidFill>
+                  <a:schemeClr val="tx1"/>
+                </a:solidFill>
+                <a:latin typeface="+mn-lt"/>
+                <a:ea typeface="+mn-ea"/>
+                <a:cs typeface="+mn-cs"/>
+              </a:defRPr>
+            </a:lvl2pPr>
+            <a:lvl3pPr marL="914400" algn="l" defTabSz="914400" rtl="0" eaLnBrk="1" latinLnBrk="0" hangingPunct="1">
+              <a:defRPr sz="1800" kern="1200">
+                <a:solidFill>
+                  <a:schemeClr val="tx1"/>
+                </a:solidFill>
+                <a:latin typeface="+mn-lt"/>
+                <a:ea typeface="+mn-ea"/>
+                <a:cs typeface="+mn-cs"/>
+              </a:defRPr>
+            </a:lvl3pPr>
+            <a:lvl4pPr marL="1371600" algn="l" defTabSz="914400" rtl="0" eaLnBrk="1" latinLnBrk="0" hangingPunct="1">
+              <a:defRPr sz="1800" kern="1200">
+                <a:solidFill>
+                  <a:schemeClr val="tx1"/>
+                </a:solidFill>
+                <a:latin typeface="+mn-lt"/>
+                <a:ea typeface="+mn-ea"/>
+                <a:cs typeface="+mn-cs"/>
+              </a:defRPr>
+            </a:lvl4pPr>
+            <a:lvl5pPr marL="1828800" algn="l" defTabSz="914400" rtl="0" eaLnBrk="1" latinLnBrk="0" hangingPunct="1">
+              <a:defRPr sz="1800" kern="1200">
+                <a:solidFill>
+                  <a:schemeClr val="tx1"/>
+                </a:solidFill>
+                <a:latin typeface="+mn-lt"/>
+                <a:ea typeface="+mn-ea"/>
+                <a:cs typeface="+mn-cs"/>
+              </a:defRPr>
+            </a:lvl5pPr>
+            <a:lvl6pPr marL="2286000" algn="l" defTabSz="914400" rtl="0" eaLnBrk="1" latinLnBrk="0" hangingPunct="1">
+              <a:defRPr sz="1800" kern="1200">
+                <a:solidFill>
+                  <a:schemeClr val="tx1"/>
+                </a:solidFill>
+                <a:latin typeface="+mn-lt"/>
+                <a:ea typeface="+mn-ea"/>
+                <a:cs typeface="+mn-cs"/>
+              </a:defRPr>
+            </a:lvl6pPr>
+            <a:lvl7pPr marL="2743200" algn="l" defTabSz="914400" rtl="0" eaLnBrk="1" latinLnBrk="0" hangingPunct="1">
+              <a:defRPr sz="1800" kern="1200">
+                <a:solidFill>
+                  <a:schemeClr val="tx1"/>
+                </a:solidFill>
+                <a:latin typeface="+mn-lt"/>
+                <a:ea typeface="+mn-ea"/>
+                <a:cs typeface="+mn-cs"/>
+              </a:defRPr>
+            </a:lvl7pPr>
+            <a:lvl8pPr marL="3200400" algn="l" defTabSz="914400" rtl="0" eaLnBrk="1" latinLnBrk="0" hangingPunct="1">
+              <a:defRPr sz="1800" kern="1200">
+                <a:solidFill>
+                  <a:schemeClr val="tx1"/>
+                </a:solidFill>
+                <a:latin typeface="+mn-lt"/>
+                <a:ea typeface="+mn-ea"/>
+                <a:cs typeface="+mn-cs"/>
+              </a:defRPr>
+            </a:lvl8pPr>
+            <a:lvl9pPr marL="3657600" algn="l" defTabSz="914400" rtl="0" eaLnBrk="1" latinLnBrk="0" hangingPunct="1">
+              <a:defRPr sz="1800" kern="1200">
+                <a:solidFill>
+                  <a:schemeClr val="tx1"/>
+                </a:solidFill>
+                <a:latin typeface="+mn-lt"/>
+                <a:ea typeface="+mn-ea"/>
+                <a:cs typeface="+mn-cs"/>
+              </a:defRPr>
+            </a:lvl9pPr>
+          </a:lstStyle>
+          <a:p>
+            <a:r>
+              <a:rPr lang="it-IT"/>
+              <a:t>ANatali  - DISI - IOT - Univeristy of Bologna</a:t>
+            </a:r>
+            <a:endParaRPr lang="it-IT" dirty="0"/>
+          </a:p>
+        </p:txBody>
+      </p:sp>
+      <p:sp>
+        <p:nvSpPr>
+          <p:cNvPr id="3" name="Segnaposto numero diapositiva 2"/>
+          <p:cNvSpPr>
+            <a:spLocks noGrp="1"/>
+          </p:cNvSpPr>
+          <p:nvPr>
+            <p:ph type="sldNum" sz="quarter" idx="12"/>
+          </p:nvPr>
+        </p:nvSpPr>
+        <p:spPr>
+          <a:xfrm>
+            <a:off x="6553200" y="6356350"/>
+            <a:ext cx="2133600" cy="365125"/>
+          </a:xfrm>
+          <a:prstGeom prst="rect">
+            <a:avLst/>
+          </a:prstGeom>
+        </p:spPr>
+        <p:txBody>
+          <a:bodyPr vert="horz" lIns="91440" tIns="45720" rIns="91440" bIns="45720" rtlCol="0" anchor="ctr"/>
+          <a:lstStyle>
+            <a:defPPr>
+              <a:defRPr lang="it-IT"/>
+            </a:defPPr>
+            <a:lvl1pPr marL="0" algn="r" defTabSz="914400" rtl="0" eaLnBrk="1" latinLnBrk="0" hangingPunct="1">
+              <a:defRPr sz="1200" kern="1200">
+                <a:solidFill>
+                  <a:schemeClr val="tx1">
+                    <a:tint val="75%"/>
+                  </a:schemeClr>
+                </a:solidFill>
+                <a:latin typeface="+mn-lt"/>
+                <a:ea typeface="+mn-ea"/>
+                <a:cs typeface="+mn-cs"/>
+              </a:defRPr>
+            </a:lvl1pPr>
+            <a:lvl2pPr marL="457200" algn="l" defTabSz="914400" rtl="0" eaLnBrk="1" latinLnBrk="0" hangingPunct="1">
+              <a:defRPr sz="1800" kern="1200">
+                <a:solidFill>
+                  <a:schemeClr val="tx1"/>
+                </a:solidFill>
+                <a:latin typeface="+mn-lt"/>
+                <a:ea typeface="+mn-ea"/>
+                <a:cs typeface="+mn-cs"/>
+              </a:defRPr>
+            </a:lvl2pPr>
+            <a:lvl3pPr marL="914400" algn="l" defTabSz="914400" rtl="0" eaLnBrk="1" latinLnBrk="0" hangingPunct="1">
+              <a:defRPr sz="1800" kern="1200">
+                <a:solidFill>
+                  <a:schemeClr val="tx1"/>
+                </a:solidFill>
+                <a:latin typeface="+mn-lt"/>
+                <a:ea typeface="+mn-ea"/>
+                <a:cs typeface="+mn-cs"/>
+              </a:defRPr>
+            </a:lvl3pPr>
+            <a:lvl4pPr marL="1371600" algn="l" defTabSz="914400" rtl="0" eaLnBrk="1" latinLnBrk="0" hangingPunct="1">
+              <a:defRPr sz="1800" kern="1200">
+                <a:solidFill>
+                  <a:schemeClr val="tx1"/>
+                </a:solidFill>
+                <a:latin typeface="+mn-lt"/>
+                <a:ea typeface="+mn-ea"/>
+                <a:cs typeface="+mn-cs"/>
+              </a:defRPr>
+            </a:lvl4pPr>
+            <a:lvl5pPr marL="1828800" algn="l" defTabSz="914400" rtl="0" eaLnBrk="1" latinLnBrk="0" hangingPunct="1">
+              <a:defRPr sz="1800" kern="1200">
+                <a:solidFill>
+                  <a:schemeClr val="tx1"/>
+                </a:solidFill>
+                <a:latin typeface="+mn-lt"/>
+                <a:ea typeface="+mn-ea"/>
+                <a:cs typeface="+mn-cs"/>
+              </a:defRPr>
+            </a:lvl5pPr>
+            <a:lvl6pPr marL="2286000" algn="l" defTabSz="914400" rtl="0" eaLnBrk="1" latinLnBrk="0" hangingPunct="1">
+              <a:defRPr sz="1800" kern="1200">
+                <a:solidFill>
+                  <a:schemeClr val="tx1"/>
+                </a:solidFill>
+                <a:latin typeface="+mn-lt"/>
+                <a:ea typeface="+mn-ea"/>
+                <a:cs typeface="+mn-cs"/>
+              </a:defRPr>
+            </a:lvl6pPr>
+            <a:lvl7pPr marL="2743200" algn="l" defTabSz="914400" rtl="0" eaLnBrk="1" latinLnBrk="0" hangingPunct="1">
+              <a:defRPr sz="1800" kern="1200">
+                <a:solidFill>
+                  <a:schemeClr val="tx1"/>
+                </a:solidFill>
+                <a:latin typeface="+mn-lt"/>
+                <a:ea typeface="+mn-ea"/>
+                <a:cs typeface="+mn-cs"/>
+              </a:defRPr>
+            </a:lvl7pPr>
+            <a:lvl8pPr marL="3200400" algn="l" defTabSz="914400" rtl="0" eaLnBrk="1" latinLnBrk="0" hangingPunct="1">
+              <a:defRPr sz="1800" kern="1200">
+                <a:solidFill>
+                  <a:schemeClr val="tx1"/>
+                </a:solidFill>
+                <a:latin typeface="+mn-lt"/>
+                <a:ea typeface="+mn-ea"/>
+                <a:cs typeface="+mn-cs"/>
+              </a:defRPr>
+            </a:lvl8pPr>
+            <a:lvl9pPr marL="3657600" algn="l" defTabSz="914400" rtl="0" eaLnBrk="1" latinLnBrk="0" hangingPunct="1">
+              <a:defRPr sz="1800" kern="1200">
+                <a:solidFill>
+                  <a:schemeClr val="tx1"/>
+                </a:solidFill>
+                <a:latin typeface="+mn-lt"/>
+                <a:ea typeface="+mn-ea"/>
+                <a:cs typeface="+mn-cs"/>
+              </a:defRPr>
+            </a:lvl9pPr>
+          </a:lstStyle>
+          <a:p>
+            <a:fld id="{03E3EE0D-7662-4732-93DA-E3593AA869E4}" type="slidenum">
+              <a:rPr lang="it-IT" smtClean="0"/>
+              <a:pPr/>
+              <a:t>12</a:t>
+            </a:fld>
+            <a:endParaRPr lang="it-IT"/>
+          </a:p>
+        </p:txBody>
+      </p:sp>
+      <p:sp>
+        <p:nvSpPr>
+          <p:cNvPr id="6" name="CasellaDiTesto 5"/>
+          <p:cNvSpPr txBox="1"/>
+          <p:nvPr/>
+        </p:nvSpPr>
+        <p:spPr>
+          <a:xfrm>
+            <a:off x="3503713" y="1168153"/>
+            <a:ext cx="6984777" cy="954107"/>
+          </a:xfrm>
+          <a:prstGeom prst="rect">
+            <a:avLst/>
+          </a:prstGeom>
+        </p:spPr>
+        <p:style>
+          <a:lnRef idx="2">
+            <a:schemeClr val="accent1"/>
+          </a:lnRef>
+          <a:fillRef idx="1">
+            <a:schemeClr val="lt1"/>
+          </a:fillRef>
+          <a:effectRef idx="0">
+            <a:schemeClr val="accent1"/>
+          </a:effectRef>
+          <a:fontRef idx="minor">
+            <a:schemeClr val="dk1"/>
+          </a:fontRef>
+        </p:style>
+        <p:txBody>
+          <a:bodyPr wrap="square" rtlCol="0">
+            <a:spAutoFit/>
+          </a:bodyPr>
+          <a:lstStyle/>
+          <a:p>
+            <a:pPr marL="285750" indent="-285750">
+              <a:buFont typeface="Arial" panose="020B0604020202020204" pitchFamily="34" charset="0"/>
+              <a:buChar char="•"/>
+            </a:pPr>
+            <a:r>
+              <a:rPr lang="en-US" sz="1400" dirty="0"/>
+              <a:t>Developers are insulated from the domain experts.  If a developer does not understand a concept, it is likely the implementation will not accurately reflect the domain.</a:t>
+            </a:r>
+          </a:p>
+          <a:p>
+            <a:pPr marL="285750" indent="-285750">
+              <a:buFont typeface="Arial" panose="020B0604020202020204" pitchFamily="34" charset="0"/>
+              <a:buChar char="•"/>
+            </a:pPr>
+            <a:r>
+              <a:rPr lang="it-IT" sz="1400" dirty="0"/>
+              <a:t>Developers </a:t>
+            </a:r>
+            <a:r>
+              <a:rPr lang="it-IT" sz="1400" dirty="0" err="1"/>
+              <a:t>without</a:t>
+            </a:r>
+            <a:r>
+              <a:rPr lang="it-IT" sz="1400" dirty="0"/>
+              <a:t> </a:t>
+            </a:r>
+            <a:r>
+              <a:rPr lang="it-IT" sz="1400" dirty="0" err="1"/>
+              <a:t>solid</a:t>
+            </a:r>
+            <a:r>
+              <a:rPr lang="it-IT" sz="1400" dirty="0"/>
+              <a:t> design </a:t>
+            </a:r>
+            <a:r>
+              <a:rPr lang="it-IT" sz="1400" dirty="0" err="1"/>
+              <a:t>principles</a:t>
+            </a:r>
+            <a:r>
+              <a:rPr lang="it-IT" sz="1400" dirty="0"/>
+              <a:t> </a:t>
+            </a:r>
+            <a:r>
+              <a:rPr lang="it-IT" sz="1400" dirty="0" err="1"/>
+              <a:t>will</a:t>
+            </a:r>
+            <a:r>
+              <a:rPr lang="it-IT" sz="1400" dirty="0"/>
+              <a:t> produce a code </a:t>
+            </a:r>
+            <a:r>
+              <a:rPr lang="it-IT" sz="1400" dirty="0" err="1"/>
+              <a:t>that</a:t>
+            </a:r>
+            <a:r>
+              <a:rPr lang="it-IT" sz="1400" dirty="0"/>
+              <a:t> </a:t>
+            </a:r>
+            <a:r>
+              <a:rPr lang="it-IT" sz="1400" dirty="0" err="1"/>
+              <a:t>is</a:t>
+            </a:r>
+            <a:r>
+              <a:rPr lang="it-IT" sz="1400" dirty="0"/>
+              <a:t> hard to </a:t>
+            </a:r>
+            <a:r>
+              <a:rPr lang="it-IT" sz="1400" dirty="0" err="1"/>
+              <a:t>understand</a:t>
+            </a:r>
+            <a:r>
+              <a:rPr lang="it-IT" sz="1400" dirty="0"/>
+              <a:t> or </a:t>
+            </a:r>
+            <a:r>
+              <a:rPr lang="it-IT" sz="1400" dirty="0" err="1"/>
+              <a:t>change</a:t>
+            </a:r>
+            <a:r>
+              <a:rPr lang="it-IT" sz="1400" dirty="0"/>
+              <a:t> – the </a:t>
+            </a:r>
+            <a:r>
+              <a:rPr lang="it-IT" sz="1400" dirty="0" err="1"/>
+              <a:t>oppostive</a:t>
+            </a:r>
+            <a:r>
+              <a:rPr lang="it-IT" sz="1400" dirty="0"/>
+              <a:t> of </a:t>
+            </a:r>
+            <a:r>
+              <a:rPr lang="it-IT" sz="1400" dirty="0" err="1"/>
+              <a:t>agility</a:t>
+            </a:r>
+            <a:r>
+              <a:rPr lang="it-IT" sz="1400" dirty="0"/>
+              <a:t>. (</a:t>
+            </a:r>
+            <a:r>
+              <a:rPr lang="it-IT" sz="1400" dirty="0" err="1"/>
+              <a:t>pg</a:t>
+            </a:r>
+            <a:r>
+              <a:rPr lang="it-IT" sz="1400" dirty="0"/>
+              <a:t>. </a:t>
+            </a:r>
+            <a:r>
+              <a:rPr lang="it-IT" sz="1400" dirty="0" err="1"/>
+              <a:t>xxiij</a:t>
+            </a:r>
+            <a:r>
+              <a:rPr lang="it-IT" sz="1400" dirty="0"/>
+              <a:t>)</a:t>
+            </a:r>
+            <a:endParaRPr lang="en-US" sz="1400" dirty="0"/>
+          </a:p>
+        </p:txBody>
+      </p:sp>
+      <p:grpSp>
+        <p:nvGrpSpPr>
+          <p:cNvPr id="12" name="Gruppo 11"/>
+          <p:cNvGrpSpPr/>
+          <p:nvPr/>
+        </p:nvGrpSpPr>
+        <p:grpSpPr>
+          <a:xfrm>
+            <a:off x="1711284" y="199673"/>
+            <a:ext cx="1612525" cy="2318161"/>
+            <a:chOff x="958569" y="3957156"/>
+            <a:chExt cx="1612525" cy="2318161"/>
+          </a:xfrm>
+        </p:grpSpPr>
+        <p:pic>
+          <p:nvPicPr>
+            <p:cNvPr id="7" name="Picture 2" descr="Domain-Driven Design: Tackling Complexity in the Heart of Software di [Evans, Eric]"/>
+            <p:cNvPicPr>
+              <a:picLocks noChangeAspect="1" noChangeArrowheads="1"/>
+            </p:cNvPicPr>
+            <p:nvPr/>
+          </p:nvPicPr>
+          <p:blipFill>
+            <a:blip r:embed="rId2">
+              <a:extLst>
+                <a:ext uri="{28A0092B-C50C-407E-A947-70E740481C1C}">
+                  <a14:useLocalDpi xmlns:a14="http://schemas.microsoft.com/office/drawing/2010/main" val="0"/>
+                </a:ext>
+              </a:extLst>
+            </a:blip>
+            <a:srcRect/>
+            <a:stretch>
+              <a:fillRect/>
+            </a:stretch>
+          </p:blipFill>
+          <p:spPr bwMode="auto">
+            <a:xfrm>
+              <a:off x="958569" y="3957156"/>
+              <a:ext cx="1612525" cy="2133495"/>
+            </a:xfrm>
+            <a:prstGeom prst="rect">
+              <a:avLst/>
+            </a:prstGeom>
+            <a:noFill/>
+            <a:extLst>
+              <a:ext uri="{909E8E84-426E-40DD-AFC4-6F175D3DCCD1}">
+                <a14:hiddenFill xmlns:a14="http://schemas.microsoft.com/office/drawing/2010/main">
+                  <a:solidFill>
+                    <a:srgbClr val="FFFFFF"/>
+                  </a:solidFill>
+                </a14:hiddenFill>
+              </a:ext>
+            </a:extLst>
+          </p:spPr>
+        </p:pic>
+        <p:sp>
+          <p:nvSpPr>
+            <p:cNvPr id="8" name="CasellaDiTesto 7"/>
+            <p:cNvSpPr txBox="1"/>
+            <p:nvPr/>
+          </p:nvSpPr>
+          <p:spPr>
+            <a:xfrm>
+              <a:off x="1438460" y="5905985"/>
+              <a:ext cx="652743" cy="369332"/>
+            </a:xfrm>
+            <a:prstGeom prst="rect">
+              <a:avLst/>
+            </a:prstGeom>
+          </p:spPr>
+          <p:style>
+            <a:lnRef idx="1">
+              <a:schemeClr val="accent3"/>
+            </a:lnRef>
+            <a:fillRef idx="2">
+              <a:schemeClr val="accent3"/>
+            </a:fillRef>
+            <a:effectRef idx="1">
+              <a:schemeClr val="accent3"/>
+            </a:effectRef>
+            <a:fontRef idx="minor">
+              <a:schemeClr val="dk1"/>
+            </a:fontRef>
+          </p:style>
+          <p:txBody>
+            <a:bodyPr wrap="none" rtlCol="0">
+              <a:spAutoFit/>
+            </a:bodyPr>
+            <a:lstStyle/>
+            <a:p>
+              <a:r>
+                <a:rPr lang="it-IT" dirty="0"/>
+                <a:t>2004</a:t>
+              </a:r>
+              <a:endParaRPr lang="en-US" dirty="0"/>
+            </a:p>
+          </p:txBody>
+        </p:sp>
+      </p:grpSp>
+      <p:sp>
+        <p:nvSpPr>
+          <p:cNvPr id="9" name="Rettangolo arrotondato 8"/>
+          <p:cNvSpPr/>
+          <p:nvPr/>
+        </p:nvSpPr>
+        <p:spPr>
+          <a:xfrm>
+            <a:off x="5305983" y="374222"/>
+            <a:ext cx="1296144" cy="648072"/>
+          </a:xfrm>
+          <a:prstGeom prst="roundRect">
+            <a:avLst/>
+          </a:prstGeom>
+        </p:spPr>
+        <p:style>
+          <a:lnRef idx="1">
+            <a:schemeClr val="accent5"/>
+          </a:lnRef>
+          <a:fillRef idx="2">
+            <a:schemeClr val="accent5"/>
+          </a:fillRef>
+          <a:effectRef idx="1">
+            <a:schemeClr val="accent5"/>
+          </a:effectRef>
+          <a:fontRef idx="minor">
+            <a:schemeClr val="dk1"/>
+          </a:fontRef>
+        </p:style>
+        <p:txBody>
+          <a:bodyPr rtlCol="0" anchor="ctr"/>
+          <a:lstStyle/>
+          <a:p>
+            <a:pPr algn="ctr"/>
+            <a:r>
+              <a:rPr lang="it-IT" dirty="0"/>
+              <a:t>Designer</a:t>
+            </a:r>
+            <a:endParaRPr lang="en-US" dirty="0"/>
+          </a:p>
+        </p:txBody>
+      </p:sp>
+      <p:sp>
+        <p:nvSpPr>
+          <p:cNvPr id="10" name="Rettangolo arrotondato 9"/>
+          <p:cNvSpPr/>
+          <p:nvPr/>
+        </p:nvSpPr>
+        <p:spPr>
+          <a:xfrm>
+            <a:off x="7322207" y="374222"/>
+            <a:ext cx="1296144" cy="648072"/>
+          </a:xfrm>
+          <a:prstGeom prst="roundRect">
+            <a:avLst/>
+          </a:prstGeom>
+        </p:spPr>
+        <p:style>
+          <a:lnRef idx="1">
+            <a:schemeClr val="accent5"/>
+          </a:lnRef>
+          <a:fillRef idx="2">
+            <a:schemeClr val="accent5"/>
+          </a:fillRef>
+          <a:effectRef idx="1">
+            <a:schemeClr val="accent5"/>
+          </a:effectRef>
+          <a:fontRef idx="minor">
+            <a:schemeClr val="dk1"/>
+          </a:fontRef>
+        </p:style>
+        <p:txBody>
+          <a:bodyPr rtlCol="0" anchor="ctr"/>
+          <a:lstStyle/>
+          <a:p>
+            <a:pPr algn="ctr"/>
+            <a:r>
+              <a:rPr lang="it-IT" dirty="0"/>
+              <a:t>Domain</a:t>
+            </a:r>
+          </a:p>
+          <a:p>
+            <a:pPr algn="ctr"/>
+            <a:r>
+              <a:rPr lang="it-IT" dirty="0" err="1"/>
+              <a:t>expert</a:t>
+            </a:r>
+            <a:endParaRPr lang="en-US" dirty="0"/>
+          </a:p>
+        </p:txBody>
+      </p:sp>
+      <p:sp>
+        <p:nvSpPr>
+          <p:cNvPr id="11" name="Rettangolo arrotondato 10"/>
+          <p:cNvSpPr/>
+          <p:nvPr/>
+        </p:nvSpPr>
+        <p:spPr>
+          <a:xfrm>
+            <a:off x="3505783" y="374222"/>
+            <a:ext cx="1296144" cy="648072"/>
+          </a:xfrm>
+          <a:prstGeom prst="roundRect">
+            <a:avLst/>
+          </a:prstGeom>
+        </p:spPr>
+        <p:style>
+          <a:lnRef idx="1">
+            <a:schemeClr val="accent5"/>
+          </a:lnRef>
+          <a:fillRef idx="2">
+            <a:schemeClr val="accent5"/>
+          </a:fillRef>
+          <a:effectRef idx="1">
+            <a:schemeClr val="accent5"/>
+          </a:effectRef>
+          <a:fontRef idx="minor">
+            <a:schemeClr val="dk1"/>
+          </a:fontRef>
+        </p:style>
+        <p:txBody>
+          <a:bodyPr rtlCol="0" anchor="ctr"/>
+          <a:lstStyle/>
+          <a:p>
+            <a:pPr algn="ctr"/>
+            <a:r>
+              <a:rPr lang="it-IT" dirty="0"/>
+              <a:t>Software</a:t>
+            </a:r>
+          </a:p>
+          <a:p>
+            <a:pPr algn="ctr"/>
+            <a:r>
+              <a:rPr lang="it-IT" dirty="0" err="1"/>
+              <a:t>developer</a:t>
+            </a:r>
+            <a:endParaRPr lang="en-US" dirty="0"/>
+          </a:p>
+        </p:txBody>
+      </p:sp>
+      <p:cxnSp>
+        <p:nvCxnSpPr>
+          <p:cNvPr id="13" name="Connettore 2 12"/>
+          <p:cNvCxnSpPr>
+            <a:stCxn id="9" idx="3"/>
+            <a:endCxn id="10" idx="1"/>
+          </p:cNvCxnSpPr>
+          <p:nvPr/>
+        </p:nvCxnSpPr>
+        <p:spPr>
+          <a:xfrm>
+            <a:off x="6602127" y="698258"/>
+            <a:ext cx="720080" cy="0"/>
+          </a:xfrm>
+          <a:prstGeom prst="straightConnector1">
+            <a:avLst/>
+          </a:prstGeom>
+          <a:ln>
+            <a:headEnd type="arrow"/>
+            <a:tailEnd type="arrow"/>
+          </a:ln>
+        </p:spPr>
+        <p:style>
+          <a:lnRef idx="1">
+            <a:schemeClr val="accent1"/>
+          </a:lnRef>
+          <a:fillRef idx="0">
+            <a:schemeClr val="accent1"/>
+          </a:fillRef>
+          <a:effectRef idx="0">
+            <a:schemeClr val="accent1"/>
+          </a:effectRef>
+          <a:fontRef idx="minor">
+            <a:schemeClr val="tx1"/>
+          </a:fontRef>
+        </p:style>
+      </p:cxnSp>
+      <p:cxnSp>
+        <p:nvCxnSpPr>
+          <p:cNvPr id="15" name="Connettore 2 14"/>
+          <p:cNvCxnSpPr>
+            <a:stCxn id="11" idx="3"/>
+            <a:endCxn id="9" idx="1"/>
+          </p:cNvCxnSpPr>
+          <p:nvPr/>
+        </p:nvCxnSpPr>
+        <p:spPr>
+          <a:xfrm>
+            <a:off x="4801927" y="698258"/>
+            <a:ext cx="504056" cy="0"/>
+          </a:xfrm>
+          <a:prstGeom prst="straightConnector1">
+            <a:avLst/>
+          </a:prstGeom>
+          <a:ln>
+            <a:headEnd type="arrow"/>
+            <a:tailEnd type="arrow"/>
+          </a:ln>
+        </p:spPr>
+        <p:style>
+          <a:lnRef idx="1">
+            <a:schemeClr val="accent1"/>
+          </a:lnRef>
+          <a:fillRef idx="0">
+            <a:schemeClr val="accent1"/>
+          </a:fillRef>
+          <a:effectRef idx="0">
+            <a:schemeClr val="accent1"/>
+          </a:effectRef>
+          <a:fontRef idx="minor">
+            <a:schemeClr val="tx1"/>
+          </a:fontRef>
+        </p:style>
+      </p:cxnSp>
+      <p:sp>
+        <p:nvSpPr>
+          <p:cNvPr id="16" name="Rettangolo 15"/>
+          <p:cNvSpPr/>
+          <p:nvPr/>
+        </p:nvSpPr>
+        <p:spPr>
+          <a:xfrm>
+            <a:off x="1847059" y="3770355"/>
+            <a:ext cx="8579743" cy="923330"/>
+          </a:xfrm>
+          <a:prstGeom prst="rect">
+            <a:avLst/>
+          </a:prstGeom>
+        </p:spPr>
+        <p:style>
+          <a:lnRef idx="1">
+            <a:schemeClr val="accent3"/>
+          </a:lnRef>
+          <a:fillRef idx="2">
+            <a:schemeClr val="accent3"/>
+          </a:fillRef>
+          <a:effectRef idx="1">
+            <a:schemeClr val="accent3"/>
+          </a:effectRef>
+          <a:fontRef idx="minor">
+            <a:schemeClr val="dk1"/>
+          </a:fontRef>
+        </p:style>
+        <p:txBody>
+          <a:bodyPr wrap="square">
+            <a:spAutoFit/>
+          </a:bodyPr>
+          <a:lstStyle/>
+          <a:p>
+            <a:pPr marL="285750" indent="-285750">
+              <a:buFont typeface="Arial" panose="020B0604020202020204" pitchFamily="34" charset="0"/>
+              <a:buChar char="•"/>
+            </a:pPr>
+            <a:r>
+              <a:rPr lang="en-US" dirty="0"/>
+              <a:t>iterate a </a:t>
+            </a:r>
+            <a:r>
+              <a:rPr lang="en-US" dirty="0">
+                <a:solidFill>
+                  <a:srgbClr val="C00000"/>
+                </a:solidFill>
+              </a:rPr>
+              <a:t>single model </a:t>
+            </a:r>
+            <a:r>
+              <a:rPr lang="en-US" dirty="0"/>
+              <a:t>to reflect a shared understanding across domain experts, designers and developers</a:t>
+            </a:r>
+          </a:p>
+          <a:p>
+            <a:pPr marL="285750" indent="-285750">
+              <a:buFont typeface="Arial" panose="020B0604020202020204" pitchFamily="34" charset="0"/>
+              <a:buChar char="•"/>
+            </a:pPr>
+            <a:r>
+              <a:rPr lang="en-US" dirty="0" err="1"/>
+              <a:t>establisha</a:t>
+            </a:r>
+            <a:r>
+              <a:rPr lang="en-US" dirty="0"/>
+              <a:t> common language, i.e. a  </a:t>
+            </a:r>
+            <a:r>
+              <a:rPr lang="en-US" dirty="0">
+                <a:solidFill>
+                  <a:srgbClr val="C00000"/>
+                </a:solidFill>
+              </a:rPr>
+              <a:t>UBIQUITOUS LANGUAGE </a:t>
+            </a:r>
+            <a:r>
+              <a:rPr lang="en-US" dirty="0"/>
+              <a:t>(pg. 24)</a:t>
+            </a:r>
+          </a:p>
+        </p:txBody>
+      </p:sp>
+      <p:sp>
+        <p:nvSpPr>
+          <p:cNvPr id="17" name="CasellaDiTesto 16"/>
+          <p:cNvSpPr txBox="1"/>
+          <p:nvPr/>
+        </p:nvSpPr>
+        <p:spPr>
+          <a:xfrm>
+            <a:off x="1886841" y="5517232"/>
+            <a:ext cx="8568952" cy="923330"/>
+          </a:xfrm>
+          <a:prstGeom prst="rect">
+            <a:avLst/>
+          </a:prstGeom>
+        </p:spPr>
+        <p:style>
+          <a:lnRef idx="2">
+            <a:schemeClr val="accent1"/>
+          </a:lnRef>
+          <a:fillRef idx="1">
+            <a:schemeClr val="lt1"/>
+          </a:fillRef>
+          <a:effectRef idx="0">
+            <a:schemeClr val="accent1"/>
+          </a:effectRef>
+          <a:fontRef idx="minor">
+            <a:schemeClr val="dk1"/>
+          </a:fontRef>
+        </p:style>
+        <p:txBody>
+          <a:bodyPr wrap="square" rtlCol="0">
+            <a:spAutoFit/>
+          </a:bodyPr>
+          <a:lstStyle/>
+          <a:p>
+            <a:r>
+              <a:rPr lang="it-IT" dirty="0" err="1"/>
+              <a:t>Effective</a:t>
+            </a:r>
+            <a:r>
+              <a:rPr lang="it-IT" dirty="0"/>
+              <a:t> domain </a:t>
+            </a:r>
+            <a:r>
+              <a:rPr lang="it-IT" dirty="0" err="1"/>
+              <a:t>modelers</a:t>
+            </a:r>
+            <a:r>
+              <a:rPr lang="it-IT" dirty="0"/>
+              <a:t> are </a:t>
+            </a:r>
+            <a:r>
+              <a:rPr lang="it-IT" dirty="0" err="1">
+                <a:solidFill>
+                  <a:srgbClr val="C00000"/>
+                </a:solidFill>
+              </a:rPr>
+              <a:t>knowledge</a:t>
+            </a:r>
+            <a:r>
+              <a:rPr lang="it-IT" dirty="0">
+                <a:solidFill>
+                  <a:srgbClr val="C00000"/>
+                </a:solidFill>
+              </a:rPr>
+              <a:t> </a:t>
+            </a:r>
+            <a:r>
+              <a:rPr lang="it-IT" dirty="0" err="1">
+                <a:solidFill>
+                  <a:srgbClr val="C00000"/>
+                </a:solidFill>
+              </a:rPr>
+              <a:t>crunchers</a:t>
+            </a:r>
+            <a:r>
+              <a:rPr lang="it-IT" dirty="0"/>
+              <a:t>. </a:t>
+            </a:r>
+            <a:r>
+              <a:rPr lang="en-US" dirty="0">
+                <a:solidFill>
+                  <a:srgbClr val="C00000"/>
+                </a:solidFill>
+              </a:rPr>
+              <a:t>Continuous learning </a:t>
+            </a:r>
+            <a:r>
+              <a:rPr lang="en-US" dirty="0"/>
+              <a:t>takes place between domain experts, designers and developers (pg. 15)</a:t>
+            </a:r>
+          </a:p>
+          <a:p>
+            <a:r>
+              <a:rPr lang="it-IT" dirty="0"/>
+              <a:t>(OO) MODEL-DRIVEN DESIGN </a:t>
+            </a:r>
+            <a:r>
+              <a:rPr lang="it-IT" dirty="0" err="1"/>
+              <a:t>pg</a:t>
+            </a:r>
+            <a:r>
+              <a:rPr lang="it-IT" dirty="0"/>
+              <a:t>. 47</a:t>
+            </a:r>
+            <a:endParaRPr lang="en-US" dirty="0"/>
+          </a:p>
+        </p:txBody>
+      </p:sp>
+      <p:sp>
+        <p:nvSpPr>
+          <p:cNvPr id="19" name="Rettangolo 18"/>
+          <p:cNvSpPr/>
+          <p:nvPr/>
+        </p:nvSpPr>
+        <p:spPr>
+          <a:xfrm>
+            <a:off x="8995772" y="-8876"/>
+            <a:ext cx="1492717" cy="923330"/>
+          </a:xfrm>
+          <a:prstGeom prst="rect">
+            <a:avLst/>
+          </a:prstGeom>
+          <a:noFill/>
+        </p:spPr>
+        <p:txBody>
+          <a:bodyPr wrap="none" lIns="91440" tIns="45720" rIns="91440" bIns="45720">
+            <a:spAutoFit/>
+          </a:bodyPr>
+          <a:lstStyle/>
+          <a:p>
+            <a:pPr algn="ctr"/>
+            <a:r>
+              <a:rPr lang="it-IT" sz="5400" b="1" dirty="0">
+                <a:ln w="1905"/>
+                <a:gradFill>
+                  <a:gsLst>
+                    <a:gs pos="0%">
+                      <a:schemeClr val="accent6">
+                        <a:shade val="20%"/>
+                        <a:satMod val="200%"/>
+                      </a:schemeClr>
+                    </a:gs>
+                    <a:gs pos="78%">
+                      <a:schemeClr val="accent6">
+                        <a:tint val="90%"/>
+                        <a:shade val="89%"/>
+                        <a:satMod val="220%"/>
+                      </a:schemeClr>
+                    </a:gs>
+                    <a:gs pos="100%">
+                      <a:schemeClr val="accent6">
+                        <a:tint val="12%"/>
+                        <a:satMod val="255%"/>
+                      </a:schemeClr>
+                    </a:gs>
+                  </a:gsLst>
+                  <a:lin ang="5400000"/>
+                </a:gradFill>
+                <a:effectLst>
+                  <a:innerShdw blurRad="69850" dist="43180" dir="5400000">
+                    <a:srgbClr val="000000">
+                      <a:alpha val="65%"/>
+                    </a:srgbClr>
+                  </a:innerShdw>
+                </a:effectLst>
+              </a:rPr>
+              <a:t>DDD</a:t>
+            </a:r>
+          </a:p>
+        </p:txBody>
+      </p:sp>
+      <p:sp>
+        <p:nvSpPr>
+          <p:cNvPr id="14" name="Rettangolo 13"/>
+          <p:cNvSpPr/>
+          <p:nvPr/>
+        </p:nvSpPr>
+        <p:spPr>
+          <a:xfrm>
+            <a:off x="1908747" y="4791404"/>
+            <a:ext cx="8579742" cy="646331"/>
+          </a:xfrm>
+          <a:prstGeom prst="rect">
+            <a:avLst/>
+          </a:prstGeom>
+        </p:spPr>
+        <p:style>
+          <a:lnRef idx="2">
+            <a:schemeClr val="accent5"/>
+          </a:lnRef>
+          <a:fillRef idx="1">
+            <a:schemeClr val="lt1"/>
+          </a:fillRef>
+          <a:effectRef idx="0">
+            <a:schemeClr val="accent5"/>
+          </a:effectRef>
+          <a:fontRef idx="minor">
+            <a:schemeClr val="dk1"/>
+          </a:fontRef>
+        </p:style>
+        <p:txBody>
+          <a:bodyPr wrap="square">
+            <a:spAutoFit/>
+          </a:bodyPr>
+          <a:lstStyle/>
+          <a:p>
+            <a:r>
+              <a:rPr lang="it-IT" dirty="0"/>
+              <a:t>Code </a:t>
+            </a:r>
+            <a:r>
+              <a:rPr lang="it-IT" dirty="0" err="1"/>
+              <a:t>as</a:t>
+            </a:r>
+            <a:r>
+              <a:rPr lang="it-IT" dirty="0"/>
+              <a:t> a design </a:t>
+            </a:r>
+            <a:r>
+              <a:rPr lang="it-IT" dirty="0" err="1"/>
+              <a:t>document</a:t>
+            </a:r>
+            <a:r>
+              <a:rPr lang="it-IT" dirty="0"/>
+              <a:t> </a:t>
+            </a:r>
+            <a:r>
+              <a:rPr lang="it-IT" dirty="0" err="1"/>
+              <a:t>does</a:t>
+            </a:r>
+            <a:r>
+              <a:rPr lang="it-IT" dirty="0"/>
+              <a:t> </a:t>
+            </a:r>
+            <a:r>
+              <a:rPr lang="it-IT" dirty="0" err="1"/>
+              <a:t>have</a:t>
+            </a:r>
+            <a:r>
+              <a:rPr lang="it-IT" dirty="0"/>
+              <a:t> </a:t>
+            </a:r>
+            <a:r>
+              <a:rPr lang="it-IT" dirty="0" err="1"/>
+              <a:t>its</a:t>
+            </a:r>
+            <a:r>
+              <a:rPr lang="it-IT" dirty="0"/>
+              <a:t> </a:t>
+            </a:r>
+            <a:r>
+              <a:rPr lang="it-IT" dirty="0" err="1"/>
+              <a:t>limits</a:t>
+            </a:r>
+            <a:r>
+              <a:rPr lang="it-IT" dirty="0"/>
+              <a:t> (</a:t>
+            </a:r>
+            <a:r>
+              <a:rPr lang="it-IT" dirty="0" err="1"/>
+              <a:t>pg</a:t>
+            </a:r>
+            <a:r>
+              <a:rPr lang="it-IT" dirty="0"/>
+              <a:t>. 38). A </a:t>
+            </a:r>
+            <a:r>
+              <a:rPr lang="it-IT" dirty="0" err="1">
+                <a:solidFill>
+                  <a:srgbClr val="C00000"/>
+                </a:solidFill>
+              </a:rPr>
+              <a:t>document</a:t>
+            </a:r>
+            <a:r>
+              <a:rPr lang="it-IT" dirty="0">
+                <a:solidFill>
+                  <a:srgbClr val="C00000"/>
+                </a:solidFill>
+              </a:rPr>
+              <a:t> </a:t>
+            </a:r>
+            <a:r>
+              <a:rPr lang="it-IT" dirty="0" err="1"/>
+              <a:t>should</a:t>
+            </a:r>
+            <a:r>
+              <a:rPr lang="it-IT" dirty="0"/>
+              <a:t> </a:t>
+            </a:r>
+            <a:r>
+              <a:rPr lang="it-IT" dirty="0" err="1"/>
+              <a:t>explain</a:t>
+            </a:r>
+            <a:r>
+              <a:rPr lang="it-IT" dirty="0"/>
+              <a:t> the </a:t>
+            </a:r>
+            <a:r>
+              <a:rPr lang="it-IT" dirty="0" err="1"/>
+              <a:t>concepts</a:t>
+            </a:r>
+            <a:r>
+              <a:rPr lang="it-IT" dirty="0"/>
+              <a:t> of the model and must be </a:t>
+            </a:r>
+            <a:r>
+              <a:rPr lang="it-IT" dirty="0" err="1"/>
+              <a:t>involved</a:t>
+            </a:r>
+            <a:r>
+              <a:rPr lang="it-IT" dirty="0"/>
+              <a:t> in </a:t>
+            </a:r>
+            <a:r>
+              <a:rPr lang="it-IT" dirty="0" err="1"/>
+              <a:t>project</a:t>
+            </a:r>
+            <a:r>
+              <a:rPr lang="it-IT" dirty="0"/>
+              <a:t> </a:t>
+            </a:r>
+            <a:r>
+              <a:rPr lang="it-IT" dirty="0" err="1"/>
+              <a:t>activities</a:t>
+            </a:r>
+            <a:r>
+              <a:rPr lang="it-IT" dirty="0"/>
+              <a:t> (pg.39)</a:t>
+            </a:r>
+          </a:p>
+        </p:txBody>
+      </p:sp>
+      <p:sp>
+        <p:nvSpPr>
+          <p:cNvPr id="20" name="Rettangolo 19"/>
+          <p:cNvSpPr/>
+          <p:nvPr/>
+        </p:nvSpPr>
+        <p:spPr>
+          <a:xfrm>
+            <a:off x="1886843" y="2425502"/>
+            <a:ext cx="8601647" cy="1200329"/>
+          </a:xfrm>
+          <a:prstGeom prst="rect">
+            <a:avLst/>
+          </a:prstGeom>
+        </p:spPr>
+        <p:style>
+          <a:lnRef idx="2">
+            <a:schemeClr val="accent5"/>
+          </a:lnRef>
+          <a:fillRef idx="1">
+            <a:schemeClr val="lt1"/>
+          </a:fillRef>
+          <a:effectRef idx="0">
+            <a:schemeClr val="accent5"/>
+          </a:effectRef>
+          <a:fontRef idx="minor">
+            <a:schemeClr val="dk1"/>
+          </a:fontRef>
+        </p:style>
+        <p:txBody>
+          <a:bodyPr wrap="square">
+            <a:spAutoFit/>
+          </a:bodyPr>
+          <a:lstStyle/>
+          <a:p>
+            <a:r>
+              <a:rPr lang="en-US" dirty="0"/>
+              <a:t> </a:t>
+            </a:r>
+            <a:r>
+              <a:rPr lang="en-US" b="1" dirty="0">
+                <a:solidFill>
+                  <a:srgbClr val="C00000"/>
+                </a:solidFill>
+              </a:rPr>
+              <a:t>Domain model</a:t>
+            </a:r>
+            <a:r>
+              <a:rPr lang="en-US" dirty="0"/>
+              <a:t>: a rigorously organized and selective abstraction of the knowledge in a domain’s expert head (pg. 3). </a:t>
+            </a:r>
+          </a:p>
+          <a:p>
+            <a:r>
+              <a:rPr lang="it-IT" b="1" dirty="0" err="1">
+                <a:solidFill>
+                  <a:srgbClr val="FF0000"/>
+                </a:solidFill>
+              </a:rPr>
+              <a:t>One</a:t>
+            </a:r>
+            <a:r>
+              <a:rPr lang="it-IT" b="1" dirty="0">
+                <a:solidFill>
+                  <a:srgbClr val="FF0000"/>
+                </a:solidFill>
+              </a:rPr>
+              <a:t> model </a:t>
+            </a:r>
+            <a:r>
+              <a:rPr lang="it-IT" b="1" dirty="0" err="1">
+                <a:solidFill>
+                  <a:srgbClr val="FF0000"/>
+                </a:solidFill>
+              </a:rPr>
+              <a:t>should</a:t>
+            </a:r>
+            <a:r>
+              <a:rPr lang="it-IT" b="1" dirty="0">
+                <a:solidFill>
+                  <a:srgbClr val="FF0000"/>
+                </a:solidFill>
+              </a:rPr>
+              <a:t> </a:t>
+            </a:r>
+            <a:r>
+              <a:rPr lang="it-IT" b="1" dirty="0" err="1">
+                <a:solidFill>
+                  <a:srgbClr val="FF0000"/>
+                </a:solidFill>
+              </a:rPr>
+              <a:t>underlie</a:t>
+            </a:r>
+            <a:r>
+              <a:rPr lang="it-IT" b="1" dirty="0">
+                <a:solidFill>
+                  <a:srgbClr val="FF0000"/>
+                </a:solidFill>
+              </a:rPr>
+              <a:t> </a:t>
+            </a:r>
+            <a:r>
+              <a:rPr lang="it-IT" b="1" dirty="0" err="1">
+                <a:solidFill>
+                  <a:srgbClr val="FF0000"/>
+                </a:solidFill>
+              </a:rPr>
+              <a:t>implementation</a:t>
+            </a:r>
+            <a:r>
+              <a:rPr lang="it-IT" b="1" dirty="0">
+                <a:solidFill>
+                  <a:srgbClr val="FF0000"/>
+                </a:solidFill>
+              </a:rPr>
+              <a:t>, design and team </a:t>
+            </a:r>
+            <a:r>
+              <a:rPr lang="it-IT" b="1" dirty="0" err="1">
+                <a:solidFill>
+                  <a:srgbClr val="FF0000"/>
+                </a:solidFill>
+              </a:rPr>
+              <a:t>communications</a:t>
+            </a:r>
+            <a:r>
+              <a:rPr lang="it-IT" b="1" dirty="0">
+                <a:solidFill>
+                  <a:srgbClr val="FF0000"/>
+                </a:solidFill>
+              </a:rPr>
+              <a:t> </a:t>
+            </a:r>
+            <a:r>
+              <a:rPr lang="it-IT" dirty="0"/>
+              <a:t>(</a:t>
+            </a:r>
+            <a:r>
+              <a:rPr lang="it-IT" dirty="0" err="1"/>
+              <a:t>pg</a:t>
+            </a:r>
+            <a:r>
+              <a:rPr lang="it-IT" dirty="0"/>
+              <a:t>. 41)</a:t>
+            </a:r>
+          </a:p>
+          <a:p>
+            <a:r>
+              <a:rPr lang="it-IT" dirty="0"/>
+              <a:t>The model </a:t>
+            </a:r>
+            <a:r>
+              <a:rPr lang="it-IT" dirty="0" err="1"/>
+              <a:t>is</a:t>
+            </a:r>
+            <a:r>
+              <a:rPr lang="it-IT" dirty="0"/>
+              <a:t> the </a:t>
+            </a:r>
+            <a:r>
+              <a:rPr lang="it-IT" dirty="0" err="1">
+                <a:solidFill>
+                  <a:srgbClr val="C00000"/>
+                </a:solidFill>
+              </a:rPr>
+              <a:t>backbone</a:t>
+            </a:r>
+            <a:r>
+              <a:rPr lang="it-IT" dirty="0">
+                <a:solidFill>
+                  <a:srgbClr val="C00000"/>
+                </a:solidFill>
+              </a:rPr>
+              <a:t> of a </a:t>
+            </a:r>
+            <a:r>
+              <a:rPr lang="it-IT" dirty="0" err="1">
+                <a:solidFill>
+                  <a:srgbClr val="C00000"/>
+                </a:solidFill>
+              </a:rPr>
+              <a:t>language</a:t>
+            </a:r>
+            <a:r>
+              <a:rPr lang="it-IT" dirty="0">
+                <a:solidFill>
+                  <a:srgbClr val="C00000"/>
+                </a:solidFill>
+              </a:rPr>
+              <a:t> </a:t>
+            </a:r>
+            <a:r>
+              <a:rPr lang="it-IT" dirty="0" err="1"/>
+              <a:t>used</a:t>
+            </a:r>
+            <a:r>
+              <a:rPr lang="it-IT" dirty="0"/>
+              <a:t> by </a:t>
+            </a:r>
+            <a:r>
+              <a:rPr lang="it-IT" dirty="0" err="1"/>
+              <a:t>all</a:t>
+            </a:r>
+            <a:r>
+              <a:rPr lang="it-IT" dirty="0"/>
+              <a:t> team </a:t>
+            </a:r>
+            <a:r>
+              <a:rPr lang="it-IT" dirty="0" err="1"/>
+              <a:t>members</a:t>
+            </a:r>
+            <a:r>
+              <a:rPr lang="it-IT" dirty="0"/>
+              <a:t> (pg.4, 26).</a:t>
+            </a:r>
+          </a:p>
+        </p:txBody>
+      </p:sp>
+    </p:spTree>
+    <p:extLst>
+      <p:ext uri="{BB962C8B-B14F-4D97-AF65-F5344CB8AC3E}">
+        <p14:creationId xmlns:p14="http://schemas.microsoft.com/office/powerpoint/2010/main" val="4168187674"/>
+      </p:ext>
+    </p:extLst>
+  </p:cSld>
+  <p:clrMapOvr>
+    <a:masterClrMapping/>
+  </p:clrMapOvr>
+  <p:timing>
+    <p:tnLst>
+      <p:par>
+        <p:cTn id="1" dur="indefinite" restart="never" nodeType="tmRoot">
+          <p:childTnLst>
+            <p:seq concurrent="1" nextAc="seek">
+              <p:cTn id="2" dur="indefinite" nodeType="mainSeq">
+                <p:childTnLst>
+                  <p:par>
+                    <p:cTn id="3" fill="hold">
+                      <p:stCondLst>
+                        <p:cond delay="indefinite"/>
+                      </p:stCondLst>
+                      <p:childTnLst>
+                        <p:par>
+                          <p:cTn id="4" fill="hold">
+                            <p:stCondLst>
+                              <p:cond delay="0"/>
+                            </p:stCondLst>
+                            <p:childTnLst>
+                              <p:par>
+                                <p:cTn id="5" presetID="2" presetClass="entr" presetSubtype="4" fill="hold" grpId="0" nodeType="clickEffect">
+                                  <p:stCondLst>
+                                    <p:cond delay="0"/>
+                                  </p:stCondLst>
+                                  <p:childTnLst>
+                                    <p:set>
+                                      <p:cBhvr>
+                                        <p:cTn id="6" dur="1" fill="hold">
+                                          <p:stCondLst>
+                                            <p:cond delay="0"/>
+                                          </p:stCondLst>
+                                        </p:cTn>
+                                        <p:tgtEl>
+                                          <p:spTgt spid="11"/>
+                                        </p:tgtEl>
+                                        <p:attrNameLst>
+                                          <p:attrName>style.visibility</p:attrName>
+                                        </p:attrNameLst>
+                                      </p:cBhvr>
+                                      <p:to>
+                                        <p:strVal val="visible"/>
+                                      </p:to>
+                                    </p:set>
+                                    <p:anim calcmode="lin" valueType="num">
+                                      <p:cBhvr additive="base">
+                                        <p:cTn id="7" dur="500" fill="hold"/>
+                                        <p:tgtEl>
+                                          <p:spTgt spid="11"/>
+                                        </p:tgtEl>
+                                        <p:attrNameLst>
+                                          <p:attrName>ppt_x</p:attrName>
+                                        </p:attrNameLst>
+                                      </p:cBhvr>
+                                      <p:tavLst>
+                                        <p:tav tm="0%">
+                                          <p:val>
+                                            <p:strVal val="#ppt_x"/>
+                                          </p:val>
+                                        </p:tav>
+                                        <p:tav tm="100%">
+                                          <p:val>
+                                            <p:strVal val="#ppt_x"/>
+                                          </p:val>
+                                        </p:tav>
+                                      </p:tavLst>
+                                    </p:anim>
+                                    <p:anim calcmode="lin" valueType="num">
+                                      <p:cBhvr additive="base">
+                                        <p:cTn id="8" dur="500" fill="hold"/>
+                                        <p:tgtEl>
+                                          <p:spTgt spid="11"/>
+                                        </p:tgtEl>
+                                        <p:attrNameLst>
+                                          <p:attrName>ppt_y</p:attrName>
+                                        </p:attrNameLst>
+                                      </p:cBhvr>
+                                      <p:tavLst>
+                                        <p:tav tm="0%">
+                                          <p:val>
+                                            <p:strVal val="1+#ppt_h/2"/>
+                                          </p:val>
+                                        </p:tav>
+                                        <p:tav tm="100%">
+                                          <p:val>
+                                            <p:strVal val="#ppt_y"/>
+                                          </p:val>
+                                        </p:tav>
+                                      </p:tavLst>
+                                    </p:anim>
+                                  </p:childTnLst>
+                                </p:cTn>
+                              </p:par>
+                            </p:childTnLst>
+                          </p:cTn>
+                        </p:par>
+                      </p:childTnLst>
+                    </p:cTn>
+                  </p:par>
+                  <p:par>
+                    <p:cTn id="9" fill="hold">
+                      <p:stCondLst>
+                        <p:cond delay="indefinite"/>
+                      </p:stCondLst>
+                      <p:childTnLst>
+                        <p:par>
+                          <p:cTn id="10" fill="hold">
+                            <p:stCondLst>
+                              <p:cond delay="0"/>
+                            </p:stCondLst>
+                            <p:childTnLst>
+                              <p:par>
+                                <p:cTn id="11" presetID="2" presetClass="entr" presetSubtype="4" fill="hold" nodeType="clickEffect">
+                                  <p:stCondLst>
+                                    <p:cond delay="0"/>
+                                  </p:stCondLst>
+                                  <p:childTnLst>
+                                    <p:set>
+                                      <p:cBhvr>
+                                        <p:cTn id="12" dur="1" fill="hold">
+                                          <p:stCondLst>
+                                            <p:cond delay="0"/>
+                                          </p:stCondLst>
+                                        </p:cTn>
+                                        <p:tgtEl>
+                                          <p:spTgt spid="15"/>
+                                        </p:tgtEl>
+                                        <p:attrNameLst>
+                                          <p:attrName>style.visibility</p:attrName>
+                                        </p:attrNameLst>
+                                      </p:cBhvr>
+                                      <p:to>
+                                        <p:strVal val="visible"/>
+                                      </p:to>
+                                    </p:set>
+                                    <p:anim calcmode="lin" valueType="num">
+                                      <p:cBhvr additive="base">
+                                        <p:cTn id="13" dur="500" fill="hold"/>
+                                        <p:tgtEl>
+                                          <p:spTgt spid="15"/>
+                                        </p:tgtEl>
+                                        <p:attrNameLst>
+                                          <p:attrName>ppt_x</p:attrName>
+                                        </p:attrNameLst>
+                                      </p:cBhvr>
+                                      <p:tavLst>
+                                        <p:tav tm="0%">
+                                          <p:val>
+                                            <p:strVal val="#ppt_x"/>
+                                          </p:val>
+                                        </p:tav>
+                                        <p:tav tm="100%">
+                                          <p:val>
+                                            <p:strVal val="#ppt_x"/>
+                                          </p:val>
+                                        </p:tav>
+                                      </p:tavLst>
+                                    </p:anim>
+                                    <p:anim calcmode="lin" valueType="num">
+                                      <p:cBhvr additive="base">
+                                        <p:cTn id="14" dur="500" fill="hold"/>
+                                        <p:tgtEl>
+                                          <p:spTgt spid="15"/>
+                                        </p:tgtEl>
+                                        <p:attrNameLst>
+                                          <p:attrName>ppt_y</p:attrName>
+                                        </p:attrNameLst>
+                                      </p:cBhvr>
+                                      <p:tavLst>
+                                        <p:tav tm="0%">
+                                          <p:val>
+                                            <p:strVal val="1+#ppt_h/2"/>
+                                          </p:val>
+                                        </p:tav>
+                                        <p:tav tm="100%">
+                                          <p:val>
+                                            <p:strVal val="#ppt_y"/>
+                                          </p:val>
+                                        </p:tav>
+                                      </p:tavLst>
+                                    </p:anim>
+                                  </p:childTnLst>
+                                </p:cTn>
+                              </p:par>
+                              <p:par>
+                                <p:cTn id="15" presetID="2" presetClass="entr" presetSubtype="4" fill="hold" grpId="0" nodeType="withEffect">
+                                  <p:stCondLst>
+                                    <p:cond delay="0"/>
+                                  </p:stCondLst>
+                                  <p:childTnLst>
+                                    <p:set>
+                                      <p:cBhvr>
+                                        <p:cTn id="16" dur="1" fill="hold">
+                                          <p:stCondLst>
+                                            <p:cond delay="0"/>
+                                          </p:stCondLst>
+                                        </p:cTn>
+                                        <p:tgtEl>
+                                          <p:spTgt spid="9"/>
+                                        </p:tgtEl>
+                                        <p:attrNameLst>
+                                          <p:attrName>style.visibility</p:attrName>
+                                        </p:attrNameLst>
+                                      </p:cBhvr>
+                                      <p:to>
+                                        <p:strVal val="visible"/>
+                                      </p:to>
+                                    </p:set>
+                                    <p:anim calcmode="lin" valueType="num">
+                                      <p:cBhvr additive="base">
+                                        <p:cTn id="17" dur="500" fill="hold"/>
+                                        <p:tgtEl>
+                                          <p:spTgt spid="9"/>
+                                        </p:tgtEl>
+                                        <p:attrNameLst>
+                                          <p:attrName>ppt_x</p:attrName>
+                                        </p:attrNameLst>
+                                      </p:cBhvr>
+                                      <p:tavLst>
+                                        <p:tav tm="0%">
+                                          <p:val>
+                                            <p:strVal val="#ppt_x"/>
+                                          </p:val>
+                                        </p:tav>
+                                        <p:tav tm="100%">
+                                          <p:val>
+                                            <p:strVal val="#ppt_x"/>
+                                          </p:val>
+                                        </p:tav>
+                                      </p:tavLst>
+                                    </p:anim>
+                                    <p:anim calcmode="lin" valueType="num">
+                                      <p:cBhvr additive="base">
+                                        <p:cTn id="18" dur="500" fill="hold"/>
+                                        <p:tgtEl>
+                                          <p:spTgt spid="9"/>
+                                        </p:tgtEl>
+                                        <p:attrNameLst>
+                                          <p:attrName>ppt_y</p:attrName>
+                                        </p:attrNameLst>
+                                      </p:cBhvr>
+                                      <p:tavLst>
+                                        <p:tav tm="0%">
+                                          <p:val>
+                                            <p:strVal val="1+#ppt_h/2"/>
+                                          </p:val>
+                                        </p:tav>
+                                        <p:tav tm="100%">
+                                          <p:val>
+                                            <p:strVal val="#ppt_y"/>
+                                          </p:val>
+                                        </p:tav>
+                                      </p:tavLst>
+                                    </p:anim>
+                                  </p:childTnLst>
+                                </p:cTn>
+                              </p:par>
+                            </p:childTnLst>
+                          </p:cTn>
+                        </p:par>
+                      </p:childTnLst>
+                    </p:cTn>
+                  </p:par>
+                  <p:par>
+                    <p:cTn id="19" fill="hold">
+                      <p:stCondLst>
+                        <p:cond delay="indefinite"/>
+                      </p:stCondLst>
+                      <p:childTnLst>
+                        <p:par>
+                          <p:cTn id="20" fill="hold">
+                            <p:stCondLst>
+                              <p:cond delay="0"/>
+                            </p:stCondLst>
+                            <p:childTnLst>
+                              <p:par>
+                                <p:cTn id="21" presetID="2" presetClass="entr" presetSubtype="4" fill="hold" nodeType="clickEffect">
+                                  <p:stCondLst>
+                                    <p:cond delay="0"/>
+                                  </p:stCondLst>
+                                  <p:childTnLst>
+                                    <p:set>
+                                      <p:cBhvr>
+                                        <p:cTn id="22" dur="1" fill="hold">
+                                          <p:stCondLst>
+                                            <p:cond delay="0"/>
+                                          </p:stCondLst>
+                                        </p:cTn>
+                                        <p:tgtEl>
+                                          <p:spTgt spid="13"/>
+                                        </p:tgtEl>
+                                        <p:attrNameLst>
+                                          <p:attrName>style.visibility</p:attrName>
+                                        </p:attrNameLst>
+                                      </p:cBhvr>
+                                      <p:to>
+                                        <p:strVal val="visible"/>
+                                      </p:to>
+                                    </p:set>
+                                    <p:anim calcmode="lin" valueType="num">
+                                      <p:cBhvr additive="base">
+                                        <p:cTn id="23" dur="500" fill="hold"/>
+                                        <p:tgtEl>
+                                          <p:spTgt spid="13"/>
+                                        </p:tgtEl>
+                                        <p:attrNameLst>
+                                          <p:attrName>ppt_x</p:attrName>
+                                        </p:attrNameLst>
+                                      </p:cBhvr>
+                                      <p:tavLst>
+                                        <p:tav tm="0%">
+                                          <p:val>
+                                            <p:strVal val="#ppt_x"/>
+                                          </p:val>
+                                        </p:tav>
+                                        <p:tav tm="100%">
+                                          <p:val>
+                                            <p:strVal val="#ppt_x"/>
+                                          </p:val>
+                                        </p:tav>
+                                      </p:tavLst>
+                                    </p:anim>
+                                    <p:anim calcmode="lin" valueType="num">
+                                      <p:cBhvr additive="base">
+                                        <p:cTn id="24" dur="500" fill="hold"/>
+                                        <p:tgtEl>
+                                          <p:spTgt spid="13"/>
+                                        </p:tgtEl>
+                                        <p:attrNameLst>
+                                          <p:attrName>ppt_y</p:attrName>
+                                        </p:attrNameLst>
+                                      </p:cBhvr>
+                                      <p:tavLst>
+                                        <p:tav tm="0%">
+                                          <p:val>
+                                            <p:strVal val="1+#ppt_h/2"/>
+                                          </p:val>
+                                        </p:tav>
+                                        <p:tav tm="100%">
+                                          <p:val>
+                                            <p:strVal val="#ppt_y"/>
+                                          </p:val>
+                                        </p:tav>
+                                      </p:tavLst>
+                                    </p:anim>
+                                  </p:childTnLst>
+                                </p:cTn>
+                              </p:par>
+                              <p:par>
+                                <p:cTn id="25" presetID="2" presetClass="entr" presetSubtype="4" fill="hold" grpId="0" nodeType="withEffect">
+                                  <p:stCondLst>
+                                    <p:cond delay="0"/>
+                                  </p:stCondLst>
+                                  <p:childTnLst>
+                                    <p:set>
+                                      <p:cBhvr>
+                                        <p:cTn id="26" dur="1" fill="hold">
+                                          <p:stCondLst>
+                                            <p:cond delay="0"/>
+                                          </p:stCondLst>
+                                        </p:cTn>
+                                        <p:tgtEl>
+                                          <p:spTgt spid="10"/>
+                                        </p:tgtEl>
+                                        <p:attrNameLst>
+                                          <p:attrName>style.visibility</p:attrName>
+                                        </p:attrNameLst>
+                                      </p:cBhvr>
+                                      <p:to>
+                                        <p:strVal val="visible"/>
+                                      </p:to>
+                                    </p:set>
+                                    <p:anim calcmode="lin" valueType="num">
+                                      <p:cBhvr additive="base">
+                                        <p:cTn id="27" dur="500" fill="hold"/>
+                                        <p:tgtEl>
+                                          <p:spTgt spid="10"/>
+                                        </p:tgtEl>
+                                        <p:attrNameLst>
+                                          <p:attrName>ppt_x</p:attrName>
+                                        </p:attrNameLst>
+                                      </p:cBhvr>
+                                      <p:tavLst>
+                                        <p:tav tm="0%">
+                                          <p:val>
+                                            <p:strVal val="#ppt_x"/>
+                                          </p:val>
+                                        </p:tav>
+                                        <p:tav tm="100%">
+                                          <p:val>
+                                            <p:strVal val="#ppt_x"/>
+                                          </p:val>
+                                        </p:tav>
+                                      </p:tavLst>
+                                    </p:anim>
+                                    <p:anim calcmode="lin" valueType="num">
+                                      <p:cBhvr additive="base">
+                                        <p:cTn id="28" dur="500" fill="hold"/>
+                                        <p:tgtEl>
+                                          <p:spTgt spid="10"/>
+                                        </p:tgtEl>
+                                        <p:attrNameLst>
+                                          <p:attrName>ppt_y</p:attrName>
+                                        </p:attrNameLst>
+                                      </p:cBhvr>
+                                      <p:tavLst>
+                                        <p:tav tm="0%">
+                                          <p:val>
+                                            <p:strVal val="1+#ppt_h/2"/>
+                                          </p:val>
+                                        </p:tav>
+                                        <p:tav tm="100%">
+                                          <p:val>
+                                            <p:strVal val="#ppt_y"/>
+                                          </p:val>
+                                        </p:tav>
+                                      </p:tavLst>
+                                    </p:anim>
+                                  </p:childTnLst>
+                                </p:cTn>
+                              </p:par>
+                            </p:childTnLst>
+                          </p:cTn>
+                        </p:par>
+                      </p:childTnLst>
+                    </p:cTn>
+                  </p:par>
+                  <p:par>
+                    <p:cTn id="29" fill="hold">
+                      <p:stCondLst>
+                        <p:cond delay="indefinite"/>
+                      </p:stCondLst>
+                      <p:childTnLst>
+                        <p:par>
+                          <p:cTn id="30" fill="hold">
+                            <p:stCondLst>
+                              <p:cond delay="0"/>
+                            </p:stCondLst>
+                            <p:childTnLst>
+                              <p:par>
+                                <p:cTn id="31" presetID="2" presetClass="entr" presetSubtype="4" fill="hold" grpId="0" nodeType="clickEffect">
+                                  <p:stCondLst>
+                                    <p:cond delay="0"/>
+                                  </p:stCondLst>
+                                  <p:childTnLst>
+                                    <p:set>
+                                      <p:cBhvr>
+                                        <p:cTn id="32" dur="1" fill="hold">
+                                          <p:stCondLst>
+                                            <p:cond delay="0"/>
+                                          </p:stCondLst>
+                                        </p:cTn>
+                                        <p:tgtEl>
+                                          <p:spTgt spid="6"/>
+                                        </p:tgtEl>
+                                        <p:attrNameLst>
+                                          <p:attrName>style.visibility</p:attrName>
+                                        </p:attrNameLst>
+                                      </p:cBhvr>
+                                      <p:to>
+                                        <p:strVal val="visible"/>
+                                      </p:to>
+                                    </p:set>
+                                    <p:anim calcmode="lin" valueType="num">
+                                      <p:cBhvr additive="base">
+                                        <p:cTn id="33" dur="500" fill="hold"/>
+                                        <p:tgtEl>
+                                          <p:spTgt spid="6"/>
+                                        </p:tgtEl>
+                                        <p:attrNameLst>
+                                          <p:attrName>ppt_x</p:attrName>
+                                        </p:attrNameLst>
+                                      </p:cBhvr>
+                                      <p:tavLst>
+                                        <p:tav tm="0%">
+                                          <p:val>
+                                            <p:strVal val="#ppt_x"/>
+                                          </p:val>
+                                        </p:tav>
+                                        <p:tav tm="100%">
+                                          <p:val>
+                                            <p:strVal val="#ppt_x"/>
+                                          </p:val>
+                                        </p:tav>
+                                      </p:tavLst>
+                                    </p:anim>
+                                    <p:anim calcmode="lin" valueType="num">
+                                      <p:cBhvr additive="base">
+                                        <p:cTn id="34" dur="500" fill="hold"/>
+                                        <p:tgtEl>
+                                          <p:spTgt spid="6"/>
+                                        </p:tgtEl>
+                                        <p:attrNameLst>
+                                          <p:attrName>ppt_y</p:attrName>
+                                        </p:attrNameLst>
+                                      </p:cBhvr>
+                                      <p:tavLst>
+                                        <p:tav tm="0%">
+                                          <p:val>
+                                            <p:strVal val="1+#ppt_h/2"/>
+                                          </p:val>
+                                        </p:tav>
+                                        <p:tav tm="100%">
+                                          <p:val>
+                                            <p:strVal val="#ppt_y"/>
+                                          </p:val>
+                                        </p:tav>
+                                      </p:tavLst>
+                                    </p:anim>
+                                  </p:childTnLst>
+                                </p:cTn>
+                              </p:par>
+                            </p:childTnLst>
+                          </p:cTn>
+                        </p:par>
+                      </p:childTnLst>
+                    </p:cTn>
+                  </p:par>
+                  <p:par>
+                    <p:cTn id="35" fill="hold">
+                      <p:stCondLst>
+                        <p:cond delay="indefinite"/>
+                      </p:stCondLst>
+                      <p:childTnLst>
+                        <p:par>
+                          <p:cTn id="36" fill="hold">
+                            <p:stCondLst>
+                              <p:cond delay="0"/>
+                            </p:stCondLst>
+                            <p:childTnLst>
+                              <p:par>
+                                <p:cTn id="37" presetID="2" presetClass="entr" presetSubtype="4" fill="hold" nodeType="clickEffect">
+                                  <p:stCondLst>
+                                    <p:cond delay="0"/>
+                                  </p:stCondLst>
+                                  <p:childTnLst>
+                                    <p:set>
+                                      <p:cBhvr>
+                                        <p:cTn id="38" dur="1" fill="hold">
+                                          <p:stCondLst>
+                                            <p:cond delay="0"/>
+                                          </p:stCondLst>
+                                        </p:cTn>
+                                        <p:tgtEl>
+                                          <p:spTgt spid="12"/>
+                                        </p:tgtEl>
+                                        <p:attrNameLst>
+                                          <p:attrName>style.visibility</p:attrName>
+                                        </p:attrNameLst>
+                                      </p:cBhvr>
+                                      <p:to>
+                                        <p:strVal val="visible"/>
+                                      </p:to>
+                                    </p:set>
+                                    <p:anim calcmode="lin" valueType="num">
+                                      <p:cBhvr additive="base">
+                                        <p:cTn id="39" dur="500" fill="hold"/>
+                                        <p:tgtEl>
+                                          <p:spTgt spid="12"/>
+                                        </p:tgtEl>
+                                        <p:attrNameLst>
+                                          <p:attrName>ppt_x</p:attrName>
+                                        </p:attrNameLst>
+                                      </p:cBhvr>
+                                      <p:tavLst>
+                                        <p:tav tm="0%">
+                                          <p:val>
+                                            <p:strVal val="#ppt_x"/>
+                                          </p:val>
+                                        </p:tav>
+                                        <p:tav tm="100%">
+                                          <p:val>
+                                            <p:strVal val="#ppt_x"/>
+                                          </p:val>
+                                        </p:tav>
+                                      </p:tavLst>
+                                    </p:anim>
+                                    <p:anim calcmode="lin" valueType="num">
+                                      <p:cBhvr additive="base">
+                                        <p:cTn id="40" dur="500" fill="hold"/>
+                                        <p:tgtEl>
+                                          <p:spTgt spid="12"/>
+                                        </p:tgtEl>
+                                        <p:attrNameLst>
+                                          <p:attrName>ppt_y</p:attrName>
+                                        </p:attrNameLst>
+                                      </p:cBhvr>
+                                      <p:tavLst>
+                                        <p:tav tm="0%">
+                                          <p:val>
+                                            <p:strVal val="1+#ppt_h/2"/>
+                                          </p:val>
+                                        </p:tav>
+                                        <p:tav tm="100%">
+                                          <p:val>
+                                            <p:strVal val="#ppt_y"/>
+                                          </p:val>
+                                        </p:tav>
+                                      </p:tavLst>
+                                    </p:anim>
+                                  </p:childTnLst>
+                                </p:cTn>
+                              </p:par>
+                            </p:childTnLst>
+                          </p:cTn>
+                        </p:par>
+                      </p:childTnLst>
+                    </p:cTn>
+                  </p:par>
+                  <p:par>
+                    <p:cTn id="41" fill="hold">
+                      <p:stCondLst>
+                        <p:cond delay="indefinite"/>
+                      </p:stCondLst>
+                      <p:childTnLst>
+                        <p:par>
+                          <p:cTn id="42" fill="hold">
+                            <p:stCondLst>
+                              <p:cond delay="0"/>
+                            </p:stCondLst>
+                            <p:childTnLst>
+                              <p:par>
+                                <p:cTn id="43" presetID="2" presetClass="entr" presetSubtype="4" fill="hold" grpId="0" nodeType="clickEffect">
+                                  <p:stCondLst>
+                                    <p:cond delay="0"/>
+                                  </p:stCondLst>
+                                  <p:childTnLst>
+                                    <p:set>
+                                      <p:cBhvr>
+                                        <p:cTn id="44" dur="1" fill="hold">
+                                          <p:stCondLst>
+                                            <p:cond delay="0"/>
+                                          </p:stCondLst>
+                                        </p:cTn>
+                                        <p:tgtEl>
+                                          <p:spTgt spid="20"/>
+                                        </p:tgtEl>
+                                        <p:attrNameLst>
+                                          <p:attrName>style.visibility</p:attrName>
+                                        </p:attrNameLst>
+                                      </p:cBhvr>
+                                      <p:to>
+                                        <p:strVal val="visible"/>
+                                      </p:to>
+                                    </p:set>
+                                    <p:anim calcmode="lin" valueType="num">
+                                      <p:cBhvr additive="base">
+                                        <p:cTn id="45" dur="500" fill="hold"/>
+                                        <p:tgtEl>
+                                          <p:spTgt spid="20"/>
+                                        </p:tgtEl>
+                                        <p:attrNameLst>
+                                          <p:attrName>ppt_x</p:attrName>
+                                        </p:attrNameLst>
+                                      </p:cBhvr>
+                                      <p:tavLst>
+                                        <p:tav tm="0%">
+                                          <p:val>
+                                            <p:strVal val="#ppt_x"/>
+                                          </p:val>
+                                        </p:tav>
+                                        <p:tav tm="100%">
+                                          <p:val>
+                                            <p:strVal val="#ppt_x"/>
+                                          </p:val>
+                                        </p:tav>
+                                      </p:tavLst>
+                                    </p:anim>
+                                    <p:anim calcmode="lin" valueType="num">
+                                      <p:cBhvr additive="base">
+                                        <p:cTn id="46" dur="500" fill="hold"/>
+                                        <p:tgtEl>
+                                          <p:spTgt spid="20"/>
+                                        </p:tgtEl>
+                                        <p:attrNameLst>
+                                          <p:attrName>ppt_y</p:attrName>
+                                        </p:attrNameLst>
+                                      </p:cBhvr>
+                                      <p:tavLst>
+                                        <p:tav tm="0%">
+                                          <p:val>
+                                            <p:strVal val="1+#ppt_h/2"/>
+                                          </p:val>
+                                        </p:tav>
+                                        <p:tav tm="100%">
+                                          <p:val>
+                                            <p:strVal val="#ppt_y"/>
+                                          </p:val>
+                                        </p:tav>
+                                      </p:tavLst>
+                                    </p:anim>
+                                  </p:childTnLst>
+                                </p:cTn>
+                              </p:par>
+                            </p:childTnLst>
+                          </p:cTn>
+                        </p:par>
+                      </p:childTnLst>
+                    </p:cTn>
+                  </p:par>
+                  <p:par>
+                    <p:cTn id="47" fill="hold">
+                      <p:stCondLst>
+                        <p:cond delay="indefinite"/>
+                      </p:stCondLst>
+                      <p:childTnLst>
+                        <p:par>
+                          <p:cTn id="48" fill="hold">
+                            <p:stCondLst>
+                              <p:cond delay="0"/>
+                            </p:stCondLst>
+                            <p:childTnLst>
+                              <p:par>
+                                <p:cTn id="49" presetID="2" presetClass="entr" presetSubtype="4" fill="hold" grpId="0" nodeType="clickEffect">
+                                  <p:stCondLst>
+                                    <p:cond delay="0"/>
+                                  </p:stCondLst>
+                                  <p:childTnLst>
+                                    <p:set>
+                                      <p:cBhvr>
+                                        <p:cTn id="50" dur="1" fill="hold">
+                                          <p:stCondLst>
+                                            <p:cond delay="0"/>
+                                          </p:stCondLst>
+                                        </p:cTn>
+                                        <p:tgtEl>
+                                          <p:spTgt spid="16"/>
+                                        </p:tgtEl>
+                                        <p:attrNameLst>
+                                          <p:attrName>style.visibility</p:attrName>
+                                        </p:attrNameLst>
+                                      </p:cBhvr>
+                                      <p:to>
+                                        <p:strVal val="visible"/>
+                                      </p:to>
+                                    </p:set>
+                                    <p:anim calcmode="lin" valueType="num">
+                                      <p:cBhvr additive="base">
+                                        <p:cTn id="51" dur="500" fill="hold"/>
+                                        <p:tgtEl>
+                                          <p:spTgt spid="16"/>
+                                        </p:tgtEl>
+                                        <p:attrNameLst>
+                                          <p:attrName>ppt_x</p:attrName>
+                                        </p:attrNameLst>
+                                      </p:cBhvr>
+                                      <p:tavLst>
+                                        <p:tav tm="0%">
+                                          <p:val>
+                                            <p:strVal val="#ppt_x"/>
+                                          </p:val>
+                                        </p:tav>
+                                        <p:tav tm="100%">
+                                          <p:val>
+                                            <p:strVal val="#ppt_x"/>
+                                          </p:val>
+                                        </p:tav>
+                                      </p:tavLst>
+                                    </p:anim>
+                                    <p:anim calcmode="lin" valueType="num">
+                                      <p:cBhvr additive="base">
+                                        <p:cTn id="52" dur="500" fill="hold"/>
+                                        <p:tgtEl>
+                                          <p:spTgt spid="16"/>
+                                        </p:tgtEl>
+                                        <p:attrNameLst>
+                                          <p:attrName>ppt_y</p:attrName>
+                                        </p:attrNameLst>
+                                      </p:cBhvr>
+                                      <p:tavLst>
+                                        <p:tav tm="0%">
+                                          <p:val>
+                                            <p:strVal val="1+#ppt_h/2"/>
+                                          </p:val>
+                                        </p:tav>
+                                        <p:tav tm="100%">
+                                          <p:val>
+                                            <p:strVal val="#ppt_y"/>
+                                          </p:val>
+                                        </p:tav>
+                                      </p:tavLst>
+                                    </p:anim>
+                                  </p:childTnLst>
+                                </p:cTn>
+                              </p:par>
+                            </p:childTnLst>
+                          </p:cTn>
+                        </p:par>
+                      </p:childTnLst>
+                    </p:cTn>
+                  </p:par>
+                  <p:par>
+                    <p:cTn id="53" fill="hold">
+                      <p:stCondLst>
+                        <p:cond delay="indefinite"/>
+                      </p:stCondLst>
+                      <p:childTnLst>
+                        <p:par>
+                          <p:cTn id="54" fill="hold">
+                            <p:stCondLst>
+                              <p:cond delay="0"/>
+                            </p:stCondLst>
+                            <p:childTnLst>
+                              <p:par>
+                                <p:cTn id="55" presetID="2" presetClass="entr" presetSubtype="4" fill="hold" grpId="0" nodeType="clickEffect">
+                                  <p:stCondLst>
+                                    <p:cond delay="0"/>
+                                  </p:stCondLst>
+                                  <p:childTnLst>
+                                    <p:set>
+                                      <p:cBhvr>
+                                        <p:cTn id="56" dur="1" fill="hold">
+                                          <p:stCondLst>
+                                            <p:cond delay="0"/>
+                                          </p:stCondLst>
+                                        </p:cTn>
+                                        <p:tgtEl>
+                                          <p:spTgt spid="14"/>
+                                        </p:tgtEl>
+                                        <p:attrNameLst>
+                                          <p:attrName>style.visibility</p:attrName>
+                                        </p:attrNameLst>
+                                      </p:cBhvr>
+                                      <p:to>
+                                        <p:strVal val="visible"/>
+                                      </p:to>
+                                    </p:set>
+                                    <p:anim calcmode="lin" valueType="num">
+                                      <p:cBhvr additive="base">
+                                        <p:cTn id="57" dur="500" fill="hold"/>
+                                        <p:tgtEl>
+                                          <p:spTgt spid="14"/>
+                                        </p:tgtEl>
+                                        <p:attrNameLst>
+                                          <p:attrName>ppt_x</p:attrName>
+                                        </p:attrNameLst>
+                                      </p:cBhvr>
+                                      <p:tavLst>
+                                        <p:tav tm="0%">
+                                          <p:val>
+                                            <p:strVal val="#ppt_x"/>
+                                          </p:val>
+                                        </p:tav>
+                                        <p:tav tm="100%">
+                                          <p:val>
+                                            <p:strVal val="#ppt_x"/>
+                                          </p:val>
+                                        </p:tav>
+                                      </p:tavLst>
+                                    </p:anim>
+                                    <p:anim calcmode="lin" valueType="num">
+                                      <p:cBhvr additive="base">
+                                        <p:cTn id="58" dur="500" fill="hold"/>
+                                        <p:tgtEl>
+                                          <p:spTgt spid="14"/>
+                                        </p:tgtEl>
+                                        <p:attrNameLst>
+                                          <p:attrName>ppt_y</p:attrName>
+                                        </p:attrNameLst>
+                                      </p:cBhvr>
+                                      <p:tavLst>
+                                        <p:tav tm="0%">
+                                          <p:val>
+                                            <p:strVal val="1+#ppt_h/2"/>
+                                          </p:val>
+                                        </p:tav>
+                                        <p:tav tm="100%">
+                                          <p:val>
+                                            <p:strVal val="#ppt_y"/>
+                                          </p:val>
+                                        </p:tav>
+                                      </p:tavLst>
+                                    </p:anim>
+                                  </p:childTnLst>
+                                </p:cTn>
+                              </p:par>
+                            </p:childTnLst>
+                          </p:cTn>
+                        </p:par>
+                      </p:childTnLst>
+                    </p:cTn>
+                  </p:par>
+                  <p:par>
+                    <p:cTn id="59" fill="hold">
+                      <p:stCondLst>
+                        <p:cond delay="indefinite"/>
+                      </p:stCondLst>
+                      <p:childTnLst>
+                        <p:par>
+                          <p:cTn id="60" fill="hold">
+                            <p:stCondLst>
+                              <p:cond delay="0"/>
+                            </p:stCondLst>
+                            <p:childTnLst>
+                              <p:par>
+                                <p:cTn id="61" presetID="2" presetClass="entr" presetSubtype="4" fill="hold" grpId="0" nodeType="clickEffect">
+                                  <p:stCondLst>
+                                    <p:cond delay="0"/>
+                                  </p:stCondLst>
+                                  <p:childTnLst>
+                                    <p:set>
+                                      <p:cBhvr>
+                                        <p:cTn id="62" dur="1" fill="hold">
+                                          <p:stCondLst>
+                                            <p:cond delay="0"/>
+                                          </p:stCondLst>
+                                        </p:cTn>
+                                        <p:tgtEl>
+                                          <p:spTgt spid="17"/>
+                                        </p:tgtEl>
+                                        <p:attrNameLst>
+                                          <p:attrName>style.visibility</p:attrName>
+                                        </p:attrNameLst>
+                                      </p:cBhvr>
+                                      <p:to>
+                                        <p:strVal val="visible"/>
+                                      </p:to>
+                                    </p:set>
+                                    <p:anim calcmode="lin" valueType="num">
+                                      <p:cBhvr additive="base">
+                                        <p:cTn id="63" dur="500" fill="hold"/>
+                                        <p:tgtEl>
+                                          <p:spTgt spid="17"/>
+                                        </p:tgtEl>
+                                        <p:attrNameLst>
+                                          <p:attrName>ppt_x</p:attrName>
+                                        </p:attrNameLst>
+                                      </p:cBhvr>
+                                      <p:tavLst>
+                                        <p:tav tm="0%">
+                                          <p:val>
+                                            <p:strVal val="#ppt_x"/>
+                                          </p:val>
+                                        </p:tav>
+                                        <p:tav tm="100%">
+                                          <p:val>
+                                            <p:strVal val="#ppt_x"/>
+                                          </p:val>
+                                        </p:tav>
+                                      </p:tavLst>
+                                    </p:anim>
+                                    <p:anim calcmode="lin" valueType="num">
+                                      <p:cBhvr additive="base">
+                                        <p:cTn id="64" dur="500" fill="hold"/>
+                                        <p:tgtEl>
+                                          <p:spTgt spid="17"/>
+                                        </p:tgtEl>
+                                        <p:attrNameLst>
+                                          <p:attrName>ppt_y</p:attrName>
+                                        </p:attrNameLst>
+                                      </p:cBhvr>
+                                      <p:tavLst>
+                                        <p:tav tm="0%">
+                                          <p:val>
+                                            <p:strVal val="1+#ppt_h/2"/>
+                                          </p:val>
+                                        </p:tav>
+                                        <p:tav tm="100%">
+                                          <p:val>
+                                            <p:strVal val="#ppt_y"/>
+                                          </p:val>
+                                        </p:tav>
+                                      </p:tavLst>
+                                    </p:anim>
+                                  </p:childTnLst>
+                                </p:cTn>
+                              </p:par>
+                            </p:childTnLst>
+                          </p:cTn>
+                        </p:par>
+                      </p:childTnLst>
+                    </p:cTn>
+                  </p:par>
+                </p:childTnLst>
+              </p:cTn>
+              <p:prevCondLst>
+                <p:cond evt="onPrev" delay="0">
+                  <p:tgtEl>
+                    <p:sldTgt/>
+                  </p:tgtEl>
+                </p:cond>
+              </p:prevCondLst>
+              <p:nextCondLst>
+                <p:cond evt="onNext" delay="0">
+                  <p:tgtEl>
+                    <p:sldTgt/>
+                  </p:tgtEl>
+                </p:cond>
+              </p:nextCondLst>
+            </p:seq>
+          </p:childTnLst>
+        </p:cTn>
+      </p:par>
+    </p:tnLst>
+    <p:bldLst>
+      <p:bldP spid="6" grpId="0" animBg="1"/>
+      <p:bldP spid="9" grpId="0" animBg="1"/>
+      <p:bldP spid="10" grpId="0" animBg="1"/>
+      <p:bldP spid="11" grpId="0" animBg="1"/>
+      <p:bldP spid="16" grpId="0" animBg="1"/>
+      <p:bldP spid="17" grpId="0" animBg="1"/>
+      <p:bldP spid="14" grpId="0" animBg="1"/>
+      <p:bldP spid="20" grpId="0" animBg="1"/>
+    </p:bldLst>
+  </p:timing>
+</p:sld>
+</file>
+
+<file path=ppt/slides/slide13.xml><?xml version="1.0" encoding="utf-8"?>
+<p:sld xmlns:a="http://purl.oclc.org/ooxml/drawingml/main" xmlns:r="http://purl.oclc.org/ooxml/officeDocument/relationships" xmlns:p="http://purl.oclc.org/ooxml/presentationml/main">
+  <p:cSld>
+    <p:spTree>
+      <p:nvGrpSpPr>
+        <p:cNvPr id="1" name=""/>
+        <p:cNvGrpSpPr/>
+        <p:nvPr/>
+      </p:nvGrpSpPr>
+      <p:grpSpPr>
+        <a:xfrm>
+          <a:off x="0" y="0"/>
+          <a:ext cx="0" cy="0"/>
+          <a:chOff x="0" y="0"/>
+          <a:chExt cx="0" cy="0"/>
+        </a:xfrm>
+      </p:grpSpPr>
+      <p:sp>
+        <p:nvSpPr>
+          <p:cNvPr id="3" name="CasellaDiTesto 2">
+            <a:extLst>
+              <a:ext uri="{FF2B5EF4-FFF2-40B4-BE49-F238E27FC236}">
+                <a16:creationId xmlns:a16="http://schemas.microsoft.com/office/drawing/2014/main" id="{B7F0B409-ED2C-424F-9A42-A212771ECE1F}"/>
+              </a:ext>
+            </a:extLst>
+          </p:cNvPr>
+          <p:cNvSpPr txBox="1"/>
+          <p:nvPr/>
+        </p:nvSpPr>
+        <p:spPr>
+          <a:xfrm>
+            <a:off x="2818583" y="288975"/>
+            <a:ext cx="6408712" cy="2031325"/>
+          </a:xfrm>
+          <a:prstGeom prst="rect">
+            <a:avLst/>
+          </a:prstGeom>
+        </p:spPr>
+        <p:style>
+          <a:lnRef idx="2">
+            <a:schemeClr val="accent4"/>
+          </a:lnRef>
+          <a:fillRef idx="1">
+            <a:schemeClr val="lt1"/>
+          </a:fillRef>
+          <a:effectRef idx="0">
+            <a:schemeClr val="accent4"/>
+          </a:effectRef>
+          <a:fontRef idx="minor">
+            <a:schemeClr val="dk1"/>
+          </a:fontRef>
+        </p:style>
+        <p:txBody>
+          <a:bodyPr wrap="square" rtlCol="0">
+            <a:spAutoFit/>
+          </a:bodyPr>
+          <a:lstStyle/>
+          <a:p>
+            <a:pPr marL="285750" indent="-285750">
+              <a:buFont typeface="Arial" panose="020B0604020202020204" pitchFamily="34" charset="0"/>
+              <a:buChar char="•"/>
+            </a:pPr>
+            <a:r>
+              <a:rPr lang="en-US" dirty="0">
+                <a:solidFill>
+                  <a:srgbClr val="C00000"/>
+                </a:solidFill>
+              </a:rPr>
+              <a:t>Model-Driven Software Development </a:t>
+            </a:r>
+            <a:r>
+              <a:rPr lang="en-US" dirty="0"/>
+              <a:t>(MDSD) puts </a:t>
+            </a:r>
+            <a:r>
+              <a:rPr lang="en-US" b="1" dirty="0">
+                <a:solidFill>
+                  <a:srgbClr val="0070C0"/>
+                </a:solidFill>
+              </a:rPr>
+              <a:t>analysis and design models </a:t>
+            </a:r>
+            <a:r>
+              <a:rPr lang="en-US" dirty="0"/>
+              <a:t>on par with code. </a:t>
+            </a:r>
+          </a:p>
+          <a:p>
+            <a:pPr marL="285750" indent="-285750">
+              <a:buFont typeface="Arial" panose="020B0604020202020204" pitchFamily="34" charset="0"/>
+              <a:buChar char="•"/>
+            </a:pPr>
+            <a:r>
+              <a:rPr lang="en-US" dirty="0"/>
+              <a:t>Models </a:t>
+            </a:r>
+            <a:r>
+              <a:rPr lang="en-US" dirty="0">
+                <a:solidFill>
+                  <a:srgbClr val="C00000"/>
+                </a:solidFill>
+              </a:rPr>
+              <a:t>do not constitute documentation</a:t>
+            </a:r>
+            <a:r>
+              <a:rPr lang="en-US" dirty="0"/>
+              <a:t>, but are considered equal to code, as their implementation is automated.</a:t>
+            </a:r>
+          </a:p>
+          <a:p>
+            <a:pPr marL="285750" indent="-285750">
+              <a:buFont typeface="Arial" panose="020B0604020202020204" pitchFamily="34" charset="0"/>
+              <a:buChar char="•"/>
+            </a:pPr>
+            <a:r>
+              <a:rPr lang="en-US" dirty="0"/>
+              <a:t>The goal of the book is to convince you, the reader, that </a:t>
+            </a:r>
+            <a:r>
+              <a:rPr lang="en-US" dirty="0">
+                <a:solidFill>
+                  <a:srgbClr val="C00000"/>
+                </a:solidFill>
+              </a:rPr>
+              <a:t>MDSD is a practicable method today</a:t>
+            </a:r>
+            <a:r>
+              <a:rPr lang="en-US" dirty="0"/>
+              <a:t>, and that it is superior to conventional development methods in many cases. </a:t>
+            </a:r>
+          </a:p>
+        </p:txBody>
+      </p:sp>
+      <p:pic>
+        <p:nvPicPr>
+          <p:cNvPr id="4" name="Picture 2" descr="Model-Driven Software Development: Technology, Engineering, Management (Wiley Software Patterns Series) di [Stahl, Thomas, Markus Voelter]">
+            <a:extLst>
+              <a:ext uri="{FF2B5EF4-FFF2-40B4-BE49-F238E27FC236}">
+                <a16:creationId xmlns:a16="http://schemas.microsoft.com/office/drawing/2014/main" id="{6C8AED72-6920-416B-8226-A25EA3A10BCB}"/>
+              </a:ext>
+            </a:extLst>
+          </p:cNvPr>
+          <p:cNvPicPr>
+            <a:picLocks noChangeAspect="1" noChangeArrowheads="1"/>
+          </p:cNvPicPr>
+          <p:nvPr/>
+        </p:nvPicPr>
+        <p:blipFill>
+          <a:blip r:embed="rId2">
+            <a:extLst>
+              <a:ext uri="{28A0092B-C50C-407E-A947-70E740481C1C}">
+                <a14:useLocalDpi xmlns:a14="http://schemas.microsoft.com/office/drawing/2010/main" val="0"/>
+              </a:ext>
+            </a:extLst>
+          </a:blip>
+          <a:srcRect/>
+          <a:stretch>
+            <a:fillRect/>
+          </a:stretch>
+        </p:blipFill>
+        <p:spPr bwMode="auto">
+          <a:xfrm>
+            <a:off x="691619" y="288975"/>
+            <a:ext cx="1787491" cy="2223248"/>
+          </a:xfrm>
+          <a:prstGeom prst="rect">
+            <a:avLst/>
+          </a:prstGeom>
+          <a:noFill/>
+          <a:extLst>
+            <a:ext uri="{909E8E84-426E-40DD-AFC4-6F175D3DCCD1}">
+              <a14:hiddenFill xmlns:a14="http://schemas.microsoft.com/office/drawing/2010/main">
+                <a:solidFill>
+                  <a:srgbClr val="FFFFFF"/>
+                </a:solidFill>
+              </a14:hiddenFill>
+            </a:ext>
+          </a:extLst>
+        </p:spPr>
+      </p:pic>
+      <p:grpSp>
+        <p:nvGrpSpPr>
+          <p:cNvPr id="7" name="Gruppo 6">
+            <a:extLst>
+              <a:ext uri="{FF2B5EF4-FFF2-40B4-BE49-F238E27FC236}">
+                <a16:creationId xmlns:a16="http://schemas.microsoft.com/office/drawing/2014/main" id="{22C9E079-60F0-4193-A3A2-EBA6CC2523B3}"/>
+              </a:ext>
+            </a:extLst>
+          </p:cNvPr>
+          <p:cNvGrpSpPr/>
+          <p:nvPr/>
+        </p:nvGrpSpPr>
+        <p:grpSpPr>
+          <a:xfrm>
+            <a:off x="581963" y="3112676"/>
+            <a:ext cx="7315988" cy="2366928"/>
+            <a:chOff x="525815" y="3874421"/>
+            <a:chExt cx="7315988" cy="2366928"/>
+          </a:xfrm>
+        </p:grpSpPr>
+        <p:pic>
+          <p:nvPicPr>
+            <p:cNvPr id="8" name="Picture 4" descr="https://images-na.ssl-images-amazon.com/images/I/5156gHBSxaL._SX379_BO1,204,203,200_.jpg">
+              <a:extLst>
+                <a:ext uri="{FF2B5EF4-FFF2-40B4-BE49-F238E27FC236}">
+                  <a16:creationId xmlns:a16="http://schemas.microsoft.com/office/drawing/2014/main" id="{8C5AFC1C-6CE9-4B70-B279-50AFB1B10862}"/>
+                </a:ext>
+              </a:extLst>
+            </p:cNvPr>
+            <p:cNvPicPr>
+              <a:picLocks noChangeAspect="1" noChangeArrowheads="1"/>
+            </p:cNvPicPr>
+            <p:nvPr/>
+          </p:nvPicPr>
+          <p:blipFill>
+            <a:blip r:embed="rId3">
+              <a:extLst>
+                <a:ext uri="{28A0092B-C50C-407E-A947-70E740481C1C}">
+                  <a14:useLocalDpi xmlns:a14="http://schemas.microsoft.com/office/drawing/2010/main" val="0"/>
+                </a:ext>
+              </a:extLst>
+            </a:blip>
+            <a:srcRect/>
+            <a:stretch>
+              <a:fillRect/>
+            </a:stretch>
+          </p:blipFill>
+          <p:spPr bwMode="auto">
+            <a:xfrm>
+              <a:off x="525815" y="3874421"/>
+              <a:ext cx="1712486" cy="2242863"/>
+            </a:xfrm>
+            <a:prstGeom prst="rect">
+              <a:avLst/>
+            </a:prstGeom>
+            <a:noFill/>
+            <a:extLst>
+              <a:ext uri="{909E8E84-426E-40DD-AFC4-6F175D3DCCD1}">
+                <a14:hiddenFill xmlns:a14="http://schemas.microsoft.com/office/drawing/2010/main">
+                  <a:solidFill>
+                    <a:srgbClr val="FFFFFF"/>
+                  </a:solidFill>
+                </a14:hiddenFill>
+              </a:ext>
+            </a:extLst>
+          </p:spPr>
+        </p:pic>
+        <p:sp>
+          <p:nvSpPr>
+            <p:cNvPr id="9" name="CasellaDiTesto 8">
+              <a:extLst>
+                <a:ext uri="{FF2B5EF4-FFF2-40B4-BE49-F238E27FC236}">
+                  <a16:creationId xmlns:a16="http://schemas.microsoft.com/office/drawing/2014/main" id="{8B656B7D-E295-46F3-94B9-99B87113D16C}"/>
+                </a:ext>
+              </a:extLst>
+            </p:cNvPr>
+            <p:cNvSpPr txBox="1"/>
+            <p:nvPr/>
+          </p:nvSpPr>
+          <p:spPr>
+            <a:xfrm>
+              <a:off x="2411760" y="4056135"/>
+              <a:ext cx="5430043" cy="1815882"/>
+            </a:xfrm>
+            <a:prstGeom prst="rect">
+              <a:avLst/>
+            </a:prstGeom>
+            <a:noFill/>
+          </p:spPr>
+          <p:txBody>
+            <a:bodyPr wrap="square" rtlCol="0">
+              <a:spAutoFit/>
+            </a:bodyPr>
+            <a:lstStyle/>
+            <a:p>
+              <a:r>
+                <a:rPr lang="en-US" sz="1600" dirty="0"/>
+                <a:t>Distributed systems have become more fine-grained in the past 10 years,  shifting from code-heavy monolithic  applications to smaller, self-contained  </a:t>
+              </a:r>
+              <a:r>
+                <a:rPr lang="en-US" sz="1600" dirty="0" err="1"/>
+                <a:t>microservices</a:t>
+              </a:r>
+              <a:r>
+                <a:rPr lang="en-US" sz="1600" dirty="0"/>
+                <a:t>. </a:t>
+              </a:r>
+            </a:p>
+            <a:p>
+              <a:r>
+                <a:rPr lang="en-US" sz="1600" dirty="0"/>
+                <a:t>With lots of examples and practical  advice, this book takes a </a:t>
+              </a:r>
+              <a:r>
+                <a:rPr lang="en-US" sz="1600" b="1" dirty="0">
+                  <a:solidFill>
+                    <a:srgbClr val="0070C0"/>
+                  </a:solidFill>
+                </a:rPr>
+                <a:t>holistic view  </a:t>
+              </a:r>
+              <a:r>
+                <a:rPr lang="en-US" sz="1600" dirty="0"/>
+                <a:t>of the topics that system architects  and administrators must consider  when building, managing, and evolving </a:t>
+              </a:r>
+              <a:r>
+                <a:rPr lang="en-US" sz="1600" b="1" dirty="0" err="1">
+                  <a:solidFill>
+                    <a:srgbClr val="0070C0"/>
+                  </a:solidFill>
+                </a:rPr>
+                <a:t>microservice</a:t>
+              </a:r>
+              <a:r>
+                <a:rPr lang="en-US" sz="1600" b="1" dirty="0">
+                  <a:solidFill>
+                    <a:srgbClr val="0070C0"/>
+                  </a:solidFill>
+                </a:rPr>
+                <a:t> architectures</a:t>
+              </a:r>
+              <a:r>
+                <a:rPr lang="en-US" sz="1600" dirty="0"/>
+                <a:t>.</a:t>
+              </a:r>
+            </a:p>
+          </p:txBody>
+        </p:sp>
+        <p:sp>
+          <p:nvSpPr>
+            <p:cNvPr id="10" name="CasellaDiTesto 9">
+              <a:extLst>
+                <a:ext uri="{FF2B5EF4-FFF2-40B4-BE49-F238E27FC236}">
+                  <a16:creationId xmlns:a16="http://schemas.microsoft.com/office/drawing/2014/main" id="{CB211258-E029-4ABF-9EE2-8F2CF9544246}"/>
+                </a:ext>
+              </a:extLst>
+            </p:cNvPr>
+            <p:cNvSpPr txBox="1"/>
+            <p:nvPr/>
+          </p:nvSpPr>
+          <p:spPr>
+            <a:xfrm>
+              <a:off x="1620838" y="5872017"/>
+              <a:ext cx="652743" cy="369332"/>
+            </a:xfrm>
+            <a:prstGeom prst="rect">
+              <a:avLst/>
+            </a:prstGeom>
+          </p:spPr>
+          <p:style>
+            <a:lnRef idx="1">
+              <a:schemeClr val="accent3"/>
+            </a:lnRef>
+            <a:fillRef idx="2">
+              <a:schemeClr val="accent3"/>
+            </a:fillRef>
+            <a:effectRef idx="1">
+              <a:schemeClr val="accent3"/>
+            </a:effectRef>
+            <a:fontRef idx="minor">
+              <a:schemeClr val="dk1"/>
+            </a:fontRef>
+          </p:style>
+          <p:txBody>
+            <a:bodyPr wrap="none" rtlCol="0">
+              <a:spAutoFit/>
+            </a:bodyPr>
+            <a:lstStyle/>
+            <a:p>
+              <a:r>
+                <a:rPr lang="it-IT" dirty="0"/>
+                <a:t>2015</a:t>
+              </a:r>
+              <a:endParaRPr lang="en-US" dirty="0"/>
+            </a:p>
+          </p:txBody>
+        </p:sp>
+      </p:grpSp>
+    </p:spTree>
+    <p:extLst>
+      <p:ext uri="{BB962C8B-B14F-4D97-AF65-F5344CB8AC3E}">
+        <p14:creationId xmlns:p14="http://schemas.microsoft.com/office/powerpoint/2010/main" val="4022686798"/>
+      </p:ext>
+    </p:extLst>
+  </p:cSld>
+  <p:clrMapOvr>
+    <a:masterClrMapping/>
+  </p:clrMapOvr>
+  <p:timing>
+    <p:tnLst>
+      <p:par>
+        <p:cTn id="1" dur="indefinite" restart="never" nodeType="tmRoot">
+          <p:childTnLst>
+            <p:seq concurrent="1" nextAc="seek">
+              <p:cTn id="2" dur="indefinite" nodeType="mainSeq">
+                <p:childTnLst>
+                  <p:par>
+                    <p:cTn id="3" fill="hold">
+                      <p:stCondLst>
+                        <p:cond delay="indefinite"/>
+                      </p:stCondLst>
+                      <p:childTnLst>
+                        <p:par>
+                          <p:cTn id="4" fill="hold">
+                            <p:stCondLst>
+                              <p:cond delay="0"/>
+                            </p:stCondLst>
+                            <p:childTnLst>
+                              <p:par>
+                                <p:cTn id="5" presetID="2" presetClass="entr" presetSubtype="4" fill="hold" nodeType="clickEffect">
+                                  <p:stCondLst>
+                                    <p:cond delay="0"/>
+                                  </p:stCondLst>
+                                  <p:childTnLst>
+                                    <p:set>
+                                      <p:cBhvr>
+                                        <p:cTn id="6" dur="1" fill="hold">
+                                          <p:stCondLst>
+                                            <p:cond delay="0"/>
+                                          </p:stCondLst>
+                                        </p:cTn>
+                                        <p:tgtEl>
+                                          <p:spTgt spid="7"/>
+                                        </p:tgtEl>
+                                        <p:attrNameLst>
+                                          <p:attrName>style.visibility</p:attrName>
+                                        </p:attrNameLst>
+                                      </p:cBhvr>
+                                      <p:to>
+                                        <p:strVal val="visible"/>
+                                      </p:to>
+                                    </p:set>
+                                    <p:anim calcmode="lin" valueType="num">
+                                      <p:cBhvr additive="base">
+                                        <p:cTn id="7" dur="500" fill="hold"/>
+                                        <p:tgtEl>
+                                          <p:spTgt spid="7"/>
+                                        </p:tgtEl>
+                                        <p:attrNameLst>
+                                          <p:attrName>ppt_x</p:attrName>
+                                        </p:attrNameLst>
+                                      </p:cBhvr>
+                                      <p:tavLst>
+                                        <p:tav tm="0%">
+                                          <p:val>
+                                            <p:strVal val="#ppt_x"/>
+                                          </p:val>
+                                        </p:tav>
+                                        <p:tav tm="100%">
+                                          <p:val>
+                                            <p:strVal val="#ppt_x"/>
+                                          </p:val>
+                                        </p:tav>
+                                      </p:tavLst>
+                                    </p:anim>
+                                    <p:anim calcmode="lin" valueType="num">
+                                      <p:cBhvr additive="base">
+                                        <p:cTn id="8" dur="500" fill="hold"/>
+                                        <p:tgtEl>
+                                          <p:spTgt spid="7"/>
+                                        </p:tgtEl>
+                                        <p:attrNameLst>
+                                          <p:attrName>ppt_y</p:attrName>
+                                        </p:attrNameLst>
+                                      </p:cBhvr>
+                                      <p:tavLst>
+                                        <p:tav tm="0%">
+                                          <p:val>
+                                            <p:strVal val="1+#ppt_h/2"/>
+                                          </p:val>
+                                        </p:tav>
+                                        <p:tav tm="100%">
+                                          <p:val>
+                                            <p:strVal val="#ppt_y"/>
+                                          </p:val>
+                                        </p:tav>
+                                      </p:tavLst>
+                                    </p:anim>
+                                  </p:childTnLst>
+                                </p:cTn>
+                              </p:par>
+                            </p:childTnLst>
+                          </p:cTn>
+                        </p:par>
+                      </p:childTnLst>
+                    </p:cTn>
+                  </p:par>
+                </p:childTnLst>
+              </p:cTn>
+              <p:prevCondLst>
+                <p:cond evt="onPrev" delay="0">
+                  <p:tgtEl>
+                    <p:sldTgt/>
+                  </p:tgtEl>
+                </p:cond>
+              </p:prevCondLst>
+              <p:nextCondLst>
+                <p:cond evt="onNext" delay="0">
+                  <p:tgtEl>
+                    <p:sldTgt/>
+                  </p:tgtEl>
+                </p:cond>
+              </p:nextCondLst>
+            </p:seq>
+          </p:childTnLst>
+        </p:cTn>
+      </p:par>
+    </p:tnLst>
+  </p:timing>
+</p:sld>
+</file>
+
+<file path=ppt/slides/slide14.xml><?xml version="1.0" encoding="utf-8"?>
+<p:sld xmlns:a="http://purl.oclc.org/ooxml/drawingml/main" xmlns:r="http://purl.oclc.org/ooxml/officeDocument/relationships" xmlns:p="http://purl.oclc.org/ooxml/presentationml/main">
+  <p:cSld>
+    <p:spTree>
+      <p:nvGrpSpPr>
+        <p:cNvPr id="1" name=""/>
+        <p:cNvGrpSpPr/>
+        <p:nvPr/>
+      </p:nvGrpSpPr>
+      <p:grpSpPr>
+        <a:xfrm>
+          <a:off x="0" y="0"/>
+          <a:ext cx="0" cy="0"/>
+          <a:chOff x="0" y="0"/>
+          <a:chExt cx="0" cy="0"/>
+        </a:xfrm>
+      </p:grpSpPr>
+      <p:sp>
+        <p:nvSpPr>
+          <p:cNvPr id="2" name="CasellaDiTesto 1">
+            <a:extLst>
+              <a:ext uri="{FF2B5EF4-FFF2-40B4-BE49-F238E27FC236}">
+                <a16:creationId xmlns:a16="http://schemas.microsoft.com/office/drawing/2014/main" id="{A13AC11D-AF17-4F20-B26A-A27C923B0FC8}"/>
+              </a:ext>
+            </a:extLst>
+          </p:cNvPr>
+          <p:cNvSpPr txBox="1"/>
+          <p:nvPr/>
+        </p:nvSpPr>
+        <p:spPr>
+          <a:xfrm>
+            <a:off x="2523488" y="567904"/>
+            <a:ext cx="6810227" cy="2308324"/>
+          </a:xfrm>
+          <a:prstGeom prst="rect">
+            <a:avLst/>
+          </a:prstGeom>
+          <a:noFill/>
+        </p:spPr>
+        <p:txBody>
+          <a:bodyPr wrap="square" rtlCol="0">
+            <a:spAutoFit/>
+          </a:bodyPr>
+          <a:lstStyle/>
+          <a:p>
+            <a:r>
+              <a:rPr lang="it-IT" dirty="0"/>
+              <a:t>The </a:t>
+            </a:r>
+            <a:r>
+              <a:rPr lang="it-IT" dirty="0" err="1"/>
+              <a:t>Actor</a:t>
+            </a:r>
+            <a:r>
+              <a:rPr lang="it-IT" dirty="0"/>
+              <a:t> model </a:t>
+            </a:r>
+            <a:r>
+              <a:rPr lang="it-IT" dirty="0" err="1"/>
+              <a:t>allows</a:t>
+            </a:r>
+            <a:r>
+              <a:rPr lang="it-IT" dirty="0"/>
+              <a:t> </a:t>
+            </a:r>
+            <a:r>
+              <a:rPr lang="it-IT" dirty="0" err="1"/>
+              <a:t>us</a:t>
+            </a:r>
+            <a:r>
+              <a:rPr lang="it-IT" dirty="0"/>
+              <a:t> to design software </a:t>
+            </a:r>
+            <a:r>
+              <a:rPr lang="it-IT" dirty="0" err="1"/>
+              <a:t>models</a:t>
+            </a:r>
+            <a:r>
+              <a:rPr lang="it-IT" dirty="0"/>
+              <a:t> </a:t>
+            </a:r>
+            <a:r>
+              <a:rPr lang="it-IT" dirty="0" err="1"/>
+              <a:t>that</a:t>
+            </a:r>
+            <a:r>
+              <a:rPr lang="it-IT" dirty="0"/>
+              <a:t> are:</a:t>
+            </a:r>
+          </a:p>
+          <a:p>
+            <a:pPr marL="285750" indent="-285750">
+              <a:buFont typeface="Arial" panose="020B0604020202020204" pitchFamily="34" charset="0"/>
+              <a:buChar char="•"/>
+            </a:pPr>
+            <a:r>
+              <a:rPr lang="it-IT" dirty="0"/>
+              <a:t>responsive, </a:t>
+            </a:r>
+            <a:r>
+              <a:rPr lang="it-IT" dirty="0" err="1"/>
+              <a:t>resilient</a:t>
+            </a:r>
+            <a:r>
+              <a:rPr lang="it-IT" dirty="0"/>
+              <a:t>, </a:t>
+            </a:r>
+            <a:r>
+              <a:rPr lang="it-IT" dirty="0" err="1"/>
+              <a:t>elastic,message-driven</a:t>
+            </a:r>
+            <a:endParaRPr lang="it-IT" dirty="0"/>
+          </a:p>
+          <a:p>
+            <a:pPr marL="285750" indent="-285750">
+              <a:buFont typeface="Arial" panose="020B0604020202020204" pitchFamily="34" charset="0"/>
+              <a:buChar char="•"/>
+            </a:pPr>
+            <a:r>
+              <a:rPr lang="it-IT" dirty="0"/>
+              <a:t>more </a:t>
+            </a:r>
+            <a:r>
+              <a:rPr lang="en-US" dirty="0"/>
+              <a:t>understandable</a:t>
+            </a:r>
+          </a:p>
+          <a:p>
+            <a:pPr marL="285750" indent="-285750">
+              <a:buFont typeface="Arial" panose="020B0604020202020204" pitchFamily="34" charset="0"/>
+              <a:buChar char="•"/>
+            </a:pPr>
+            <a:r>
+              <a:rPr lang="it-IT" dirty="0" err="1"/>
+              <a:t>able</a:t>
+            </a:r>
+            <a:r>
+              <a:rPr lang="it-IT" dirty="0"/>
+              <a:t> to </a:t>
+            </a:r>
+            <a:r>
+              <a:rPr lang="it-IT" dirty="0" err="1"/>
+              <a:t>employ</a:t>
+            </a:r>
+            <a:r>
+              <a:rPr lang="it-IT" dirty="0"/>
+              <a:t> </a:t>
+            </a:r>
+            <a:r>
+              <a:rPr lang="it-IT" dirty="0" err="1"/>
+              <a:t>both</a:t>
+            </a:r>
+            <a:r>
+              <a:rPr lang="it-IT" dirty="0"/>
+              <a:t> </a:t>
+            </a:r>
+            <a:r>
+              <a:rPr lang="it-IT" dirty="0" err="1"/>
+              <a:t>sequential</a:t>
+            </a:r>
+            <a:r>
+              <a:rPr lang="it-IT" dirty="0"/>
+              <a:t> and </a:t>
+            </a:r>
+            <a:r>
+              <a:rPr lang="it-IT" dirty="0" err="1"/>
+              <a:t>functional</a:t>
+            </a:r>
+            <a:r>
+              <a:rPr lang="it-IT" dirty="0"/>
+              <a:t> </a:t>
+            </a:r>
+            <a:r>
+              <a:rPr lang="it-IT" dirty="0" err="1"/>
+              <a:t>programming</a:t>
+            </a:r>
+            <a:r>
+              <a:rPr lang="it-IT" dirty="0"/>
+              <a:t> </a:t>
+            </a:r>
+            <a:r>
+              <a:rPr lang="it-IT" dirty="0" err="1"/>
+              <a:t>techniques</a:t>
+            </a:r>
+            <a:r>
+              <a:rPr lang="it-IT" dirty="0"/>
+              <a:t> in a </a:t>
+            </a:r>
+            <a:r>
+              <a:rPr lang="it-IT" dirty="0" err="1"/>
+              <a:t>highly</a:t>
+            </a:r>
+            <a:r>
+              <a:rPr lang="it-IT" dirty="0"/>
+              <a:t> </a:t>
+            </a:r>
+            <a:r>
+              <a:rPr lang="it-IT" dirty="0" err="1"/>
+              <a:t>dynamic</a:t>
+            </a:r>
+            <a:r>
+              <a:rPr lang="it-IT" dirty="0"/>
+              <a:t> </a:t>
+            </a:r>
+            <a:r>
+              <a:rPr lang="it-IT" dirty="0" err="1"/>
+              <a:t>environemt</a:t>
+            </a:r>
+            <a:endParaRPr lang="it-IT" dirty="0"/>
+          </a:p>
+          <a:p>
+            <a:pPr marL="285750" indent="-285750">
+              <a:buFont typeface="Arial" panose="020B0604020202020204" pitchFamily="34" charset="0"/>
+              <a:buChar char="•"/>
+            </a:pPr>
+            <a:r>
+              <a:rPr lang="it-IT" dirty="0" err="1"/>
+              <a:t>able</a:t>
+            </a:r>
+            <a:r>
+              <a:rPr lang="it-IT" dirty="0"/>
+              <a:t> to </a:t>
+            </a:r>
+            <a:r>
+              <a:rPr lang="it-IT" dirty="0" err="1"/>
+              <a:t>abstractely</a:t>
+            </a:r>
+            <a:r>
+              <a:rPr lang="it-IT" dirty="0"/>
+              <a:t> </a:t>
+            </a:r>
+            <a:r>
+              <a:rPr lang="it-IT" dirty="0" err="1"/>
+              <a:t>increase</a:t>
+            </a:r>
+            <a:r>
+              <a:rPr lang="it-IT" dirty="0"/>
+              <a:t> the </a:t>
+            </a:r>
+            <a:r>
+              <a:rPr lang="it-IT" dirty="0" err="1"/>
+              <a:t>distributiviy</a:t>
+            </a:r>
+            <a:r>
+              <a:rPr lang="it-IT" dirty="0"/>
+              <a:t> of </a:t>
+            </a:r>
+            <a:r>
+              <a:rPr lang="it-IT" dirty="0" err="1"/>
+              <a:t>computation</a:t>
+            </a:r>
+            <a:r>
+              <a:rPr lang="it-IT" dirty="0"/>
+              <a:t> </a:t>
+            </a:r>
+            <a:r>
+              <a:rPr lang="it-IT" dirty="0" err="1"/>
+              <a:t>as</a:t>
+            </a:r>
+            <a:r>
+              <a:rPr lang="it-IT" dirty="0"/>
+              <a:t> </a:t>
+            </a:r>
+            <a:r>
+              <a:rPr lang="it-IT" dirty="0" err="1"/>
+              <a:t>it</a:t>
+            </a:r>
+            <a:r>
+              <a:rPr lang="it-IT" dirty="0"/>
+              <a:t> </a:t>
+            </a:r>
+            <a:r>
+              <a:rPr lang="it-IT" dirty="0" err="1"/>
+              <a:t>evolves</a:t>
+            </a:r>
+            <a:r>
+              <a:rPr lang="it-IT" dirty="0"/>
+              <a:t>, by </a:t>
+            </a:r>
+            <a:r>
+              <a:rPr lang="it-IT" dirty="0" err="1"/>
+              <a:t>dynamically</a:t>
+            </a:r>
+            <a:r>
+              <a:rPr lang="it-IT" dirty="0"/>
+              <a:t> </a:t>
+            </a:r>
+            <a:r>
+              <a:rPr lang="it-IT" dirty="0" err="1"/>
+              <a:t>creating</a:t>
+            </a:r>
+            <a:r>
+              <a:rPr lang="it-IT" dirty="0"/>
+              <a:t> new </a:t>
+            </a:r>
+            <a:r>
+              <a:rPr lang="it-IT" dirty="0" err="1"/>
+              <a:t>actors</a:t>
+            </a:r>
+            <a:endParaRPr lang="en-US" dirty="0"/>
+          </a:p>
+          <a:p>
+            <a:pPr marL="285750" indent="-285750">
+              <a:buFont typeface="Arial" panose="020B0604020202020204" pitchFamily="34" charset="0"/>
+              <a:buChar char="•"/>
+            </a:pPr>
+            <a:r>
+              <a:rPr lang="it-IT" dirty="0" err="1"/>
+              <a:t>integrable</a:t>
+            </a:r>
+            <a:r>
+              <a:rPr lang="it-IT" dirty="0"/>
+              <a:t> with </a:t>
+            </a:r>
+            <a:r>
+              <a:rPr lang="it-IT" dirty="0" err="1"/>
+              <a:t>existing</a:t>
+            </a:r>
+            <a:r>
+              <a:rPr lang="it-IT" dirty="0"/>
+              <a:t> </a:t>
+            </a:r>
+            <a:r>
+              <a:rPr lang="it-IT" dirty="0" err="1"/>
+              <a:t>systems</a:t>
+            </a:r>
+            <a:endParaRPr lang="it-IT" dirty="0"/>
+          </a:p>
+        </p:txBody>
+      </p:sp>
+      <p:pic>
+        <p:nvPicPr>
+          <p:cNvPr id="3" name="Picture 2" descr="https://images-na.ssl-images-amazon.com/images/I/51vsxsejygL._SX382_BO1,204,203,200_.jpg">
+            <a:extLst>
+              <a:ext uri="{FF2B5EF4-FFF2-40B4-BE49-F238E27FC236}">
+                <a16:creationId xmlns:a16="http://schemas.microsoft.com/office/drawing/2014/main" id="{69202B4C-B6E4-4AEB-AC0A-A60C5C087E27}"/>
+              </a:ext>
+            </a:extLst>
+          </p:cNvPr>
+          <p:cNvPicPr>
+            <a:picLocks noChangeAspect="1" noChangeArrowheads="1"/>
+          </p:cNvPicPr>
+          <p:nvPr/>
+        </p:nvPicPr>
+        <p:blipFill>
+          <a:blip r:embed="rId2" cstate="print">
+            <a:extLst>
+              <a:ext uri="{28A0092B-C50C-407E-A947-70E740481C1C}">
+                <a14:useLocalDpi xmlns:a14="http://schemas.microsoft.com/office/drawing/2010/main" val="0"/>
+              </a:ext>
+            </a:extLst>
+          </a:blip>
+          <a:srcRect/>
+          <a:stretch>
+            <a:fillRect/>
+          </a:stretch>
+        </p:blipFill>
+        <p:spPr bwMode="auto">
+          <a:xfrm>
+            <a:off x="622819" y="650511"/>
+            <a:ext cx="1767306" cy="2356197"/>
+          </a:xfrm>
+          <a:prstGeom prst="rect">
+            <a:avLst/>
+          </a:prstGeom>
+          <a:noFill/>
+          <a:extLst>
+            <a:ext uri="{909E8E84-426E-40DD-AFC4-6F175D3DCCD1}">
+              <a14:hiddenFill xmlns:a14="http://schemas.microsoft.com/office/drawing/2010/main">
+                <a:solidFill>
+                  <a:srgbClr val="FFFFFF"/>
+                </a:solidFill>
+              </a14:hiddenFill>
+            </a:ext>
+          </a:extLst>
+        </p:spPr>
+      </p:pic>
+      <p:pic>
+        <p:nvPicPr>
+          <p:cNvPr id="4" name="Picture 2" descr="https://images-na.ssl-images-amazon.com/images/I/51D9uX67cDL._SX371_BO1,204,203,200_.jpg">
+            <a:extLst>
+              <a:ext uri="{FF2B5EF4-FFF2-40B4-BE49-F238E27FC236}">
+                <a16:creationId xmlns:a16="http://schemas.microsoft.com/office/drawing/2014/main" id="{2AF935B9-FDF7-4C98-A083-7F5B898F3770}"/>
+              </a:ext>
+            </a:extLst>
+          </p:cNvPr>
+          <p:cNvPicPr>
+            <a:picLocks noChangeAspect="1" noChangeArrowheads="1"/>
+          </p:cNvPicPr>
+          <p:nvPr/>
+        </p:nvPicPr>
+        <p:blipFill>
+          <a:blip r:embed="rId3">
+            <a:extLst>
+              <a:ext uri="{28A0092B-C50C-407E-A947-70E740481C1C}">
+                <a14:useLocalDpi xmlns:a14="http://schemas.microsoft.com/office/drawing/2010/main" val="0"/>
+              </a:ext>
+            </a:extLst>
+          </a:blip>
+          <a:srcRect/>
+          <a:stretch>
+            <a:fillRect/>
+          </a:stretch>
+        </p:blipFill>
+        <p:spPr bwMode="auto">
+          <a:xfrm>
+            <a:off x="2523488" y="3146751"/>
+            <a:ext cx="2661859" cy="3561040"/>
+          </a:xfrm>
+          <a:prstGeom prst="rect">
+            <a:avLst/>
+          </a:prstGeom>
+          <a:noFill/>
+          <a:extLst>
+            <a:ext uri="{909E8E84-426E-40DD-AFC4-6F175D3DCCD1}">
+              <a14:hiddenFill xmlns:a14="http://schemas.microsoft.com/office/drawing/2010/main">
+                <a:solidFill>
+                  <a:srgbClr val="FFFFFF"/>
+                </a:solidFill>
+              </a14:hiddenFill>
+            </a:ext>
+          </a:extLst>
+        </p:spPr>
+      </p:pic>
+    </p:spTree>
+    <p:extLst>
+      <p:ext uri="{BB962C8B-B14F-4D97-AF65-F5344CB8AC3E}">
+        <p14:creationId xmlns:p14="http://schemas.microsoft.com/office/powerpoint/2010/main" val="1832908108"/>
+      </p:ext>
+    </p:extLst>
+  </p:cSld>
+  <p:clrMapOvr>
+    <a:masterClrMapping/>
+  </p:clrMapOvr>
+  <p:timing>
+    <p:tnLst>
+      <p:par>
+        <p:cTn id="1" dur="indefinite" restart="never" nodeType="tmRoot">
+          <p:childTnLst>
+            <p:seq concurrent="1" nextAc="seek">
+              <p:cTn id="2" dur="indefinite" nodeType="mainSeq">
+                <p:childTnLst>
+                  <p:par>
+                    <p:cTn id="3" fill="hold">
+                      <p:stCondLst>
+                        <p:cond delay="indefinite"/>
+                      </p:stCondLst>
+                      <p:childTnLst>
+                        <p:par>
+                          <p:cTn id="4" fill="hold">
+                            <p:stCondLst>
+                              <p:cond delay="0"/>
+                            </p:stCondLst>
+                            <p:childTnLst>
+                              <p:par>
+                                <p:cTn id="5" presetID="2" presetClass="entr" presetSubtype="4" fill="hold" nodeType="clickEffect">
+                                  <p:stCondLst>
+                                    <p:cond delay="0"/>
+                                  </p:stCondLst>
+                                  <p:childTnLst>
+                                    <p:set>
+                                      <p:cBhvr>
+                                        <p:cTn id="6" dur="1" fill="hold">
+                                          <p:stCondLst>
+                                            <p:cond delay="0"/>
+                                          </p:stCondLst>
+                                        </p:cTn>
+                                        <p:tgtEl>
+                                          <p:spTgt spid="3"/>
+                                        </p:tgtEl>
+                                        <p:attrNameLst>
+                                          <p:attrName>style.visibility</p:attrName>
+                                        </p:attrNameLst>
+                                      </p:cBhvr>
+                                      <p:to>
+                                        <p:strVal val="visible"/>
+                                      </p:to>
+                                    </p:set>
+                                    <p:anim calcmode="lin" valueType="num">
+                                      <p:cBhvr additive="base">
+                                        <p:cTn id="7" dur="500" fill="hold"/>
+                                        <p:tgtEl>
+                                          <p:spTgt spid="3"/>
+                                        </p:tgtEl>
+                                        <p:attrNameLst>
+                                          <p:attrName>ppt_x</p:attrName>
+                                        </p:attrNameLst>
+                                      </p:cBhvr>
+                                      <p:tavLst>
+                                        <p:tav tm="0%">
+                                          <p:val>
+                                            <p:strVal val="#ppt_x"/>
+                                          </p:val>
+                                        </p:tav>
+                                        <p:tav tm="100%">
+                                          <p:val>
+                                            <p:strVal val="#ppt_x"/>
+                                          </p:val>
+                                        </p:tav>
+                                      </p:tavLst>
+                                    </p:anim>
+                                    <p:anim calcmode="lin" valueType="num">
+                                      <p:cBhvr additive="base">
+                                        <p:cTn id="8" dur="500" fill="hold"/>
+                                        <p:tgtEl>
+                                          <p:spTgt spid="3"/>
+                                        </p:tgtEl>
+                                        <p:attrNameLst>
+                                          <p:attrName>ppt_y</p:attrName>
+                                        </p:attrNameLst>
+                                      </p:cBhvr>
+                                      <p:tavLst>
+                                        <p:tav tm="0%">
+                                          <p:val>
+                                            <p:strVal val="1+#ppt_h/2"/>
+                                          </p:val>
+                                        </p:tav>
+                                        <p:tav tm="100%">
+                                          <p:val>
+                                            <p:strVal val="#ppt_y"/>
+                                          </p:val>
+                                        </p:tav>
+                                      </p:tavLst>
+                                    </p:anim>
+                                  </p:childTnLst>
+                                </p:cTn>
+                              </p:par>
+                              <p:par>
+                                <p:cTn id="9" presetID="2" presetClass="entr" presetSubtype="4" fill="hold" grpId="0" nodeType="withEffect">
+                                  <p:stCondLst>
+                                    <p:cond delay="0"/>
+                                  </p:stCondLst>
+                                  <p:childTnLst>
+                                    <p:set>
+                                      <p:cBhvr>
+                                        <p:cTn id="10" dur="1" fill="hold">
+                                          <p:stCondLst>
+                                            <p:cond delay="0"/>
+                                          </p:stCondLst>
+                                        </p:cTn>
+                                        <p:tgtEl>
+                                          <p:spTgt spid="2"/>
+                                        </p:tgtEl>
+                                        <p:attrNameLst>
+                                          <p:attrName>style.visibility</p:attrName>
+                                        </p:attrNameLst>
+                                      </p:cBhvr>
+                                      <p:to>
+                                        <p:strVal val="visible"/>
+                                      </p:to>
+                                    </p:set>
+                                    <p:anim calcmode="lin" valueType="num">
+                                      <p:cBhvr additive="base">
+                                        <p:cTn id="11" dur="500" fill="hold"/>
+                                        <p:tgtEl>
+                                          <p:spTgt spid="2"/>
+                                        </p:tgtEl>
+                                        <p:attrNameLst>
+                                          <p:attrName>ppt_x</p:attrName>
+                                        </p:attrNameLst>
+                                      </p:cBhvr>
+                                      <p:tavLst>
+                                        <p:tav tm="0%">
+                                          <p:val>
+                                            <p:strVal val="#ppt_x"/>
+                                          </p:val>
+                                        </p:tav>
+                                        <p:tav tm="100%">
+                                          <p:val>
+                                            <p:strVal val="#ppt_x"/>
+                                          </p:val>
+                                        </p:tav>
+                                      </p:tavLst>
+                                    </p:anim>
+                                    <p:anim calcmode="lin" valueType="num">
+                                      <p:cBhvr additive="base">
+                                        <p:cTn id="12" dur="500" fill="hold"/>
+                                        <p:tgtEl>
+                                          <p:spTgt spid="2"/>
+                                        </p:tgtEl>
+                                        <p:attrNameLst>
+                                          <p:attrName>ppt_y</p:attrName>
+                                        </p:attrNameLst>
+                                      </p:cBhvr>
+                                      <p:tavLst>
+                                        <p:tav tm="0%">
+                                          <p:val>
+                                            <p:strVal val="1+#ppt_h/2"/>
+                                          </p:val>
+                                        </p:tav>
+                                        <p:tav tm="100%">
+                                          <p:val>
+                                            <p:strVal val="#ppt_y"/>
+                                          </p:val>
+                                        </p:tav>
+                                      </p:tavLst>
+                                    </p:anim>
+                                  </p:childTnLst>
+                                </p:cTn>
+                              </p:par>
+                            </p:childTnLst>
+                          </p:cTn>
+                        </p:par>
+                      </p:childTnLst>
+                    </p:cTn>
+                  </p:par>
+                </p:childTnLst>
+              </p:cTn>
+              <p:prevCondLst>
+                <p:cond evt="onPrev" delay="0">
+                  <p:tgtEl>
+                    <p:sldTgt/>
+                  </p:tgtEl>
+                </p:cond>
+              </p:prevCondLst>
+              <p:nextCondLst>
+                <p:cond evt="onNext" delay="0">
+                  <p:tgtEl>
+                    <p:sldTgt/>
+                  </p:tgtEl>
+                </p:cond>
+              </p:nextCondLst>
+            </p:seq>
+          </p:childTnLst>
+        </p:cTn>
+      </p:par>
+    </p:tnLst>
+    <p:bldLst>
+      <p:bldP spid="2" grpId="0"/>
+    </p:bldLst>
+  </p:timing>
+</p:sld>
+</file>
+
+<file path=ppt/slides/slide15.xml><?xml version="1.0" encoding="utf-8"?>
+<p:sld xmlns:a="http://purl.oclc.org/ooxml/drawingml/main" xmlns:r="http://purl.oclc.org/ooxml/officeDocument/relationships" xmlns:p="http://purl.oclc.org/ooxml/presentationml/main">
+  <p:cSld>
+    <p:spTree>
+      <p:nvGrpSpPr>
+        <p:cNvPr id="1" name=""/>
+        <p:cNvGrpSpPr/>
+        <p:nvPr/>
+      </p:nvGrpSpPr>
+      <p:grpSpPr>
+        <a:xfrm>
+          <a:off x="0" y="0"/>
+          <a:ext cx="0" cy="0"/>
+          <a:chOff x="0" y="0"/>
+          <a:chExt cx="0" cy="0"/>
+        </a:xfrm>
+      </p:grpSpPr>
+      <p:sp>
+        <p:nvSpPr>
+          <p:cNvPr id="4" name="Titolo 3"/>
+          <p:cNvSpPr>
+            <a:spLocks noGrp="1"/>
+          </p:cNvSpPr>
+          <p:nvPr>
+            <p:ph type="title"/>
+          </p:nvPr>
+        </p:nvSpPr>
+        <p:spPr/>
+        <p:txBody>
+          <a:bodyPr>
+            <a:normAutofit/>
+          </a:bodyPr>
+          <a:lstStyle/>
+          <a:p>
+            <a:r>
+              <a:rPr lang="it-IT" dirty="0"/>
+              <a:t>The Internet of (</a:t>
+            </a:r>
+            <a:r>
+              <a:rPr lang="it-IT" dirty="0" err="1"/>
+              <a:t>Every</a:t>
+            </a:r>
+            <a:r>
+              <a:rPr lang="it-IT" dirty="0"/>
+              <a:t>)</a:t>
+            </a:r>
+            <a:r>
+              <a:rPr lang="it-IT" dirty="0" err="1"/>
+              <a:t>Thing</a:t>
+            </a:r>
+            <a:r>
+              <a:rPr lang="it-IT" dirty="0"/>
+              <a:t> (</a:t>
+            </a:r>
+            <a:r>
+              <a:rPr lang="it-IT" dirty="0" err="1"/>
+              <a:t>IoT</a:t>
+            </a:r>
+            <a:r>
+              <a:rPr lang="it-IT" dirty="0"/>
+              <a:t>, </a:t>
+            </a:r>
+            <a:r>
+              <a:rPr lang="it-IT" dirty="0" err="1"/>
+              <a:t>IoE</a:t>
+            </a:r>
+            <a:r>
+              <a:rPr lang="it-IT" dirty="0"/>
+              <a:t>)</a:t>
+            </a:r>
+            <a:endParaRPr lang="en-GB" dirty="0"/>
+          </a:p>
+        </p:txBody>
+      </p:sp>
+      <p:sp>
+        <p:nvSpPr>
+          <p:cNvPr id="2" name="Segnaposto piè di pagina 1"/>
+          <p:cNvSpPr>
+            <a:spLocks noGrp="1"/>
+          </p:cNvSpPr>
+          <p:nvPr>
+            <p:ph type="ftr" sz="quarter" idx="11"/>
+          </p:nvPr>
+        </p:nvSpPr>
+        <p:spPr>
+          <a:xfrm>
+            <a:off x="3124200" y="6356350"/>
+            <a:ext cx="2895600" cy="365125"/>
+          </a:xfrm>
+          <a:prstGeom prst="rect">
+            <a:avLst/>
+          </a:prstGeom>
+        </p:spPr>
+        <p:txBody>
+          <a:bodyPr vert="horz" lIns="91440" tIns="45720" rIns="91440" bIns="45720" rtlCol="0" anchor="ctr"/>
+          <a:lstStyle>
+            <a:defPPr>
+              <a:defRPr lang="it-IT"/>
+            </a:defPPr>
+            <a:lvl1pPr marL="0" algn="ctr" defTabSz="914400" rtl="0" eaLnBrk="1" latinLnBrk="0" hangingPunct="1">
+              <a:defRPr sz="1200" kern="1200">
+                <a:solidFill>
+                  <a:schemeClr val="tx1">
+                    <a:tint val="75%"/>
+                  </a:schemeClr>
+                </a:solidFill>
+                <a:latin typeface="+mn-lt"/>
+                <a:ea typeface="+mn-ea"/>
+                <a:cs typeface="+mn-cs"/>
+              </a:defRPr>
+            </a:lvl1pPr>
+            <a:lvl2pPr marL="457200" algn="l" defTabSz="914400" rtl="0" eaLnBrk="1" latinLnBrk="0" hangingPunct="1">
+              <a:defRPr sz="1800" kern="1200">
+                <a:solidFill>
+                  <a:schemeClr val="tx1"/>
+                </a:solidFill>
+                <a:latin typeface="+mn-lt"/>
+                <a:ea typeface="+mn-ea"/>
+                <a:cs typeface="+mn-cs"/>
+              </a:defRPr>
+            </a:lvl2pPr>
+            <a:lvl3pPr marL="914400" algn="l" defTabSz="914400" rtl="0" eaLnBrk="1" latinLnBrk="0" hangingPunct="1">
+              <a:defRPr sz="1800" kern="1200">
+                <a:solidFill>
+                  <a:schemeClr val="tx1"/>
+                </a:solidFill>
+                <a:latin typeface="+mn-lt"/>
+                <a:ea typeface="+mn-ea"/>
+                <a:cs typeface="+mn-cs"/>
+              </a:defRPr>
+            </a:lvl3pPr>
+            <a:lvl4pPr marL="1371600" algn="l" defTabSz="914400" rtl="0" eaLnBrk="1" latinLnBrk="0" hangingPunct="1">
+              <a:defRPr sz="1800" kern="1200">
+                <a:solidFill>
+                  <a:schemeClr val="tx1"/>
+                </a:solidFill>
+                <a:latin typeface="+mn-lt"/>
+                <a:ea typeface="+mn-ea"/>
+                <a:cs typeface="+mn-cs"/>
+              </a:defRPr>
+            </a:lvl4pPr>
+            <a:lvl5pPr marL="1828800" algn="l" defTabSz="914400" rtl="0" eaLnBrk="1" latinLnBrk="0" hangingPunct="1">
+              <a:defRPr sz="1800" kern="1200">
+                <a:solidFill>
+                  <a:schemeClr val="tx1"/>
+                </a:solidFill>
+                <a:latin typeface="+mn-lt"/>
+                <a:ea typeface="+mn-ea"/>
+                <a:cs typeface="+mn-cs"/>
+              </a:defRPr>
+            </a:lvl5pPr>
+            <a:lvl6pPr marL="2286000" algn="l" defTabSz="914400" rtl="0" eaLnBrk="1" latinLnBrk="0" hangingPunct="1">
+              <a:defRPr sz="1800" kern="1200">
+                <a:solidFill>
+                  <a:schemeClr val="tx1"/>
+                </a:solidFill>
+                <a:latin typeface="+mn-lt"/>
+                <a:ea typeface="+mn-ea"/>
+                <a:cs typeface="+mn-cs"/>
+              </a:defRPr>
+            </a:lvl6pPr>
+            <a:lvl7pPr marL="2743200" algn="l" defTabSz="914400" rtl="0" eaLnBrk="1" latinLnBrk="0" hangingPunct="1">
+              <a:defRPr sz="1800" kern="1200">
+                <a:solidFill>
+                  <a:schemeClr val="tx1"/>
+                </a:solidFill>
+                <a:latin typeface="+mn-lt"/>
+                <a:ea typeface="+mn-ea"/>
+                <a:cs typeface="+mn-cs"/>
+              </a:defRPr>
+            </a:lvl7pPr>
+            <a:lvl8pPr marL="3200400" algn="l" defTabSz="914400" rtl="0" eaLnBrk="1" latinLnBrk="0" hangingPunct="1">
+              <a:defRPr sz="1800" kern="1200">
+                <a:solidFill>
+                  <a:schemeClr val="tx1"/>
+                </a:solidFill>
+                <a:latin typeface="+mn-lt"/>
+                <a:ea typeface="+mn-ea"/>
+                <a:cs typeface="+mn-cs"/>
+              </a:defRPr>
+            </a:lvl8pPr>
+            <a:lvl9pPr marL="3657600" algn="l" defTabSz="914400" rtl="0" eaLnBrk="1" latinLnBrk="0" hangingPunct="1">
+              <a:defRPr sz="1800" kern="1200">
+                <a:solidFill>
+                  <a:schemeClr val="tx1"/>
+                </a:solidFill>
+                <a:latin typeface="+mn-lt"/>
+                <a:ea typeface="+mn-ea"/>
+                <a:cs typeface="+mn-cs"/>
+              </a:defRPr>
+            </a:lvl9pPr>
+          </a:lstStyle>
+          <a:p>
+            <a:r>
+              <a:rPr lang="it-IT"/>
+              <a:t>ANatali  - DISI - IOT - Univeristy of Bologna</a:t>
+            </a:r>
+            <a:endParaRPr lang="it-IT" dirty="0"/>
+          </a:p>
+        </p:txBody>
+      </p:sp>
+      <p:sp>
+        <p:nvSpPr>
+          <p:cNvPr id="3" name="Segnaposto numero diapositiva 2"/>
+          <p:cNvSpPr>
+            <a:spLocks noGrp="1"/>
+          </p:cNvSpPr>
+          <p:nvPr>
+            <p:ph type="sldNum" sz="quarter" idx="12"/>
+          </p:nvPr>
+        </p:nvSpPr>
+        <p:spPr>
+          <a:xfrm>
+            <a:off x="6553200" y="6356350"/>
+            <a:ext cx="2133600" cy="365125"/>
+          </a:xfrm>
+          <a:prstGeom prst="rect">
+            <a:avLst/>
+          </a:prstGeom>
+        </p:spPr>
+        <p:txBody>
+          <a:bodyPr vert="horz" lIns="91440" tIns="45720" rIns="91440" bIns="45720" rtlCol="0" anchor="ctr"/>
+          <a:lstStyle>
+            <a:defPPr>
+              <a:defRPr lang="it-IT"/>
+            </a:defPPr>
+            <a:lvl1pPr marL="0" algn="r" defTabSz="914400" rtl="0" eaLnBrk="1" latinLnBrk="0" hangingPunct="1">
+              <a:defRPr sz="1200" kern="1200">
+                <a:solidFill>
+                  <a:schemeClr val="tx1">
+                    <a:tint val="75%"/>
+                  </a:schemeClr>
+                </a:solidFill>
+                <a:latin typeface="+mn-lt"/>
+                <a:ea typeface="+mn-ea"/>
+                <a:cs typeface="+mn-cs"/>
+              </a:defRPr>
+            </a:lvl1pPr>
+            <a:lvl2pPr marL="457200" algn="l" defTabSz="914400" rtl="0" eaLnBrk="1" latinLnBrk="0" hangingPunct="1">
+              <a:defRPr sz="1800" kern="1200">
+                <a:solidFill>
+                  <a:schemeClr val="tx1"/>
+                </a:solidFill>
+                <a:latin typeface="+mn-lt"/>
+                <a:ea typeface="+mn-ea"/>
+                <a:cs typeface="+mn-cs"/>
+              </a:defRPr>
+            </a:lvl2pPr>
+            <a:lvl3pPr marL="914400" algn="l" defTabSz="914400" rtl="0" eaLnBrk="1" latinLnBrk="0" hangingPunct="1">
+              <a:defRPr sz="1800" kern="1200">
+                <a:solidFill>
+                  <a:schemeClr val="tx1"/>
+                </a:solidFill>
+                <a:latin typeface="+mn-lt"/>
+                <a:ea typeface="+mn-ea"/>
+                <a:cs typeface="+mn-cs"/>
+              </a:defRPr>
+            </a:lvl3pPr>
+            <a:lvl4pPr marL="1371600" algn="l" defTabSz="914400" rtl="0" eaLnBrk="1" latinLnBrk="0" hangingPunct="1">
+              <a:defRPr sz="1800" kern="1200">
+                <a:solidFill>
+                  <a:schemeClr val="tx1"/>
+                </a:solidFill>
+                <a:latin typeface="+mn-lt"/>
+                <a:ea typeface="+mn-ea"/>
+                <a:cs typeface="+mn-cs"/>
+              </a:defRPr>
+            </a:lvl4pPr>
+            <a:lvl5pPr marL="1828800" algn="l" defTabSz="914400" rtl="0" eaLnBrk="1" latinLnBrk="0" hangingPunct="1">
+              <a:defRPr sz="1800" kern="1200">
+                <a:solidFill>
+                  <a:schemeClr val="tx1"/>
+                </a:solidFill>
+                <a:latin typeface="+mn-lt"/>
+                <a:ea typeface="+mn-ea"/>
+                <a:cs typeface="+mn-cs"/>
+              </a:defRPr>
+            </a:lvl5pPr>
+            <a:lvl6pPr marL="2286000" algn="l" defTabSz="914400" rtl="0" eaLnBrk="1" latinLnBrk="0" hangingPunct="1">
+              <a:defRPr sz="1800" kern="1200">
+                <a:solidFill>
+                  <a:schemeClr val="tx1"/>
+                </a:solidFill>
+                <a:latin typeface="+mn-lt"/>
+                <a:ea typeface="+mn-ea"/>
+                <a:cs typeface="+mn-cs"/>
+              </a:defRPr>
+            </a:lvl6pPr>
+            <a:lvl7pPr marL="2743200" algn="l" defTabSz="914400" rtl="0" eaLnBrk="1" latinLnBrk="0" hangingPunct="1">
+              <a:defRPr sz="1800" kern="1200">
+                <a:solidFill>
+                  <a:schemeClr val="tx1"/>
+                </a:solidFill>
+                <a:latin typeface="+mn-lt"/>
+                <a:ea typeface="+mn-ea"/>
+                <a:cs typeface="+mn-cs"/>
+              </a:defRPr>
+            </a:lvl7pPr>
+            <a:lvl8pPr marL="3200400" algn="l" defTabSz="914400" rtl="0" eaLnBrk="1" latinLnBrk="0" hangingPunct="1">
+              <a:defRPr sz="1800" kern="1200">
+                <a:solidFill>
+                  <a:schemeClr val="tx1"/>
+                </a:solidFill>
+                <a:latin typeface="+mn-lt"/>
+                <a:ea typeface="+mn-ea"/>
+                <a:cs typeface="+mn-cs"/>
+              </a:defRPr>
+            </a:lvl8pPr>
+            <a:lvl9pPr marL="3657600" algn="l" defTabSz="914400" rtl="0" eaLnBrk="1" latinLnBrk="0" hangingPunct="1">
+              <a:defRPr sz="1800" kern="1200">
+                <a:solidFill>
+                  <a:schemeClr val="tx1"/>
+                </a:solidFill>
+                <a:latin typeface="+mn-lt"/>
+                <a:ea typeface="+mn-ea"/>
+                <a:cs typeface="+mn-cs"/>
+              </a:defRPr>
+            </a:lvl9pPr>
+          </a:lstStyle>
+          <a:p>
+            <a:fld id="{03E3EE0D-7662-4732-93DA-E3593AA869E4}" type="slidenum">
+              <a:rPr lang="it-IT" smtClean="0"/>
+              <a:pPr/>
+              <a:t>15</a:t>
+            </a:fld>
+            <a:endParaRPr lang="it-IT"/>
+          </a:p>
+        </p:txBody>
+      </p:sp>
+      <p:pic>
+        <p:nvPicPr>
+          <p:cNvPr id="1026" name="Picture 2" descr="Risultati immagini per IOT technology chain"/>
+          <p:cNvPicPr>
+            <a:picLocks noChangeAspect="1" noChangeArrowheads="1"/>
+          </p:cNvPicPr>
+          <p:nvPr/>
+        </p:nvPicPr>
+        <p:blipFill>
+          <a:blip r:embed="rId2">
+            <a:extLst>
+              <a:ext uri="{28A0092B-C50C-407E-A947-70E740481C1C}">
+                <a14:useLocalDpi xmlns:a14="http://schemas.microsoft.com/office/drawing/2010/main" val="0"/>
+              </a:ext>
+            </a:extLst>
+          </a:blip>
+          <a:srcRect/>
+          <a:stretch>
+            <a:fillRect/>
+          </a:stretch>
+        </p:blipFill>
+        <p:spPr bwMode="auto">
+          <a:xfrm>
+            <a:off x="1703513" y="1268761"/>
+            <a:ext cx="8814411" cy="4371949"/>
+          </a:xfrm>
+          <a:prstGeom prst="rect">
+            <a:avLst/>
+          </a:prstGeom>
+          <a:noFill/>
+          <a:extLst>
+            <a:ext uri="{909E8E84-426E-40DD-AFC4-6F175D3DCCD1}">
+              <a14:hiddenFill xmlns:a14="http://schemas.microsoft.com/office/drawing/2010/main">
+                <a:solidFill>
+                  <a:srgbClr val="FFFFFF"/>
+                </a:solidFill>
+              </a14:hiddenFill>
+            </a:ext>
+          </a:extLst>
+        </p:spPr>
+      </p:pic>
+      <p:sp>
+        <p:nvSpPr>
+          <p:cNvPr id="6" name="CasellaDiTesto 5"/>
+          <p:cNvSpPr txBox="1"/>
+          <p:nvPr/>
+        </p:nvSpPr>
+        <p:spPr>
+          <a:xfrm>
+            <a:off x="1667702" y="5640709"/>
+            <a:ext cx="8856983" cy="707886"/>
+          </a:xfrm>
+          <a:prstGeom prst="rect">
+            <a:avLst/>
+          </a:prstGeom>
+          <a:noFill/>
+        </p:spPr>
+        <p:txBody>
+          <a:bodyPr wrap="square" rtlCol="0">
+            <a:spAutoFit/>
+          </a:bodyPr>
+          <a:lstStyle/>
+          <a:p>
+            <a:r>
+              <a:rPr lang="en-GB" sz="2000" dirty="0">
+                <a:solidFill>
+                  <a:srgbClr val="C00000"/>
+                </a:solidFill>
+              </a:rPr>
+              <a:t>Capturing the real value of Internet-connected devices goes much further than providing connectivity, a transport scheme and </a:t>
+            </a:r>
+            <a:r>
+              <a:rPr lang="en-GB" sz="2000" dirty="0" err="1">
+                <a:solidFill>
+                  <a:srgbClr val="C00000"/>
+                </a:solidFill>
+              </a:rPr>
+              <a:t>databasing</a:t>
+            </a:r>
+            <a:r>
+              <a:rPr lang="en-GB" sz="2000" dirty="0">
+                <a:solidFill>
+                  <a:srgbClr val="C00000"/>
+                </a:solidFill>
+              </a:rPr>
+              <a:t>.</a:t>
+            </a:r>
+          </a:p>
+        </p:txBody>
+      </p:sp>
+    </p:spTree>
+    <p:extLst>
+      <p:ext uri="{BB962C8B-B14F-4D97-AF65-F5344CB8AC3E}">
+        <p14:creationId xmlns:p14="http://schemas.microsoft.com/office/powerpoint/2010/main" val="3120821582"/>
+      </p:ext>
+    </p:extLst>
+  </p:cSld>
+  <p:clrMapOvr>
+    <a:masterClrMapping/>
+  </p:clrMapOvr>
+</p:sld>
+</file>
+
 <file path=ppt/slides/slide2.xml><?xml version="1.0" encoding="utf-8"?>
 <p:sld xmlns:a="http://purl.oclc.org/ooxml/drawingml/main" xmlns:r="http://purl.oclc.org/ooxml/officeDocument/relationships" xmlns:p="http://purl.oclc.org/ooxml/presentationml/main">
   <p:cSld>
